--- a/Никитин_курсовая.pptx
+++ b/Никитин_курсовая.pptx
@@ -5,22 +5,21 @@
     <p:sldMasterId id="2147483648" r:id="rId1"/>
   </p:sldMasterIdLst>
   <p:notesMasterIdLst>
-    <p:notesMasterId r:id="rId12"/>
+    <p:notesMasterId r:id="rId11"/>
   </p:notesMasterIdLst>
   <p:handoutMasterIdLst>
-    <p:handoutMasterId r:id="rId13"/>
+    <p:handoutMasterId r:id="rId12"/>
   </p:handoutMasterIdLst>
   <p:sldIdLst>
     <p:sldId id="256" r:id="rId2"/>
-    <p:sldId id="257" r:id="rId3"/>
-    <p:sldId id="260" r:id="rId4"/>
-    <p:sldId id="261" r:id="rId5"/>
-    <p:sldId id="266" r:id="rId6"/>
-    <p:sldId id="267" r:id="rId7"/>
-    <p:sldId id="258" r:id="rId8"/>
-    <p:sldId id="262" r:id="rId9"/>
+    <p:sldId id="268" r:id="rId3"/>
+    <p:sldId id="257" r:id="rId4"/>
+    <p:sldId id="260" r:id="rId5"/>
+    <p:sldId id="261" r:id="rId6"/>
+    <p:sldId id="266" r:id="rId7"/>
+    <p:sldId id="267" r:id="rId8"/>
+    <p:sldId id="258" r:id="rId9"/>
     <p:sldId id="263" r:id="rId10"/>
-    <p:sldId id="264" r:id="rId11"/>
   </p:sldIdLst>
   <p:sldSz cx="12192000" cy="6858000"/>
   <p:notesSz cx="6858000" cy="9144000"/>
@@ -165,7 +164,7 @@
           <p:cNvPr id="2" name="Верхний колонтитул 1">
             <a:extLst>
               <a:ext uri="{FF2B5EF4-FFF2-40B4-BE49-F238E27FC236}">
-                <a16:creationId xmlns:a16="http://schemas.microsoft.com/office/drawing/2014/main" id="{B6FE795F-4C8B-41B8-B1FC-DA2C8C54D55B}"/>
+                <a16:creationId xmlns:a16="http://schemas.microsoft.com/office/drawing/2014/main" xmlns="" id="{B6FE795F-4C8B-41B8-B1FC-DA2C8C54D55B}"/>
               </a:ext>
             </a:extLst>
           </p:cNvPr>
@@ -202,7 +201,7 @@
           <p:cNvPr id="3" name="Дата 2">
             <a:extLst>
               <a:ext uri="{FF2B5EF4-FFF2-40B4-BE49-F238E27FC236}">
-                <a16:creationId xmlns:a16="http://schemas.microsoft.com/office/drawing/2014/main" id="{D10486EB-A8A7-44B8-B66E-2BC304ABB4AF}"/>
+                <a16:creationId xmlns:a16="http://schemas.microsoft.com/office/drawing/2014/main" xmlns="" id="{D10486EB-A8A7-44B8-B66E-2BC304ABB4AF}"/>
               </a:ext>
             </a:extLst>
           </p:cNvPr>
@@ -232,7 +231,7 @@
           <a:p>
             <a:fld id="{236E72C7-43AE-4063-8FF7-89B1CFBE603A}" type="datetime1">
               <a:rPr lang="ru-RU" smtClean="0"/>
-              <a:t>25.09.2023</a:t>
+              <a:t>26.09.2023</a:t>
             </a:fld>
             <a:endParaRPr lang="ru-RU"/>
           </a:p>
@@ -243,7 +242,7 @@
           <p:cNvPr id="4" name="Нижний колонтитул 3">
             <a:extLst>
               <a:ext uri="{FF2B5EF4-FFF2-40B4-BE49-F238E27FC236}">
-                <a16:creationId xmlns:a16="http://schemas.microsoft.com/office/drawing/2014/main" id="{97C88724-E17E-417B-8FFA-E811B36E1611}"/>
+                <a16:creationId xmlns:a16="http://schemas.microsoft.com/office/drawing/2014/main" xmlns="" id="{97C88724-E17E-417B-8FFA-E811B36E1611}"/>
               </a:ext>
             </a:extLst>
           </p:cNvPr>
@@ -280,7 +279,7 @@
           <p:cNvPr id="5" name="Номер слайда 4">
             <a:extLst>
               <a:ext uri="{FF2B5EF4-FFF2-40B4-BE49-F238E27FC236}">
-                <a16:creationId xmlns:a16="http://schemas.microsoft.com/office/drawing/2014/main" id="{8EE36B77-194C-4616-B4E2-D58277D18617}"/>
+                <a16:creationId xmlns:a16="http://schemas.microsoft.com/office/drawing/2014/main" xmlns="" id="{8EE36B77-194C-4616-B4E2-D58277D18617}"/>
               </a:ext>
             </a:extLst>
           </p:cNvPr>
@@ -411,7 +410,7 @@
             <a:fld id="{27089729-063C-4E5A-A6EB-08E659FC9C39}" type="datetime1">
               <a:rPr lang="ru-RU" smtClean="0"/>
               <a:pPr/>
-              <a:t>25.09.2023</a:t>
+              <a:t>26.09.2023</a:t>
             </a:fld>
             <a:endParaRPr lang="ru-RU" dirty="0"/>
           </a:p>
@@ -937,7 +936,7 @@
             <a:pPr rtl="0"/>
             <a:fld id="{11526528-FE90-4551-AAFF-E7B0546E5E6C}" type="datetime1">
               <a:rPr lang="ru-RU" noProof="0" smtClean="0"/>
-              <a:t>25.09.2023</a:t>
+              <a:t>26.09.2023</a:t>
             </a:fld>
             <a:endParaRPr lang="ru-RU" noProof="0"/>
           </a:p>
@@ -1265,7 +1264,7 @@
             <a:pPr rtl="0"/>
             <a:fld id="{E092D585-557E-40E5-91A7-3068D1C4D495}" type="datetime1">
               <a:rPr lang="ru-RU" noProof="0" smtClean="0"/>
-              <a:t>25.09.2023</a:t>
+              <a:t>26.09.2023</a:t>
             </a:fld>
             <a:endParaRPr lang="ru-RU" noProof="0"/>
           </a:p>
@@ -1442,7 +1441,7 @@
             <a:pPr rtl="0"/>
             <a:fld id="{845C14AD-AFE4-45C3-8300-83EB1F50D5BD}" type="datetime1">
               <a:rPr lang="ru-RU" noProof="0" smtClean="0"/>
-              <a:t>25.09.2023</a:t>
+              <a:t>26.09.2023</a:t>
             </a:fld>
             <a:endParaRPr lang="ru-RU" noProof="0"/>
           </a:p>
@@ -1609,7 +1608,7 @@
             <a:pPr rtl="0"/>
             <a:fld id="{5DD0793B-D8B2-44DA-B50B-E62A8467DA85}" type="datetime1">
               <a:rPr lang="ru-RU" noProof="0" smtClean="0"/>
-              <a:t>25.09.2023</a:t>
+              <a:t>26.09.2023</a:t>
             </a:fld>
             <a:endParaRPr lang="ru-RU" noProof="0"/>
           </a:p>
@@ -1884,7 +1883,7 @@
             <a:pPr rtl="0"/>
             <a:fld id="{5D3B2C5E-6CCC-4B51-868B-E07ACEDCDD31}" type="datetime1">
               <a:rPr lang="ru-RU" noProof="0" smtClean="0"/>
-              <a:t>25.09.2023</a:t>
+              <a:t>26.09.2023</a:t>
             </a:fld>
             <a:endParaRPr lang="ru-RU" noProof="0"/>
           </a:p>
@@ -2275,7 +2274,7 @@
             <a:pPr rtl="0"/>
             <a:fld id="{E771E91C-0F49-48F0-B5B1-1A6AE31DC29B}" type="datetime1">
               <a:rPr lang="ru-RU" noProof="0" smtClean="0"/>
-              <a:t>25.09.2023</a:t>
+              <a:t>26.09.2023</a:t>
             </a:fld>
             <a:endParaRPr lang="ru-RU" noProof="0"/>
           </a:p>
@@ -2748,7 +2747,7 @@
             <a:pPr rtl="0"/>
             <a:fld id="{1D73EF8D-1E82-475D-8839-20F57F18DA02}" type="datetime1">
               <a:rPr lang="ru-RU" noProof="0" smtClean="0"/>
-              <a:t>25.09.2023</a:t>
+              <a:t>26.09.2023</a:t>
             </a:fld>
             <a:endParaRPr lang="ru-RU" noProof="0"/>
           </a:p>
@@ -2864,7 +2863,7 @@
             <a:pPr rtl="0"/>
             <a:fld id="{280EA6B1-10AD-4D4D-98B2-80AD45261879}" type="datetime1">
               <a:rPr lang="ru-RU" noProof="0" smtClean="0"/>
-              <a:t>25.09.2023</a:t>
+              <a:t>26.09.2023</a:t>
             </a:fld>
             <a:endParaRPr lang="ru-RU" noProof="0"/>
           </a:p>
@@ -2957,7 +2956,7 @@
             <a:pPr rtl="0"/>
             <a:fld id="{9B1A2D6F-2CE5-4A0F-BFB2-983EE60FF2C8}" type="datetime1">
               <a:rPr lang="ru-RU" noProof="0" smtClean="0"/>
-              <a:t>25.09.2023</a:t>
+              <a:t>26.09.2023</a:t>
             </a:fld>
             <a:endParaRPr lang="ru-RU" noProof="0"/>
           </a:p>
@@ -3300,7 +3299,7 @@
             <a:pPr rtl="0"/>
             <a:fld id="{EBB4E7A4-6B0E-46A8-8F2B-B31F2DDF0EC5}" type="datetime1">
               <a:rPr lang="ru-RU" noProof="0" smtClean="0"/>
-              <a:t>25.09.2023</a:t>
+              <a:t>26.09.2023</a:t>
             </a:fld>
             <a:endParaRPr lang="ru-RU" noProof="0"/>
           </a:p>
@@ -3687,7 +3686,7 @@
             <a:pPr rtl="0"/>
             <a:fld id="{268C5FC2-3389-49C5-B85D-6172CE8B509C}" type="datetime1">
               <a:rPr lang="ru-RU" noProof="0" smtClean="0"/>
-              <a:t>25.09.2023</a:t>
+              <a:t>26.09.2023</a:t>
             </a:fld>
             <a:endParaRPr lang="ru-RU" noProof="0"/>
           </a:p>
@@ -3963,7 +3962,7 @@
             <a:pPr rtl="0"/>
             <a:fld id="{C0D4A05A-3BE0-446A-A2EC-DE420FC44F6C}" type="datetime1">
               <a:rPr lang="ru-RU" noProof="0" smtClean="0"/>
-              <a:t>25.09.2023</a:t>
+              <a:t>26.09.2023</a:t>
             </a:fld>
             <a:endParaRPr lang="ru-RU" noProof="0" dirty="0"/>
           </a:p>
@@ -4490,32 +4489,8 @@
           <a:lstStyle/>
           <a:p>
             <a:r>
-              <a:rPr lang="ru-RU" dirty="0" err="1"/>
-              <a:t>Turn</a:t>
-            </a:r>
-            <a:r>
               <a:rPr lang="ru-RU" dirty="0"/>
-              <a:t> </a:t>
-            </a:r>
-            <a:r>
-              <a:rPr lang="ru-RU" dirty="0" err="1"/>
-              <a:t>up</a:t>
-            </a:r>
-            <a:r>
-              <a:rPr lang="ru-RU" dirty="0"/>
-              <a:t> </a:t>
-            </a:r>
-            <a:r>
-              <a:rPr lang="ru-RU" dirty="0" err="1"/>
-              <a:t>the</a:t>
-            </a:r>
-            <a:r>
-              <a:rPr lang="ru-RU" dirty="0"/>
-              <a:t> </a:t>
-            </a:r>
-            <a:r>
-              <a:rPr lang="ru-RU" dirty="0" err="1"/>
-              <a:t>heat</a:t>
+              <a:t>Turn up the heat</a:t>
             </a:r>
           </a:p>
         </p:txBody>
@@ -4560,86 +4535,6 @@
     <p:extLst>
       <p:ext uri="{BB962C8B-B14F-4D97-AF65-F5344CB8AC3E}">
         <p14:creationId xmlns:p14="http://schemas.microsoft.com/office/powerpoint/2010/main" val="3601082625"/>
-      </p:ext>
-    </p:extLst>
-  </p:cSld>
-  <p:clrMapOvr>
-    <a:masterClrMapping/>
-  </p:clrMapOvr>
-</p:sld>
-</file>
-
-<file path=ppt/slides/slide10.xml><?xml version="1.0" encoding="utf-8"?>
-<p:sld xmlns:a="http://schemas.openxmlformats.org/drawingml/2006/main" xmlns:r="http://schemas.openxmlformats.org/officeDocument/2006/relationships" xmlns:p="http://schemas.openxmlformats.org/presentationml/2006/main">
-  <p:cSld>
-    <p:spTree>
-      <p:nvGrpSpPr>
-        <p:cNvPr id="1" name=""/>
-        <p:cNvGrpSpPr/>
-        <p:nvPr/>
-      </p:nvGrpSpPr>
-      <p:grpSpPr>
-        <a:xfrm>
-          <a:off x="0" y="0"/>
-          <a:ext cx="0" cy="0"/>
-          <a:chOff x="0" y="0"/>
-          <a:chExt cx="0" cy="0"/>
-        </a:xfrm>
-      </p:grpSpPr>
-      <p:sp>
-        <p:nvSpPr>
-          <p:cNvPr id="2" name="Заголовок 1">
-            <a:extLst>
-              <a:ext uri="{FF2B5EF4-FFF2-40B4-BE49-F238E27FC236}">
-                <a16:creationId xmlns:a16="http://schemas.microsoft.com/office/drawing/2014/main" id="{50B3C0EA-5ACB-8033-5257-5D7D18BA2DBE}"/>
-              </a:ext>
-            </a:extLst>
-          </p:cNvPr>
-          <p:cNvSpPr>
-            <a:spLocks noGrp="1"/>
-          </p:cNvSpPr>
-          <p:nvPr>
-            <p:ph type="title"/>
-          </p:nvPr>
-        </p:nvSpPr>
-        <p:spPr/>
-        <p:txBody>
-          <a:bodyPr/>
-          <a:lstStyle/>
-          <a:p>
-            <a:endParaRPr lang="ru-RU"/>
-          </a:p>
-        </p:txBody>
-      </p:sp>
-      <p:sp>
-        <p:nvSpPr>
-          <p:cNvPr id="3" name="Объект 2">
-            <a:extLst>
-              <a:ext uri="{FF2B5EF4-FFF2-40B4-BE49-F238E27FC236}">
-                <a16:creationId xmlns:a16="http://schemas.microsoft.com/office/drawing/2014/main" id="{3D6BA73C-2B46-1E68-6E52-CA75691C04BA}"/>
-              </a:ext>
-            </a:extLst>
-          </p:cNvPr>
-          <p:cNvSpPr>
-            <a:spLocks noGrp="1"/>
-          </p:cNvSpPr>
-          <p:nvPr>
-            <p:ph idx="1"/>
-          </p:nvPr>
-        </p:nvSpPr>
-        <p:spPr/>
-        <p:txBody>
-          <a:bodyPr/>
-          <a:lstStyle/>
-          <a:p>
-            <a:endParaRPr lang="ru-RU"/>
-          </a:p>
-        </p:txBody>
-      </p:sp>
-    </p:spTree>
-    <p:extLst>
-      <p:ext uri="{BB962C8B-B14F-4D97-AF65-F5344CB8AC3E}">
-        <p14:creationId xmlns:p14="http://schemas.microsoft.com/office/powerpoint/2010/main" val="3701459795"/>
       </p:ext>
     </p:extLst>
   </p:cSld>
@@ -4668,10 +4563,86 @@
       </p:grpSpPr>
       <p:sp>
         <p:nvSpPr>
+          <p:cNvPr id="2" name="Заголовок 1"/>
+          <p:cNvSpPr>
+            <a:spLocks noGrp="1"/>
+          </p:cNvSpPr>
+          <p:nvPr>
+            <p:ph type="title"/>
+          </p:nvPr>
+        </p:nvSpPr>
+        <p:spPr/>
+        <p:txBody>
+          <a:bodyPr/>
+          <a:lstStyle/>
+          <a:p>
+            <a:r>
+              <a:rPr lang="ru-RU" dirty="0" smtClean="0"/>
+              <a:t>Цель предмет </a:t>
+            </a:r>
+            <a:r>
+              <a:rPr lang="ru-RU" smtClean="0"/>
+              <a:t>задачи добавить</a:t>
+            </a:r>
+            <a:endParaRPr lang="ru-RU" dirty="0"/>
+          </a:p>
+        </p:txBody>
+      </p:sp>
+      <p:sp>
+        <p:nvSpPr>
+          <p:cNvPr id="3" name="Объект 2"/>
+          <p:cNvSpPr>
+            <a:spLocks noGrp="1"/>
+          </p:cNvSpPr>
+          <p:nvPr>
+            <p:ph idx="1"/>
+          </p:nvPr>
+        </p:nvSpPr>
+        <p:spPr/>
+        <p:txBody>
+          <a:bodyPr/>
+          <a:lstStyle/>
+          <a:p>
+            <a:endParaRPr lang="ru-RU"/>
+          </a:p>
+        </p:txBody>
+      </p:sp>
+    </p:spTree>
+    <p:extLst>
+      <p:ext uri="{BB962C8B-B14F-4D97-AF65-F5344CB8AC3E}">
+        <p14:creationId xmlns:p14="http://schemas.microsoft.com/office/powerpoint/2010/main" val="2737601539"/>
+      </p:ext>
+    </p:extLst>
+  </p:cSld>
+  <p:clrMapOvr>
+    <a:masterClrMapping/>
+  </p:clrMapOvr>
+</p:sld>
+</file>
+
+<file path=ppt/slides/slide3.xml><?xml version="1.0" encoding="utf-8"?>
+<p:sld xmlns:a="http://schemas.openxmlformats.org/drawingml/2006/main" xmlns:r="http://schemas.openxmlformats.org/officeDocument/2006/relationships" xmlns:p="http://schemas.openxmlformats.org/presentationml/2006/main">
+  <p:cSld>
+    <p:spTree>
+      <p:nvGrpSpPr>
+        <p:cNvPr id="1" name=""/>
+        <p:cNvGrpSpPr/>
+        <p:nvPr/>
+      </p:nvGrpSpPr>
+      <p:grpSpPr>
+        <a:xfrm>
+          <a:off x="0" y="0"/>
+          <a:ext cx="0" cy="0"/>
+          <a:chOff x="0" y="0"/>
+          <a:chExt cx="0" cy="0"/>
+        </a:xfrm>
+      </p:grpSpPr>
+      <p:sp>
+        <p:nvSpPr>
           <p:cNvPr id="2" name="Заголовок 1">
             <a:extLst>
               <a:ext uri="{FF2B5EF4-FFF2-40B4-BE49-F238E27FC236}">
-                <a16:creationId xmlns:a16="http://schemas.microsoft.com/office/drawing/2014/main" id="{B74D4913-9FC1-7E7E-2826-ED21A9A423E2}"/>
+                <a16:creationId xmlns:a16="http://schemas.microsoft.com/office/drawing/2014/main" xmlns="" id="{B74D4913-9FC1-7E7E-2826-ED21A9A423E2}"/>
               </a:ext>
             </a:extLst>
           </p:cNvPr>
@@ -4704,7 +4675,7 @@
           <p:cNvPr id="4" name="Объект 3" descr="Изображение выглядит как текст, снимок экрана, цветок&#10;&#10;Автоматически созданное описание">
             <a:extLst>
               <a:ext uri="{FF2B5EF4-FFF2-40B4-BE49-F238E27FC236}">
-                <a16:creationId xmlns:a16="http://schemas.microsoft.com/office/drawing/2014/main" id="{D3338070-9C2E-AF88-9FA5-A14A75CC8524}"/>
+                <a16:creationId xmlns:a16="http://schemas.microsoft.com/office/drawing/2014/main" xmlns="" id="{D3338070-9C2E-AF88-9FA5-A14A75CC8524}"/>
               </a:ext>
             </a:extLst>
           </p:cNvPr>
@@ -4733,7 +4704,7 @@
           <p:cNvPr id="6" name="Рисунок 5" descr="Изображение выглядит как мультфильм, снимок экрана, искусство, свет&#10;&#10;Автоматически созданное описание">
             <a:extLst>
               <a:ext uri="{FF2B5EF4-FFF2-40B4-BE49-F238E27FC236}">
-                <a16:creationId xmlns:a16="http://schemas.microsoft.com/office/drawing/2014/main" id="{1BF15470-059F-B7CD-78E2-FA6B8813B6D1}"/>
+                <a16:creationId xmlns:a16="http://schemas.microsoft.com/office/drawing/2014/main" xmlns="" id="{1BF15470-059F-B7CD-78E2-FA6B8813B6D1}"/>
               </a:ext>
             </a:extLst>
           </p:cNvPr>
@@ -4763,7 +4734,7 @@
           <p:cNvPr id="7" name="Рисунок 6" descr="Изображение выглядит как снимок экрана&#10;&#10;Автоматически созданное описание">
             <a:extLst>
               <a:ext uri="{FF2B5EF4-FFF2-40B4-BE49-F238E27FC236}">
-                <a16:creationId xmlns:a16="http://schemas.microsoft.com/office/drawing/2014/main" id="{B3921DEC-433A-6213-E9A4-F06B396EDD54}"/>
+                <a16:creationId xmlns:a16="http://schemas.microsoft.com/office/drawing/2014/main" xmlns="" id="{B3921DEC-433A-6213-E9A4-F06B396EDD54}"/>
               </a:ext>
             </a:extLst>
           </p:cNvPr>
@@ -4791,393 +4762,6 @@
     <p:extLst>
       <p:ext uri="{BB962C8B-B14F-4D97-AF65-F5344CB8AC3E}">
         <p14:creationId xmlns:p14="http://schemas.microsoft.com/office/powerpoint/2010/main" val="474155172"/>
-      </p:ext>
-    </p:extLst>
-  </p:cSld>
-  <p:clrMapOvr>
-    <a:masterClrMapping/>
-  </p:clrMapOvr>
-</p:sld>
-</file>
-
-<file path=ppt/slides/slide3.xml><?xml version="1.0" encoding="utf-8"?>
-<p:sld xmlns:a="http://schemas.openxmlformats.org/drawingml/2006/main" xmlns:r="http://schemas.openxmlformats.org/officeDocument/2006/relationships" xmlns:p="http://schemas.openxmlformats.org/presentationml/2006/main">
-  <p:cSld>
-    <p:bg>
-      <p:bgPr>
-        <a:solidFill>
-          <a:schemeClr val="bg2"/>
-        </a:solidFill>
-        <a:effectLst/>
-      </p:bgPr>
-    </p:bg>
-    <p:spTree>
-      <p:nvGrpSpPr>
-        <p:cNvPr id="1" name=""/>
-        <p:cNvGrpSpPr/>
-        <p:nvPr/>
-      </p:nvGrpSpPr>
-      <p:grpSpPr>
-        <a:xfrm>
-          <a:off x="0" y="0"/>
-          <a:ext cx="0" cy="0"/>
-          <a:chOff x="0" y="0"/>
-          <a:chExt cx="0" cy="0"/>
-        </a:xfrm>
-      </p:grpSpPr>
-      <p:sp>
-        <p:nvSpPr>
-          <p:cNvPr id="8" name="Rectangle 7">
-            <a:extLst>
-              <a:ext uri="{FF2B5EF4-FFF2-40B4-BE49-F238E27FC236}">
-                <a16:creationId xmlns:a16="http://schemas.microsoft.com/office/drawing/2014/main" id="{3362DFFC-4DCC-48EE-B781-94D04B95F1E8}"/>
-              </a:ext>
-              <a:ext uri="{C183D7F6-B498-43B3-948B-1728B52AA6E4}">
-                <adec:decorative xmlns:adec="http://schemas.microsoft.com/office/drawing/2017/decorative" val="1"/>
-              </a:ext>
-            </a:extLst>
-          </p:cNvPr>
-          <p:cNvSpPr>
-            <a:spLocks noGrp="1" noRot="1" noChangeAspect="1" noMove="1" noResize="1" noEditPoints="1" noAdjustHandles="1" noChangeArrowheads="1" noChangeShapeType="1" noTextEdit="1"/>
-          </p:cNvSpPr>
-          <p:nvPr>
-            <p:extLst>
-              <p:ext uri="{386F3935-93C4-4BCD-93E2-E3B085C9AB24}">
-                <p16:designElem xmlns:p16="http://schemas.microsoft.com/office/powerpoint/2015/main" val="1"/>
-              </p:ext>
-            </p:extLst>
-          </p:nvPr>
-        </p:nvSpPr>
-        <p:spPr>
-          <a:xfrm>
-            <a:off x="0" y="376"/>
-            <a:ext cx="5303520" cy="6857624"/>
-          </a:xfrm>
-          <a:prstGeom prst="rect">
-            <a:avLst/>
-          </a:prstGeom>
-          <a:solidFill>
-            <a:schemeClr val="tx2"/>
-          </a:solidFill>
-          <a:ln>
-            <a:noFill/>
-          </a:ln>
-        </p:spPr>
-        <p:style>
-          <a:lnRef idx="2">
-            <a:schemeClr val="accent1">
-              <a:shade val="50000"/>
-            </a:schemeClr>
-          </a:lnRef>
-          <a:fillRef idx="1">
-            <a:schemeClr val="accent1"/>
-          </a:fillRef>
-          <a:effectRef idx="0">
-            <a:schemeClr val="accent1"/>
-          </a:effectRef>
-          <a:fontRef idx="minor">
-            <a:schemeClr val="lt1"/>
-          </a:fontRef>
-        </p:style>
-      </p:sp>
-      <p:sp>
-        <p:nvSpPr>
-          <p:cNvPr id="2" name="Заголовок 1">
-            <a:extLst>
-              <a:ext uri="{FF2B5EF4-FFF2-40B4-BE49-F238E27FC236}">
-                <a16:creationId xmlns:a16="http://schemas.microsoft.com/office/drawing/2014/main" id="{5AAF861A-00A9-BE5D-D65D-E8D193AEED61}"/>
-              </a:ext>
-            </a:extLst>
-          </p:cNvPr>
-          <p:cNvSpPr>
-            <a:spLocks noGrp="1"/>
-          </p:cNvSpPr>
-          <p:nvPr>
-            <p:ph type="title"/>
-          </p:nvPr>
-        </p:nvSpPr>
-        <p:spPr>
-          <a:xfrm>
-            <a:off x="640081" y="791570"/>
-            <a:ext cx="4018839" cy="5262390"/>
-          </a:xfrm>
-        </p:spPr>
-        <p:txBody>
-          <a:bodyPr vert="horz" lIns="91440" tIns="45720" rIns="91440" bIns="45720" rtlCol="0" anchor="t">
-            <a:normAutofit fontScale="90000"/>
-          </a:bodyPr>
-          <a:lstStyle/>
-          <a:p>
-            <a:r>
-              <a:rPr lang="ru-RU" sz="4000" dirty="0">
-                <a:solidFill>
-                  <a:schemeClr val="bg2"/>
-                </a:solidFill>
-              </a:rPr>
-              <a:t>Инструментарий</a:t>
-            </a:r>
-            <a:br>
-              <a:rPr lang="ru-RU" sz="4000" dirty="0">
-                <a:solidFill>
-                  <a:schemeClr val="bg2"/>
-                </a:solidFill>
-              </a:rPr>
-            </a:br>
-            <a:br>
-              <a:rPr lang="ru-RU" sz="4000" dirty="0">
-                <a:solidFill>
-                  <a:schemeClr val="bg2"/>
-                </a:solidFill>
-              </a:rPr>
-            </a:br>
-            <a:r>
-              <a:rPr lang="ru-RU" sz="3600" dirty="0" err="1">
-                <a:solidFill>
-                  <a:schemeClr val="bg2"/>
-                </a:solidFill>
-              </a:rPr>
-              <a:t>Godot</a:t>
-            </a:r>
-            <a:r>
-              <a:rPr lang="ru-RU" sz="3600" dirty="0">
-                <a:solidFill>
-                  <a:schemeClr val="bg2"/>
-                </a:solidFill>
-              </a:rPr>
-              <a:t> - основной движок</a:t>
-            </a:r>
-            <a:br>
-              <a:rPr lang="ru-RU" sz="3600" dirty="0">
-                <a:solidFill>
-                  <a:schemeClr val="bg2"/>
-                </a:solidFill>
-              </a:rPr>
-            </a:br>
-            <a:br>
-              <a:rPr lang="ru-RU" sz="3600" dirty="0">
-                <a:solidFill>
-                  <a:schemeClr val="bg2"/>
-                </a:solidFill>
-              </a:rPr>
-            </a:br>
-            <a:r>
-              <a:rPr lang="ru-RU" sz="3600" dirty="0" err="1">
-                <a:solidFill>
-                  <a:schemeClr val="bg2"/>
-                </a:solidFill>
-              </a:rPr>
-              <a:t>Aseprite</a:t>
-            </a:r>
-            <a:r>
-              <a:rPr lang="ru-RU" sz="3600" dirty="0">
-                <a:solidFill>
-                  <a:schemeClr val="bg2"/>
-                </a:solidFill>
-              </a:rPr>
-              <a:t> - программа для создания спрайтов</a:t>
-            </a:r>
-            <a:br>
-              <a:rPr lang="ru-RU" sz="3600" dirty="0">
-                <a:solidFill>
-                  <a:schemeClr val="bg2"/>
-                </a:solidFill>
-              </a:rPr>
-            </a:br>
-            <a:br>
-              <a:rPr lang="ru-RU" sz="3600" dirty="0">
-                <a:solidFill>
-                  <a:schemeClr val="bg2"/>
-                </a:solidFill>
-              </a:rPr>
-            </a:br>
-            <a:r>
-              <a:rPr lang="ru-RU" sz="3600" dirty="0" err="1">
-                <a:solidFill>
-                  <a:schemeClr val="bg2"/>
-                </a:solidFill>
-              </a:rPr>
-              <a:t>Chiptone</a:t>
-            </a:r>
-            <a:r>
-              <a:rPr lang="ru-RU" sz="3600" dirty="0">
-                <a:solidFill>
-                  <a:schemeClr val="bg2"/>
-                </a:solidFill>
-              </a:rPr>
-              <a:t> - синтезатор звуков</a:t>
-            </a:r>
-            <a:br>
-              <a:rPr lang="ru-RU" sz="3600" dirty="0">
-                <a:solidFill>
-                  <a:schemeClr val="bg2"/>
-                </a:solidFill>
-              </a:rPr>
-            </a:br>
-            <a:br>
-              <a:rPr lang="ru-RU" sz="3600" dirty="0">
-                <a:solidFill>
-                  <a:schemeClr val="bg2"/>
-                </a:solidFill>
-              </a:rPr>
-            </a:br>
-            <a:endParaRPr lang="ru-RU" sz="4000" dirty="0">
-              <a:solidFill>
-                <a:schemeClr val="bg2"/>
-              </a:solidFill>
-            </a:endParaRPr>
-          </a:p>
-        </p:txBody>
-      </p:sp>
-      <p:sp>
-        <p:nvSpPr>
-          <p:cNvPr id="10" name="Rectangle 9">
-            <a:extLst>
-              <a:ext uri="{FF2B5EF4-FFF2-40B4-BE49-F238E27FC236}">
-                <a16:creationId xmlns:a16="http://schemas.microsoft.com/office/drawing/2014/main" id="{18B8B265-E68C-4B64-9238-781F0102C57B}"/>
-              </a:ext>
-              <a:ext uri="{C183D7F6-B498-43B3-948B-1728B52AA6E4}">
-                <adec:decorative xmlns:adec="http://schemas.microsoft.com/office/drawing/2017/decorative" val="1"/>
-              </a:ext>
-            </a:extLst>
-          </p:cNvPr>
-          <p:cNvSpPr>
-            <a:spLocks noGrp="1" noRot="1" noChangeAspect="1" noMove="1" noResize="1" noEditPoints="1" noAdjustHandles="1" noChangeArrowheads="1" noChangeShapeType="1" noTextEdit="1"/>
-          </p:cNvSpPr>
-          <p:nvPr>
-            <p:extLst>
-              <p:ext uri="{386F3935-93C4-4BCD-93E2-E3B085C9AB24}">
-                <p16:designElem xmlns:p16="http://schemas.microsoft.com/office/powerpoint/2015/main" val="1"/>
-              </p:ext>
-            </p:extLst>
-          </p:nvPr>
-        </p:nvSpPr>
-        <p:spPr>
-          <a:xfrm>
-            <a:off x="5303520" y="376"/>
-            <a:ext cx="228600" cy="6858000"/>
-          </a:xfrm>
-          <a:prstGeom prst="rect">
-            <a:avLst/>
-          </a:prstGeom>
-          <a:solidFill>
-            <a:schemeClr val="accent1">
-              <a:lumMod val="75000"/>
-            </a:schemeClr>
-          </a:solidFill>
-          <a:ln>
-            <a:noFill/>
-          </a:ln>
-        </p:spPr>
-        <p:style>
-          <a:lnRef idx="2">
-            <a:schemeClr val="accent1">
-              <a:shade val="50000"/>
-            </a:schemeClr>
-          </a:lnRef>
-          <a:fillRef idx="1">
-            <a:schemeClr val="accent1"/>
-          </a:fillRef>
-          <a:effectRef idx="0">
-            <a:schemeClr val="accent1"/>
-          </a:effectRef>
-          <a:fontRef idx="minor">
-            <a:schemeClr val="lt1"/>
-          </a:fontRef>
-        </p:style>
-      </p:sp>
-      <p:pic>
-        <p:nvPicPr>
-          <p:cNvPr id="11" name="Объект 10">
-            <a:extLst>
-              <a:ext uri="{FF2B5EF4-FFF2-40B4-BE49-F238E27FC236}">
-                <a16:creationId xmlns:a16="http://schemas.microsoft.com/office/drawing/2014/main" id="{DB8FE9A5-B094-6596-47D6-B08C3C0DC671}"/>
-              </a:ext>
-            </a:extLst>
-          </p:cNvPr>
-          <p:cNvPicPr>
-            <a:picLocks noGrp="1" noChangeAspect="1"/>
-          </p:cNvPicPr>
-          <p:nvPr>
-            <p:ph idx="1"/>
-          </p:nvPr>
-        </p:nvPicPr>
-        <p:blipFill>
-          <a:blip r:embed="rId2"/>
-          <a:stretch>
-            <a:fillRect/>
-          </a:stretch>
-        </p:blipFill>
-        <p:spPr>
-          <a:xfrm>
-            <a:off x="6954686" y="5185960"/>
-            <a:ext cx="3820603" cy="1267184"/>
-          </a:xfrm>
-        </p:spPr>
-      </p:pic>
-      <p:pic>
-        <p:nvPicPr>
-          <p:cNvPr id="12" name="Рисунок 11" descr="Изображение выглядит как мультфильм, графическая вставка, круг, Графика&#10;&#10;Автоматически созданное описание">
-            <a:extLst>
-              <a:ext uri="{FF2B5EF4-FFF2-40B4-BE49-F238E27FC236}">
-                <a16:creationId xmlns:a16="http://schemas.microsoft.com/office/drawing/2014/main" id="{1A18C067-4F2B-05B4-9844-D1E191629EE6}"/>
-              </a:ext>
-            </a:extLst>
-          </p:cNvPr>
-          <p:cNvPicPr>
-            <a:picLocks noChangeAspect="1"/>
-          </p:cNvPicPr>
-          <p:nvPr/>
-        </p:nvPicPr>
-        <p:blipFill>
-          <a:blip r:embed="rId3"/>
-          <a:stretch>
-            <a:fillRect/>
-          </a:stretch>
-        </p:blipFill>
-        <p:spPr>
-          <a:xfrm>
-            <a:off x="7744711" y="213105"/>
-            <a:ext cx="2239993" cy="2239993"/>
-          </a:xfrm>
-          <a:prstGeom prst="rect">
-            <a:avLst/>
-          </a:prstGeom>
-        </p:spPr>
-      </p:pic>
-      <p:pic>
-        <p:nvPicPr>
-          <p:cNvPr id="13" name="Рисунок 12" descr="Изображение выглядит как дизайн, Прямоугольник, снимок экрана, Графика&#10;&#10;Автоматически созданное описание">
-            <a:extLst>
-              <a:ext uri="{FF2B5EF4-FFF2-40B4-BE49-F238E27FC236}">
-                <a16:creationId xmlns:a16="http://schemas.microsoft.com/office/drawing/2014/main" id="{E9C28C7E-21C8-012F-2ECB-4865810B54F1}"/>
-              </a:ext>
-            </a:extLst>
-          </p:cNvPr>
-          <p:cNvPicPr>
-            <a:picLocks noChangeAspect="1"/>
-          </p:cNvPicPr>
-          <p:nvPr/>
-        </p:nvPicPr>
-        <p:blipFill>
-          <a:blip r:embed="rId4"/>
-          <a:stretch>
-            <a:fillRect/>
-          </a:stretch>
-        </p:blipFill>
-        <p:spPr>
-          <a:xfrm>
-            <a:off x="7499230" y="2629619"/>
-            <a:ext cx="2743200" cy="1828800"/>
-          </a:xfrm>
-          <a:prstGeom prst="rect">
-            <a:avLst/>
-          </a:prstGeom>
-        </p:spPr>
-      </p:pic>
-    </p:spTree>
-    <p:extLst>
-      <p:ext uri="{BB962C8B-B14F-4D97-AF65-F5344CB8AC3E}">
-        <p14:creationId xmlns:p14="http://schemas.microsoft.com/office/powerpoint/2010/main" val="1839642422"/>
       </p:ext>
     </p:extLst>
   </p:cSld>
@@ -5212,15 +4796,434 @@
           <a:chExt cx="0" cy="0"/>
         </a:xfrm>
       </p:grpSpPr>
+      <p:sp>
+        <p:nvSpPr>
+          <p:cNvPr id="8" name="Rectangle 7">
+            <a:extLst>
+              <a:ext uri="{FF2B5EF4-FFF2-40B4-BE49-F238E27FC236}">
+                <a16:creationId xmlns:a16="http://schemas.microsoft.com/office/drawing/2014/main" xmlns="" id="{3362DFFC-4DCC-48EE-B781-94D04B95F1E8}"/>
+              </a:ext>
+              <a:ext uri="{C183D7F6-B498-43B3-948B-1728B52AA6E4}">
+                <adec:decorative xmlns:adec="http://schemas.microsoft.com/office/drawing/2017/decorative" xmlns="" val="1"/>
+              </a:ext>
+            </a:extLst>
+          </p:cNvPr>
+          <p:cNvSpPr>
+            <a:spLocks noGrp="1" noRot="1" noChangeAspect="1" noMove="1" noResize="1" noEditPoints="1" noAdjustHandles="1" noChangeArrowheads="1" noChangeShapeType="1" noTextEdit="1"/>
+          </p:cNvSpPr>
+          <p:nvPr>
+            <p:extLst>
+              <p:ext uri="{386F3935-93C4-4BCD-93E2-E3B085C9AB24}">
+                <p16:designElem xmlns:p16="http://schemas.microsoft.com/office/powerpoint/2015/main" xmlns="" val="1"/>
+              </p:ext>
+            </p:extLst>
+          </p:nvPr>
+        </p:nvSpPr>
+        <p:spPr>
+          <a:xfrm>
+            <a:off x="0" y="376"/>
+            <a:ext cx="5303520" cy="6857624"/>
+          </a:xfrm>
+          <a:prstGeom prst="rect">
+            <a:avLst/>
+          </a:prstGeom>
+          <a:solidFill>
+            <a:schemeClr val="tx2"/>
+          </a:solidFill>
+          <a:ln>
+            <a:noFill/>
+          </a:ln>
+        </p:spPr>
+        <p:style>
+          <a:lnRef idx="2">
+            <a:schemeClr val="accent1">
+              <a:shade val="50000"/>
+            </a:schemeClr>
+          </a:lnRef>
+          <a:fillRef idx="1">
+            <a:schemeClr val="accent1"/>
+          </a:fillRef>
+          <a:effectRef idx="0">
+            <a:schemeClr val="accent1"/>
+          </a:effectRef>
+          <a:fontRef idx="minor">
+            <a:schemeClr val="lt1"/>
+          </a:fontRef>
+        </p:style>
+      </p:sp>
+      <p:sp>
+        <p:nvSpPr>
+          <p:cNvPr id="2" name="Заголовок 1">
+            <a:extLst>
+              <a:ext uri="{FF2B5EF4-FFF2-40B4-BE49-F238E27FC236}">
+                <a16:creationId xmlns:a16="http://schemas.microsoft.com/office/drawing/2014/main" xmlns="" id="{5AAF861A-00A9-BE5D-D65D-E8D193AEED61}"/>
+              </a:ext>
+            </a:extLst>
+          </p:cNvPr>
+          <p:cNvSpPr>
+            <a:spLocks noGrp="1"/>
+          </p:cNvSpPr>
+          <p:nvPr>
+            <p:ph type="title"/>
+          </p:nvPr>
+        </p:nvSpPr>
+        <p:spPr>
+          <a:xfrm>
+            <a:off x="640081" y="791570"/>
+            <a:ext cx="4018839" cy="5262390"/>
+          </a:xfrm>
+        </p:spPr>
+        <p:txBody>
+          <a:bodyPr vert="horz" lIns="91440" tIns="45720" rIns="91440" bIns="45720" rtlCol="0" anchor="t">
+            <a:normAutofit fontScale="90000"/>
+          </a:bodyPr>
+          <a:lstStyle/>
+          <a:p>
+            <a:r>
+              <a:rPr lang="ru-RU" sz="4000" dirty="0">
+                <a:solidFill>
+                  <a:schemeClr val="bg2"/>
+                </a:solidFill>
+              </a:rPr>
+              <a:t>Инструментарий</a:t>
+            </a:r>
+            <a:br>
+              <a:rPr lang="ru-RU" sz="4000" dirty="0">
+                <a:solidFill>
+                  <a:schemeClr val="bg2"/>
+                </a:solidFill>
+              </a:rPr>
+            </a:br>
+            <a:r>
+              <a:rPr lang="ru-RU" sz="4000" dirty="0">
+                <a:solidFill>
+                  <a:schemeClr val="bg2"/>
+                </a:solidFill>
+              </a:rPr>
+              <a:t/>
+            </a:r>
+            <a:br>
+              <a:rPr lang="ru-RU" sz="4000" dirty="0">
+                <a:solidFill>
+                  <a:schemeClr val="bg2"/>
+                </a:solidFill>
+              </a:rPr>
+            </a:br>
+            <a:r>
+              <a:rPr lang="ru-RU" sz="3600" dirty="0" err="1">
+                <a:solidFill>
+                  <a:schemeClr val="bg2"/>
+                </a:solidFill>
+              </a:rPr>
+              <a:t>Godot</a:t>
+            </a:r>
+            <a:r>
+              <a:rPr lang="ru-RU" sz="3600" dirty="0">
+                <a:solidFill>
+                  <a:schemeClr val="bg2"/>
+                </a:solidFill>
+              </a:rPr>
+              <a:t> - основной движок</a:t>
+            </a:r>
+            <a:br>
+              <a:rPr lang="ru-RU" sz="3600" dirty="0">
+                <a:solidFill>
+                  <a:schemeClr val="bg2"/>
+                </a:solidFill>
+              </a:rPr>
+            </a:br>
+            <a:r>
+              <a:rPr lang="ru-RU" sz="3600" dirty="0">
+                <a:solidFill>
+                  <a:schemeClr val="bg2"/>
+                </a:solidFill>
+              </a:rPr>
+              <a:t/>
+            </a:r>
+            <a:br>
+              <a:rPr lang="ru-RU" sz="3600" dirty="0">
+                <a:solidFill>
+                  <a:schemeClr val="bg2"/>
+                </a:solidFill>
+              </a:rPr>
+            </a:br>
+            <a:r>
+              <a:rPr lang="ru-RU" sz="3600" dirty="0" err="1">
+                <a:solidFill>
+                  <a:schemeClr val="bg2"/>
+                </a:solidFill>
+              </a:rPr>
+              <a:t>Aseprite</a:t>
+            </a:r>
+            <a:r>
+              <a:rPr lang="ru-RU" sz="3600" dirty="0">
+                <a:solidFill>
+                  <a:schemeClr val="bg2"/>
+                </a:solidFill>
+              </a:rPr>
+              <a:t> - программа для создания спрайтов</a:t>
+            </a:r>
+            <a:br>
+              <a:rPr lang="ru-RU" sz="3600" dirty="0">
+                <a:solidFill>
+                  <a:schemeClr val="bg2"/>
+                </a:solidFill>
+              </a:rPr>
+            </a:br>
+            <a:r>
+              <a:rPr lang="ru-RU" sz="3600" dirty="0">
+                <a:solidFill>
+                  <a:schemeClr val="bg2"/>
+                </a:solidFill>
+              </a:rPr>
+              <a:t/>
+            </a:r>
+            <a:br>
+              <a:rPr lang="ru-RU" sz="3600" dirty="0">
+                <a:solidFill>
+                  <a:schemeClr val="bg2"/>
+                </a:solidFill>
+              </a:rPr>
+            </a:br>
+            <a:r>
+              <a:rPr lang="ru-RU" sz="3600" dirty="0" err="1">
+                <a:solidFill>
+                  <a:schemeClr val="bg2"/>
+                </a:solidFill>
+              </a:rPr>
+              <a:t>Chiptone</a:t>
+            </a:r>
+            <a:r>
+              <a:rPr lang="ru-RU" sz="3600" dirty="0">
+                <a:solidFill>
+                  <a:schemeClr val="bg2"/>
+                </a:solidFill>
+              </a:rPr>
+              <a:t> - синтезатор звуков</a:t>
+            </a:r>
+            <a:br>
+              <a:rPr lang="ru-RU" sz="3600" dirty="0">
+                <a:solidFill>
+                  <a:schemeClr val="bg2"/>
+                </a:solidFill>
+              </a:rPr>
+            </a:br>
+            <a:r>
+              <a:rPr lang="ru-RU" sz="3600" dirty="0">
+                <a:solidFill>
+                  <a:schemeClr val="bg2"/>
+                </a:solidFill>
+              </a:rPr>
+              <a:t/>
+            </a:r>
+            <a:br>
+              <a:rPr lang="ru-RU" sz="3600" dirty="0">
+                <a:solidFill>
+                  <a:schemeClr val="bg2"/>
+                </a:solidFill>
+              </a:rPr>
+            </a:br>
+            <a:endParaRPr lang="ru-RU" sz="4000" dirty="0">
+              <a:solidFill>
+                <a:schemeClr val="bg2"/>
+              </a:solidFill>
+            </a:endParaRPr>
+          </a:p>
+        </p:txBody>
+      </p:sp>
+      <p:sp>
+        <p:nvSpPr>
+          <p:cNvPr id="10" name="Rectangle 9">
+            <a:extLst>
+              <a:ext uri="{FF2B5EF4-FFF2-40B4-BE49-F238E27FC236}">
+                <a16:creationId xmlns:a16="http://schemas.microsoft.com/office/drawing/2014/main" xmlns="" id="{18B8B265-E68C-4B64-9238-781F0102C57B}"/>
+              </a:ext>
+              <a:ext uri="{C183D7F6-B498-43B3-948B-1728B52AA6E4}">
+                <adec:decorative xmlns:adec="http://schemas.microsoft.com/office/drawing/2017/decorative" xmlns="" val="1"/>
+              </a:ext>
+            </a:extLst>
+          </p:cNvPr>
+          <p:cNvSpPr>
+            <a:spLocks noGrp="1" noRot="1" noChangeAspect="1" noMove="1" noResize="1" noEditPoints="1" noAdjustHandles="1" noChangeArrowheads="1" noChangeShapeType="1" noTextEdit="1"/>
+          </p:cNvSpPr>
+          <p:nvPr>
+            <p:extLst>
+              <p:ext uri="{386F3935-93C4-4BCD-93E2-E3B085C9AB24}">
+                <p16:designElem xmlns:p16="http://schemas.microsoft.com/office/powerpoint/2015/main" xmlns="" val="1"/>
+              </p:ext>
+            </p:extLst>
+          </p:nvPr>
+        </p:nvSpPr>
+        <p:spPr>
+          <a:xfrm>
+            <a:off x="5303520" y="376"/>
+            <a:ext cx="228600" cy="6858000"/>
+          </a:xfrm>
+          <a:prstGeom prst="rect">
+            <a:avLst/>
+          </a:prstGeom>
+          <a:solidFill>
+            <a:schemeClr val="accent1">
+              <a:lumMod val="75000"/>
+            </a:schemeClr>
+          </a:solidFill>
+          <a:ln>
+            <a:noFill/>
+          </a:ln>
+        </p:spPr>
+        <p:style>
+          <a:lnRef idx="2">
+            <a:schemeClr val="accent1">
+              <a:shade val="50000"/>
+            </a:schemeClr>
+          </a:lnRef>
+          <a:fillRef idx="1">
+            <a:schemeClr val="accent1"/>
+          </a:fillRef>
+          <a:effectRef idx="0">
+            <a:schemeClr val="accent1"/>
+          </a:effectRef>
+          <a:fontRef idx="minor">
+            <a:schemeClr val="lt1"/>
+          </a:fontRef>
+        </p:style>
+      </p:sp>
+      <p:pic>
+        <p:nvPicPr>
+          <p:cNvPr id="11" name="Объект 10">
+            <a:extLst>
+              <a:ext uri="{FF2B5EF4-FFF2-40B4-BE49-F238E27FC236}">
+                <a16:creationId xmlns:a16="http://schemas.microsoft.com/office/drawing/2014/main" xmlns="" id="{DB8FE9A5-B094-6596-47D6-B08C3C0DC671}"/>
+              </a:ext>
+            </a:extLst>
+          </p:cNvPr>
+          <p:cNvPicPr>
+            <a:picLocks noGrp="1" noChangeAspect="1"/>
+          </p:cNvPicPr>
+          <p:nvPr>
+            <p:ph idx="1"/>
+          </p:nvPr>
+        </p:nvPicPr>
+        <p:blipFill>
+          <a:blip r:embed="rId2"/>
+          <a:stretch>
+            <a:fillRect/>
+          </a:stretch>
+        </p:blipFill>
+        <p:spPr>
+          <a:xfrm>
+            <a:off x="6954405" y="4786776"/>
+            <a:ext cx="3820603" cy="1267184"/>
+          </a:xfrm>
+        </p:spPr>
+      </p:pic>
+      <p:pic>
+        <p:nvPicPr>
+          <p:cNvPr id="12" name="Рисунок 11" descr="Изображение выглядит как мультфильм, графическая вставка, круг, Графика&#10;&#10;Автоматически созданное описание">
+            <a:extLst>
+              <a:ext uri="{FF2B5EF4-FFF2-40B4-BE49-F238E27FC236}">
+                <a16:creationId xmlns:a16="http://schemas.microsoft.com/office/drawing/2014/main" xmlns="" id="{1A18C067-4F2B-05B4-9844-D1E191629EE6}"/>
+              </a:ext>
+            </a:extLst>
+          </p:cNvPr>
+          <p:cNvPicPr>
+            <a:picLocks noChangeAspect="1"/>
+          </p:cNvPicPr>
+          <p:nvPr/>
+        </p:nvPicPr>
+        <p:blipFill>
+          <a:blip r:embed="rId3"/>
+          <a:stretch>
+            <a:fillRect/>
+          </a:stretch>
+        </p:blipFill>
+        <p:spPr>
+          <a:xfrm>
+            <a:off x="7744711" y="213105"/>
+            <a:ext cx="2239993" cy="2239993"/>
+          </a:xfrm>
+          <a:prstGeom prst="rect">
+            <a:avLst/>
+          </a:prstGeom>
+        </p:spPr>
+      </p:pic>
+      <p:pic>
+        <p:nvPicPr>
+          <p:cNvPr id="13" name="Рисунок 12" descr="Изображение выглядит как дизайн, Прямоугольник, снимок экрана, Графика&#10;&#10;Автоматически созданное описание">
+            <a:extLst>
+              <a:ext uri="{FF2B5EF4-FFF2-40B4-BE49-F238E27FC236}">
+                <a16:creationId xmlns:a16="http://schemas.microsoft.com/office/drawing/2014/main" xmlns="" id="{E9C28C7E-21C8-012F-2ECB-4865810B54F1}"/>
+              </a:ext>
+            </a:extLst>
+          </p:cNvPr>
+          <p:cNvPicPr>
+            <a:picLocks noChangeAspect="1"/>
+          </p:cNvPicPr>
+          <p:nvPr/>
+        </p:nvPicPr>
+        <p:blipFill>
+          <a:blip r:embed="rId4"/>
+          <a:stretch>
+            <a:fillRect/>
+          </a:stretch>
+        </p:blipFill>
+        <p:spPr>
+          <a:xfrm>
+            <a:off x="7499230" y="2629619"/>
+            <a:ext cx="2743200" cy="1828800"/>
+          </a:xfrm>
+          <a:prstGeom prst="rect">
+            <a:avLst/>
+          </a:prstGeom>
+        </p:spPr>
+      </p:pic>
+    </p:spTree>
+    <p:extLst>
+      <p:ext uri="{BB962C8B-B14F-4D97-AF65-F5344CB8AC3E}">
+        <p14:creationId xmlns:p14="http://schemas.microsoft.com/office/powerpoint/2010/main" val="1839642422"/>
+      </p:ext>
+    </p:extLst>
+  </p:cSld>
+  <p:clrMapOvr>
+    <a:masterClrMapping/>
+  </p:clrMapOvr>
+</p:sld>
+</file>
+
+<file path=ppt/slides/slide5.xml><?xml version="1.0" encoding="utf-8"?>
+<p:sld xmlns:a="http://schemas.openxmlformats.org/drawingml/2006/main" xmlns:r="http://schemas.openxmlformats.org/officeDocument/2006/relationships" xmlns:p="http://schemas.openxmlformats.org/presentationml/2006/main">
+  <p:cSld>
+    <p:bg>
+      <p:bgPr>
+        <a:solidFill>
+          <a:schemeClr val="bg2"/>
+        </a:solidFill>
+        <a:effectLst/>
+      </p:bgPr>
+    </p:bg>
+    <p:spTree>
+      <p:nvGrpSpPr>
+        <p:cNvPr id="1" name=""/>
+        <p:cNvGrpSpPr/>
+        <p:nvPr/>
+      </p:nvGrpSpPr>
+      <p:grpSpPr>
+        <a:xfrm>
+          <a:off x="0" y="0"/>
+          <a:ext cx="0" cy="0"/>
+          <a:chOff x="0" y="0"/>
+          <a:chExt cx="0" cy="0"/>
+        </a:xfrm>
+      </p:grpSpPr>
       <p:grpSp>
         <p:nvGrpSpPr>
           <p:cNvPr id="17" name="Group 16">
             <a:extLst>
               <a:ext uri="{FF2B5EF4-FFF2-40B4-BE49-F238E27FC236}">
-                <a16:creationId xmlns:a16="http://schemas.microsoft.com/office/drawing/2014/main" id="{449BC34D-9C23-4D6D-8213-1F471AF85B3F}"/>
+                <a16:creationId xmlns:a16="http://schemas.microsoft.com/office/drawing/2014/main" xmlns="" id="{449BC34D-9C23-4D6D-8213-1F471AF85B3F}"/>
               </a:ext>
               <a:ext uri="{C183D7F6-B498-43B3-948B-1728B52AA6E4}">
-                <adec:decorative xmlns:adec="http://schemas.microsoft.com/office/drawing/2017/decorative" val="1"/>
+                <adec:decorative xmlns:adec="http://schemas.microsoft.com/office/drawing/2017/decorative" xmlns="" val="1"/>
               </a:ext>
             </a:extLst>
           </p:cNvPr>
@@ -5230,7 +5233,7 @@
           <p:nvPr>
             <p:extLst>
               <p:ext uri="{386F3935-93C4-4BCD-93E2-E3B085C9AB24}">
-                <p16:designElem xmlns:p16="http://schemas.microsoft.com/office/powerpoint/2015/main" val="1"/>
+                <p16:designElem xmlns:p16="http://schemas.microsoft.com/office/powerpoint/2015/main" xmlns="" val="1"/>
               </p:ext>
             </p:extLst>
           </p:nvPr>
@@ -5248,10 +5251,10 @@
             <p:cNvPr id="18" name="Freeform 6">
               <a:extLst>
                 <a:ext uri="{FF2B5EF4-FFF2-40B4-BE49-F238E27FC236}">
-                  <a16:creationId xmlns:a16="http://schemas.microsoft.com/office/drawing/2014/main" id="{FA0F5D6C-5025-4D7E-82DD-C2C6FDA1E759}"/>
+                  <a16:creationId xmlns:a16="http://schemas.microsoft.com/office/drawing/2014/main" xmlns="" id="{FA0F5D6C-5025-4D7E-82DD-C2C6FDA1E759}"/>
                 </a:ext>
                 <a:ext uri="{C183D7F6-B498-43B3-948B-1728B52AA6E4}">
-                  <adec:decorative xmlns:adec="http://schemas.microsoft.com/office/drawing/2017/decorative" val="1"/>
+                  <adec:decorative xmlns:adec="http://schemas.microsoft.com/office/drawing/2017/decorative" xmlns="" val="1"/>
                 </a:ext>
               </a:extLst>
             </p:cNvPr>
@@ -5259,7 +5262,7 @@
             <p:nvPr>
               <p:extLst>
                 <p:ext uri="{386F3935-93C4-4BCD-93E2-E3B085C9AB24}">
-                  <p16:designElem xmlns:p16="http://schemas.microsoft.com/office/powerpoint/2015/main" val="1"/>
+                  <p16:designElem xmlns:p16="http://schemas.microsoft.com/office/powerpoint/2015/main" xmlns="" val="1"/>
                 </p:ext>
               </p:extLst>
             </p:nvPr>
@@ -5319,10 +5322,10 @@
             <p:cNvPr id="19" name="Freeform 6">
               <a:extLst>
                 <a:ext uri="{FF2B5EF4-FFF2-40B4-BE49-F238E27FC236}">
-                  <a16:creationId xmlns:a16="http://schemas.microsoft.com/office/drawing/2014/main" id="{E2AF2C17-4AB4-4402-B84B-129EF95D161C}"/>
+                  <a16:creationId xmlns:a16="http://schemas.microsoft.com/office/drawing/2014/main" xmlns="" id="{E2AF2C17-4AB4-4402-B84B-129EF95D161C}"/>
                 </a:ext>
                 <a:ext uri="{C183D7F6-B498-43B3-948B-1728B52AA6E4}">
-                  <adec:decorative xmlns:adec="http://schemas.microsoft.com/office/drawing/2017/decorative" val="1"/>
+                  <adec:decorative xmlns:adec="http://schemas.microsoft.com/office/drawing/2017/decorative" xmlns="" val="1"/>
                 </a:ext>
               </a:extLst>
             </p:cNvPr>
@@ -5330,7 +5333,7 @@
             <p:nvPr>
               <p:extLst>
                 <p:ext uri="{386F3935-93C4-4BCD-93E2-E3B085C9AB24}">
-                  <p16:designElem xmlns:p16="http://schemas.microsoft.com/office/powerpoint/2015/main" val="1"/>
+                  <p16:designElem xmlns:p16="http://schemas.microsoft.com/office/powerpoint/2015/main" xmlns="" val="1"/>
                 </p:ext>
               </p:extLst>
             </p:nvPr>
@@ -5393,10 +5396,10 @@
           <p:cNvPr id="21" name="Rectangle 20">
             <a:extLst>
               <a:ext uri="{FF2B5EF4-FFF2-40B4-BE49-F238E27FC236}">
-                <a16:creationId xmlns:a16="http://schemas.microsoft.com/office/drawing/2014/main" id="{1F9A0C1C-8ABC-401B-8FE9-AC9327C4C587}"/>
+                <a16:creationId xmlns:a16="http://schemas.microsoft.com/office/drawing/2014/main" xmlns="" id="{1F9A0C1C-8ABC-401B-8FE9-AC9327C4C587}"/>
               </a:ext>
               <a:ext uri="{C183D7F6-B498-43B3-948B-1728B52AA6E4}">
-                <adec:decorative xmlns:adec="http://schemas.microsoft.com/office/drawing/2017/decorative" val="1"/>
+                <adec:decorative xmlns:adec="http://schemas.microsoft.com/office/drawing/2017/decorative" xmlns="" val="1"/>
               </a:ext>
             </a:extLst>
           </p:cNvPr>
@@ -5406,7 +5409,7 @@
           <p:nvPr>
             <p:extLst>
               <p:ext uri="{386F3935-93C4-4BCD-93E2-E3B085C9AB24}">
-                <p16:designElem xmlns:p16="http://schemas.microsoft.com/office/powerpoint/2015/main" val="1"/>
+                <p16:designElem xmlns:p16="http://schemas.microsoft.com/office/powerpoint/2015/main" xmlns="" val="1"/>
               </p:ext>
             </p:extLst>
           </p:nvPr>
@@ -5453,7 +5456,7 @@
           <p:cNvPr id="2" name="Заголовок 1">
             <a:extLst>
               <a:ext uri="{FF2B5EF4-FFF2-40B4-BE49-F238E27FC236}">
-                <a16:creationId xmlns:a16="http://schemas.microsoft.com/office/drawing/2014/main" id="{3CD5CC6D-6FDD-2E4C-9381-6D50330A3509}"/>
+                <a16:creationId xmlns:a16="http://schemas.microsoft.com/office/drawing/2014/main" xmlns="" id="{3CD5CC6D-6FDD-2E4C-9381-6D50330A3509}"/>
               </a:ext>
             </a:extLst>
           </p:cNvPr>
@@ -5498,10 +5501,10 @@
           <p:cNvPr id="23" name="Freeform 6">
             <a:extLst>
               <a:ext uri="{FF2B5EF4-FFF2-40B4-BE49-F238E27FC236}">
-                <a16:creationId xmlns:a16="http://schemas.microsoft.com/office/drawing/2014/main" id="{BA5783C3-2F96-40A7-A24F-30CB07AA3928}"/>
+                <a16:creationId xmlns:a16="http://schemas.microsoft.com/office/drawing/2014/main" xmlns="" id="{BA5783C3-2F96-40A7-A24F-30CB07AA3928}"/>
               </a:ext>
               <a:ext uri="{C183D7F6-B498-43B3-948B-1728B52AA6E4}">
-                <adec:decorative xmlns:adec="http://schemas.microsoft.com/office/drawing/2017/decorative" val="1"/>
+                <adec:decorative xmlns:adec="http://schemas.microsoft.com/office/drawing/2017/decorative" xmlns="" val="1"/>
               </a:ext>
             </a:extLst>
           </p:cNvPr>
@@ -5511,7 +5514,7 @@
           <p:nvPr>
             <p:extLst>
               <p:ext uri="{386F3935-93C4-4BCD-93E2-E3B085C9AB24}">
-                <p16:designElem xmlns:p16="http://schemas.microsoft.com/office/powerpoint/2015/main" val="1"/>
+                <p16:designElem xmlns:p16="http://schemas.microsoft.com/office/powerpoint/2015/main" xmlns="" val="1"/>
               </p:ext>
             </p:extLst>
           </p:nvPr>
@@ -5573,10 +5576,10 @@
           <p:cNvPr id="25" name="Freeform 6">
             <a:extLst>
               <a:ext uri="{FF2B5EF4-FFF2-40B4-BE49-F238E27FC236}">
-                <a16:creationId xmlns:a16="http://schemas.microsoft.com/office/drawing/2014/main" id="{A9D08DBA-0326-4C4E-ACFB-576F3ABDD2D0}"/>
+                <a16:creationId xmlns:a16="http://schemas.microsoft.com/office/drawing/2014/main" xmlns="" id="{A9D08DBA-0326-4C4E-ACFB-576F3ABDD2D0}"/>
               </a:ext>
               <a:ext uri="{C183D7F6-B498-43B3-948B-1728B52AA6E4}">
-                <adec:decorative xmlns:adec="http://schemas.microsoft.com/office/drawing/2017/decorative" val="1"/>
+                <adec:decorative xmlns:adec="http://schemas.microsoft.com/office/drawing/2017/decorative" xmlns="" val="1"/>
               </a:ext>
             </a:extLst>
           </p:cNvPr>
@@ -5586,7 +5589,7 @@
           <p:nvPr>
             <p:extLst>
               <p:ext uri="{386F3935-93C4-4BCD-93E2-E3B085C9AB24}">
-                <p16:designElem xmlns:p16="http://schemas.microsoft.com/office/powerpoint/2015/main" val="1"/>
+                <p16:designElem xmlns:p16="http://schemas.microsoft.com/office/powerpoint/2015/main" xmlns="" val="1"/>
               </p:ext>
             </p:extLst>
           </p:nvPr>
@@ -5646,7 +5649,7 @@
           <p:cNvPr id="4" name="Объект 3" descr="Изображение выглядит как пиксель, диаграмма, дизайн&#10;&#10;Автоматически созданное описание">
             <a:extLst>
               <a:ext uri="{FF2B5EF4-FFF2-40B4-BE49-F238E27FC236}">
-                <a16:creationId xmlns:a16="http://schemas.microsoft.com/office/drawing/2014/main" id="{3E70B224-6365-8852-476A-201B4ABCD5D8}"/>
+                <a16:creationId xmlns:a16="http://schemas.microsoft.com/office/drawing/2014/main" xmlns="" id="{3E70B224-6365-8852-476A-201B4ABCD5D8}"/>
               </a:ext>
             </a:extLst>
           </p:cNvPr>
@@ -5677,372 +5680,6 @@
     <p:extLst>
       <p:ext uri="{BB962C8B-B14F-4D97-AF65-F5344CB8AC3E}">
         <p14:creationId xmlns:p14="http://schemas.microsoft.com/office/powerpoint/2010/main" val="1252506366"/>
-      </p:ext>
-    </p:extLst>
-  </p:cSld>
-  <p:clrMapOvr>
-    <a:masterClrMapping/>
-  </p:clrMapOvr>
-</p:sld>
-</file>
-
-<file path=ppt/slides/slide5.xml><?xml version="1.0" encoding="utf-8"?>
-<p:sld xmlns:a="http://schemas.openxmlformats.org/drawingml/2006/main" xmlns:r="http://schemas.openxmlformats.org/officeDocument/2006/relationships" xmlns:p="http://schemas.openxmlformats.org/presentationml/2006/main">
-  <p:cSld>
-    <p:bg>
-      <p:bgPr>
-        <a:solidFill>
-          <a:schemeClr val="bg2"/>
-        </a:solidFill>
-        <a:effectLst/>
-      </p:bgPr>
-    </p:bg>
-    <p:spTree>
-      <p:nvGrpSpPr>
-        <p:cNvPr id="1" name=""/>
-        <p:cNvGrpSpPr/>
-        <p:nvPr/>
-      </p:nvGrpSpPr>
-      <p:grpSpPr>
-        <a:xfrm>
-          <a:off x="0" y="0"/>
-          <a:ext cx="0" cy="0"/>
-          <a:chOff x="0" y="0"/>
-          <a:chExt cx="0" cy="0"/>
-        </a:xfrm>
-      </p:grpSpPr>
-      <p:sp useBgFill="1">
-        <p:nvSpPr>
-          <p:cNvPr id="8" name="Rectangle 7">
-            <a:extLst>
-              <a:ext uri="{FF2B5EF4-FFF2-40B4-BE49-F238E27FC236}">
-                <a16:creationId xmlns:a16="http://schemas.microsoft.com/office/drawing/2014/main" id="{32812C54-7AEF-4ABB-826E-221F51CB0F30}"/>
-              </a:ext>
-              <a:ext uri="{C183D7F6-B498-43B3-948B-1728B52AA6E4}">
-                <adec:decorative xmlns:adec="http://schemas.microsoft.com/office/drawing/2017/decorative" val="1"/>
-              </a:ext>
-            </a:extLst>
-          </p:cNvPr>
-          <p:cNvSpPr>
-            <a:spLocks noGrp="1" noRot="1" noChangeAspect="1" noMove="1" noResize="1" noEditPoints="1" noAdjustHandles="1" noChangeArrowheads="1" noChangeShapeType="1" noTextEdit="1"/>
-          </p:cNvSpPr>
-          <p:nvPr>
-            <p:extLst>
-              <p:ext uri="{386F3935-93C4-4BCD-93E2-E3B085C9AB24}">
-                <p16:designElem xmlns:p16="http://schemas.microsoft.com/office/powerpoint/2015/main" val="1"/>
-              </p:ext>
-            </p:extLst>
-          </p:nvPr>
-        </p:nvSpPr>
-        <p:spPr>
-          <a:xfrm>
-            <a:off x="0" y="0"/>
-            <a:ext cx="12192000" cy="6858000"/>
-          </a:xfrm>
-          <a:prstGeom prst="rect">
-            <a:avLst/>
-          </a:prstGeom>
-          <a:ln>
-            <a:noFill/>
-          </a:ln>
-        </p:spPr>
-        <p:style>
-          <a:lnRef idx="2">
-            <a:schemeClr val="accent1">
-              <a:shade val="50000"/>
-            </a:schemeClr>
-          </a:lnRef>
-          <a:fillRef idx="1">
-            <a:schemeClr val="accent1"/>
-          </a:fillRef>
-          <a:effectRef idx="0">
-            <a:schemeClr val="accent1"/>
-          </a:effectRef>
-          <a:fontRef idx="minor">
-            <a:schemeClr val="lt1"/>
-          </a:fontRef>
-        </p:style>
-        <p:txBody>
-          <a:bodyPr rtlCol="0" anchor="ctr"/>
-          <a:lstStyle/>
-          <a:p>
-            <a:pPr algn="ctr"/>
-            <a:endParaRPr lang="en-US"/>
-          </a:p>
-        </p:txBody>
-      </p:sp>
-      <p:sp>
-        <p:nvSpPr>
-          <p:cNvPr id="10" name="Rectangle 9">
-            <a:extLst>
-              <a:ext uri="{FF2B5EF4-FFF2-40B4-BE49-F238E27FC236}">
-                <a16:creationId xmlns:a16="http://schemas.microsoft.com/office/drawing/2014/main" id="{891F40E4-8A76-44CF-91EC-907367352626}"/>
-              </a:ext>
-              <a:ext uri="{C183D7F6-B498-43B3-948B-1728B52AA6E4}">
-                <adec:decorative xmlns:adec="http://schemas.microsoft.com/office/drawing/2017/decorative" val="1"/>
-              </a:ext>
-            </a:extLst>
-          </p:cNvPr>
-          <p:cNvSpPr>
-            <a:spLocks noGrp="1" noRot="1" noChangeAspect="1" noMove="1" noResize="1" noEditPoints="1" noAdjustHandles="1" noChangeArrowheads="1" noChangeShapeType="1" noTextEdit="1"/>
-          </p:cNvSpPr>
-          <p:nvPr>
-            <p:extLst>
-              <p:ext uri="{386F3935-93C4-4BCD-93E2-E3B085C9AB24}">
-                <p16:designElem xmlns:p16="http://schemas.microsoft.com/office/powerpoint/2015/main" val="1"/>
-              </p:ext>
-            </p:extLst>
-          </p:nvPr>
-        </p:nvSpPr>
-        <p:spPr>
-          <a:xfrm>
-            <a:off x="1" y="376"/>
-            <a:ext cx="3044410" cy="6857624"/>
-          </a:xfrm>
-          <a:prstGeom prst="rect">
-            <a:avLst/>
-          </a:prstGeom>
-          <a:solidFill>
-            <a:schemeClr val="accent1"/>
-          </a:solidFill>
-          <a:ln>
-            <a:noFill/>
-          </a:ln>
-        </p:spPr>
-        <p:style>
-          <a:lnRef idx="2">
-            <a:schemeClr val="accent1">
-              <a:shade val="50000"/>
-            </a:schemeClr>
-          </a:lnRef>
-          <a:fillRef idx="1">
-            <a:schemeClr val="accent1"/>
-          </a:fillRef>
-          <a:effectRef idx="0">
-            <a:schemeClr val="accent1"/>
-          </a:effectRef>
-          <a:fontRef idx="minor">
-            <a:schemeClr val="lt1"/>
-          </a:fontRef>
-        </p:style>
-      </p:sp>
-      <p:sp>
-        <p:nvSpPr>
-          <p:cNvPr id="2" name="Заголовок 1">
-            <a:extLst>
-              <a:ext uri="{FF2B5EF4-FFF2-40B4-BE49-F238E27FC236}">
-                <a16:creationId xmlns:a16="http://schemas.microsoft.com/office/drawing/2014/main" id="{3CD5CC6D-6FDD-2E4C-9381-6D50330A3509}"/>
-              </a:ext>
-            </a:extLst>
-          </p:cNvPr>
-          <p:cNvSpPr>
-            <a:spLocks noGrp="1"/>
-          </p:cNvSpPr>
-          <p:nvPr>
-            <p:ph type="title"/>
-          </p:nvPr>
-        </p:nvSpPr>
-        <p:spPr>
-          <a:xfrm>
-            <a:off x="143336" y="240102"/>
-            <a:ext cx="2471806" cy="1485900"/>
-          </a:xfrm>
-        </p:spPr>
-        <p:txBody>
-          <a:bodyPr>
-            <a:normAutofit/>
-          </a:bodyPr>
-          <a:lstStyle/>
-          <a:p>
-            <a:r>
-              <a:rPr lang="ru-RU"/>
-              <a:t>Пулемет</a:t>
-            </a:r>
-          </a:p>
-        </p:txBody>
-      </p:sp>
-      <p:sp>
-        <p:nvSpPr>
-          <p:cNvPr id="12" name="Rectangle 11">
-            <a:extLst>
-              <a:ext uri="{FF2B5EF4-FFF2-40B4-BE49-F238E27FC236}">
-                <a16:creationId xmlns:a16="http://schemas.microsoft.com/office/drawing/2014/main" id="{72171013-D973-4187-9CF2-EE098EEF8194}"/>
-              </a:ext>
-              <a:ext uri="{C183D7F6-B498-43B3-948B-1728B52AA6E4}">
-                <adec:decorative xmlns:adec="http://schemas.microsoft.com/office/drawing/2017/decorative" val="1"/>
-              </a:ext>
-            </a:extLst>
-          </p:cNvPr>
-          <p:cNvSpPr>
-            <a:spLocks noGrp="1" noRot="1" noChangeAspect="1" noMove="1" noResize="1" noEditPoints="1" noAdjustHandles="1" noChangeArrowheads="1" noChangeShapeType="1" noTextEdit="1"/>
-          </p:cNvSpPr>
-          <p:nvPr>
-            <p:extLst>
-              <p:ext uri="{386F3935-93C4-4BCD-93E2-E3B085C9AB24}">
-                <p16:designElem xmlns:p16="http://schemas.microsoft.com/office/powerpoint/2015/main" val="1"/>
-              </p:ext>
-            </p:extLst>
-          </p:nvPr>
-        </p:nvSpPr>
-        <p:spPr>
-          <a:xfrm>
-            <a:off x="2815810" y="376"/>
-            <a:ext cx="228600" cy="6858000"/>
-          </a:xfrm>
-          <a:prstGeom prst="rect">
-            <a:avLst/>
-          </a:prstGeom>
-          <a:solidFill>
-            <a:schemeClr val="tx2"/>
-          </a:solidFill>
-          <a:ln>
-            <a:noFill/>
-          </a:ln>
-        </p:spPr>
-        <p:style>
-          <a:lnRef idx="2">
-            <a:schemeClr val="accent1">
-              <a:shade val="50000"/>
-            </a:schemeClr>
-          </a:lnRef>
-          <a:fillRef idx="1">
-            <a:schemeClr val="accent1"/>
-          </a:fillRef>
-          <a:effectRef idx="0">
-            <a:schemeClr val="accent1"/>
-          </a:effectRef>
-          <a:fontRef idx="minor">
-            <a:schemeClr val="lt1"/>
-          </a:fontRef>
-        </p:style>
-      </p:sp>
-      <p:sp>
-        <p:nvSpPr>
-          <p:cNvPr id="3" name="Объект 2">
-            <a:extLst>
-              <a:ext uri="{FF2B5EF4-FFF2-40B4-BE49-F238E27FC236}">
-                <a16:creationId xmlns:a16="http://schemas.microsoft.com/office/drawing/2014/main" id="{BB6672DB-2BE8-2668-8F39-E3927438C373}"/>
-              </a:ext>
-            </a:extLst>
-          </p:cNvPr>
-          <p:cNvSpPr>
-            <a:spLocks noGrp="1"/>
-          </p:cNvSpPr>
-          <p:nvPr>
-            <p:ph idx="1"/>
-          </p:nvPr>
-        </p:nvSpPr>
-        <p:spPr>
-          <a:xfrm>
-            <a:off x="143336" y="977660"/>
-            <a:ext cx="2572447" cy="5493588"/>
-          </a:xfrm>
-        </p:spPr>
-        <p:txBody>
-          <a:bodyPr vert="horz" lIns="91440" tIns="45720" rIns="91440" bIns="45720" rtlCol="0" anchor="t">
-            <a:normAutofit/>
-          </a:bodyPr>
-          <a:lstStyle/>
-          <a:p>
-            <a:pPr marL="383540" indent="-383540" algn="just"/>
-            <a:r>
-              <a:rPr lang="ru-RU" sz="1400" dirty="0">
-                <a:latin typeface="Times New Roman"/>
-                <a:cs typeface="Times New Roman"/>
-              </a:rPr>
-              <a:t>урон при попадании – 10 единиц;</a:t>
-            </a:r>
-          </a:p>
-          <a:p>
-            <a:pPr marL="383540" indent="-383540" algn="just"/>
-            <a:r>
-              <a:rPr lang="ru-RU" sz="1400" dirty="0">
-                <a:latin typeface="Times New Roman"/>
-                <a:cs typeface="Times New Roman"/>
-              </a:rPr>
-              <a:t>обойма – 20 патронов;</a:t>
-            </a:r>
-          </a:p>
-          <a:p>
-            <a:pPr marL="383540" indent="-383540" algn="just"/>
-            <a:r>
-              <a:rPr lang="ru-RU" sz="1400" dirty="0">
-                <a:latin typeface="Times New Roman"/>
-                <a:cs typeface="Times New Roman"/>
-              </a:rPr>
-              <a:t>время перезарядки – 1.5 сек;</a:t>
-            </a:r>
-          </a:p>
-          <a:p>
-            <a:pPr marL="383540" indent="-383540" algn="just"/>
-            <a:r>
-              <a:rPr lang="ru-RU" sz="1400">
-                <a:latin typeface="Times New Roman"/>
-                <a:cs typeface="Times New Roman"/>
-              </a:rPr>
-              <a:t>максимальный боезапас – 360 патронов; </a:t>
-            </a:r>
-          </a:p>
-          <a:p>
-            <a:pPr marL="383540" indent="-383540" algn="just"/>
-            <a:r>
-              <a:rPr lang="ru-RU" sz="1400" dirty="0">
-                <a:latin typeface="Times New Roman"/>
-                <a:cs typeface="Times New Roman"/>
-              </a:rPr>
-              <a:t>скорострельность – 2 выстрела</a:t>
-            </a:r>
-            <a:r>
-              <a:rPr lang="en-US" sz="1400" dirty="0">
-                <a:latin typeface="Times New Roman"/>
-                <a:cs typeface="Times New Roman"/>
-              </a:rPr>
-              <a:t>/</a:t>
-            </a:r>
-            <a:r>
-              <a:rPr lang="ru-RU" sz="1400" dirty="0">
-                <a:latin typeface="Times New Roman"/>
-                <a:cs typeface="Times New Roman"/>
-              </a:rPr>
-              <a:t>сек;</a:t>
-            </a:r>
-          </a:p>
-        </p:txBody>
-      </p:sp>
-      <p:pic>
-        <p:nvPicPr>
-          <p:cNvPr id="4" name="Рисунок 3" descr="Изображение выглядит как пиксель&#10;&#10;Автоматически созданное описание">
-            <a:extLst>
-              <a:ext uri="{FF2B5EF4-FFF2-40B4-BE49-F238E27FC236}">
-                <a16:creationId xmlns:a16="http://schemas.microsoft.com/office/drawing/2014/main" id="{D8602A18-3296-DBDA-6ED2-E6AA8C5E4C33}"/>
-              </a:ext>
-            </a:extLst>
-          </p:cNvPr>
-          <p:cNvPicPr>
-            <a:picLocks noChangeAspect="1"/>
-          </p:cNvPicPr>
-          <p:nvPr/>
-        </p:nvPicPr>
-        <p:blipFill>
-          <a:blip r:embed="rId2"/>
-          <a:stretch>
-            <a:fillRect/>
-          </a:stretch>
-        </p:blipFill>
-        <p:spPr>
-          <a:xfrm>
-            <a:off x="4326057" y="1780995"/>
-            <a:ext cx="5293923" cy="3540424"/>
-          </a:xfrm>
-          <a:prstGeom prst="rect">
-            <a:avLst/>
-          </a:prstGeom>
-        </p:spPr>
-      </p:pic>
-    </p:spTree>
-    <p:extLst>
-      <p:ext uri="{BB962C8B-B14F-4D97-AF65-F5344CB8AC3E}">
-        <p14:creationId xmlns:p14="http://schemas.microsoft.com/office/powerpoint/2010/main" val="712665720"/>
       </p:ext>
     </p:extLst>
   </p:cSld>
@@ -6082,10 +5719,10 @@
           <p:cNvPr id="8" name="Rectangle 7">
             <a:extLst>
               <a:ext uri="{FF2B5EF4-FFF2-40B4-BE49-F238E27FC236}">
-                <a16:creationId xmlns:a16="http://schemas.microsoft.com/office/drawing/2014/main" id="{32812C54-7AEF-4ABB-826E-221F51CB0F30}"/>
+                <a16:creationId xmlns:a16="http://schemas.microsoft.com/office/drawing/2014/main" xmlns="" id="{32812C54-7AEF-4ABB-826E-221F51CB0F30}"/>
               </a:ext>
               <a:ext uri="{C183D7F6-B498-43B3-948B-1728B52AA6E4}">
-                <adec:decorative xmlns:adec="http://schemas.microsoft.com/office/drawing/2017/decorative" val="1"/>
+                <adec:decorative xmlns:adec="http://schemas.microsoft.com/office/drawing/2017/decorative" xmlns="" val="1"/>
               </a:ext>
             </a:extLst>
           </p:cNvPr>
@@ -6095,7 +5732,7 @@
           <p:nvPr>
             <p:extLst>
               <p:ext uri="{386F3935-93C4-4BCD-93E2-E3B085C9AB24}">
-                <p16:designElem xmlns:p16="http://schemas.microsoft.com/office/powerpoint/2015/main" val="1"/>
+                <p16:designElem xmlns:p16="http://schemas.microsoft.com/office/powerpoint/2015/main" xmlns="" val="1"/>
               </p:ext>
             </p:extLst>
           </p:nvPr>
@@ -6142,10 +5779,10 @@
           <p:cNvPr id="10" name="Rectangle 9">
             <a:extLst>
               <a:ext uri="{FF2B5EF4-FFF2-40B4-BE49-F238E27FC236}">
-                <a16:creationId xmlns:a16="http://schemas.microsoft.com/office/drawing/2014/main" id="{891F40E4-8A76-44CF-91EC-907367352626}"/>
+                <a16:creationId xmlns:a16="http://schemas.microsoft.com/office/drawing/2014/main" xmlns="" id="{891F40E4-8A76-44CF-91EC-907367352626}"/>
               </a:ext>
               <a:ext uri="{C183D7F6-B498-43B3-948B-1728B52AA6E4}">
-                <adec:decorative xmlns:adec="http://schemas.microsoft.com/office/drawing/2017/decorative" val="1"/>
+                <adec:decorative xmlns:adec="http://schemas.microsoft.com/office/drawing/2017/decorative" xmlns="" val="1"/>
               </a:ext>
             </a:extLst>
           </p:cNvPr>
@@ -6155,7 +5792,7 @@
           <p:nvPr>
             <p:extLst>
               <p:ext uri="{386F3935-93C4-4BCD-93E2-E3B085C9AB24}">
-                <p16:designElem xmlns:p16="http://schemas.microsoft.com/office/powerpoint/2015/main" val="1"/>
+                <p16:designElem xmlns:p16="http://schemas.microsoft.com/office/powerpoint/2015/main" xmlns="" val="1"/>
               </p:ext>
             </p:extLst>
           </p:nvPr>
@@ -6197,7 +5834,7 @@
           <p:cNvPr id="2" name="Заголовок 1">
             <a:extLst>
               <a:ext uri="{FF2B5EF4-FFF2-40B4-BE49-F238E27FC236}">
-                <a16:creationId xmlns:a16="http://schemas.microsoft.com/office/drawing/2014/main" id="{3CD5CC6D-6FDD-2E4C-9381-6D50330A3509}"/>
+                <a16:creationId xmlns:a16="http://schemas.microsoft.com/office/drawing/2014/main" xmlns="" id="{3CD5CC6D-6FDD-2E4C-9381-6D50330A3509}"/>
               </a:ext>
             </a:extLst>
           </p:cNvPr>
@@ -6221,13 +5858,9 @@
           <a:lstStyle/>
           <a:p>
             <a:r>
-              <a:rPr lang="ru-RU" dirty="0"/>
-              <a:t>Бур</a:t>
-            </a:r>
-            <a:br>
-              <a:rPr lang="ru-RU" dirty="0"/>
-            </a:br>
-            <a:endParaRPr lang="ru-RU"/>
+              <a:rPr lang="ru-RU"/>
+              <a:t>Пулемет</a:t>
+            </a:r>
           </a:p>
         </p:txBody>
       </p:sp>
@@ -6236,10 +5869,10 @@
           <p:cNvPr id="12" name="Rectangle 11">
             <a:extLst>
               <a:ext uri="{FF2B5EF4-FFF2-40B4-BE49-F238E27FC236}">
-                <a16:creationId xmlns:a16="http://schemas.microsoft.com/office/drawing/2014/main" id="{72171013-D973-4187-9CF2-EE098EEF8194}"/>
+                <a16:creationId xmlns:a16="http://schemas.microsoft.com/office/drawing/2014/main" xmlns="" id="{72171013-D973-4187-9CF2-EE098EEF8194}"/>
               </a:ext>
               <a:ext uri="{C183D7F6-B498-43B3-948B-1728B52AA6E4}">
-                <adec:decorative xmlns:adec="http://schemas.microsoft.com/office/drawing/2017/decorative" val="1"/>
+                <adec:decorative xmlns:adec="http://schemas.microsoft.com/office/drawing/2017/decorative" xmlns="" val="1"/>
               </a:ext>
             </a:extLst>
           </p:cNvPr>
@@ -6249,7 +5882,7 @@
           <p:nvPr>
             <p:extLst>
               <p:ext uri="{386F3935-93C4-4BCD-93E2-E3B085C9AB24}">
-                <p16:designElem xmlns:p16="http://schemas.microsoft.com/office/powerpoint/2015/main" val="1"/>
+                <p16:designElem xmlns:p16="http://schemas.microsoft.com/office/powerpoint/2015/main" xmlns="" val="1"/>
               </p:ext>
             </p:extLst>
           </p:nvPr>
@@ -6291,7 +5924,7 @@
           <p:cNvPr id="3" name="Объект 2">
             <a:extLst>
               <a:ext uri="{FF2B5EF4-FFF2-40B4-BE49-F238E27FC236}">
-                <a16:creationId xmlns:a16="http://schemas.microsoft.com/office/drawing/2014/main" id="{BB6672DB-2BE8-2668-8F39-E3927438C373}"/>
+                <a16:creationId xmlns:a16="http://schemas.microsoft.com/office/drawing/2014/main" xmlns="" id="{BB6672DB-2BE8-2668-8F39-E3927438C373}"/>
               </a:ext>
             </a:extLst>
           </p:cNvPr>
@@ -6330,7 +5963,7 @@
                 <a:latin typeface="Times New Roman"/>
                 <a:cs typeface="Times New Roman"/>
               </a:rPr>
-              <a:t>время перезарядки – 3 сек;</a:t>
+              <a:t>обойма – 20 патронов;</a:t>
             </a:r>
           </a:p>
           <a:p>
@@ -6340,7 +5973,27 @@
                 <a:latin typeface="Times New Roman"/>
                 <a:cs typeface="Times New Roman"/>
               </a:rPr>
-              <a:t>скорострельность – 5 выстрелов</a:t>
+              <a:t>время перезарядки – 1.5 сек;</a:t>
+            </a:r>
+          </a:p>
+          <a:p>
+            <a:pPr marL="383540" indent="-383540" algn="just"/>
+            <a:r>
+              <a:rPr lang="ru-RU" sz="1400">
+                <a:latin typeface="Times New Roman"/>
+                <a:cs typeface="Times New Roman"/>
+              </a:rPr>
+              <a:t>максимальный боезапас – 360 патронов; </a:t>
+            </a:r>
+          </a:p>
+          <a:p>
+            <a:pPr marL="383540" indent="-383540" algn="just"/>
+            <a:r>
+              <a:rPr lang="ru-RU" sz="1400" dirty="0">
+                <a:latin typeface="Times New Roman"/>
+                <a:cs typeface="Times New Roman"/>
+              </a:rPr>
+              <a:t>скорострельность – 2 выстрела</a:t>
             </a:r>
             <a:r>
               <a:rPr lang="en-US" sz="1400" dirty="0">
@@ -6357,51 +6010,14 @@
               <a:t>сек;</a:t>
             </a:r>
           </a:p>
-          <a:p>
-            <a:pPr marL="383540" indent="-383540" algn="just"/>
-            <a:r>
-              <a:rPr lang="ru-RU" sz="1400" dirty="0">
-                <a:latin typeface="Times New Roman"/>
-                <a:cs typeface="Times New Roman"/>
-              </a:rPr>
-              <a:t>разброс – 10 градусов;</a:t>
-            </a:r>
-          </a:p>
-          <a:p>
-            <a:pPr marL="383540" indent="-383540" algn="just"/>
-            <a:r>
-              <a:rPr lang="ru-RU" sz="1400" dirty="0">
-                <a:latin typeface="Times New Roman"/>
-                <a:cs typeface="Times New Roman"/>
-              </a:rPr>
-              <a:t>количество снарядов – 3;</a:t>
-            </a:r>
-          </a:p>
-          <a:p>
-            <a:pPr marL="383540" indent="-383540" algn="just"/>
-            <a:r>
-              <a:rPr lang="ru-RU" sz="1400" dirty="0">
-                <a:latin typeface="Times New Roman"/>
-                <a:cs typeface="Times New Roman"/>
-              </a:rPr>
-              <a:t>пробитие врагов – бесконечное;</a:t>
-            </a:r>
-          </a:p>
-          <a:p>
-            <a:pPr marL="383540" indent="-383540" algn="just"/>
-            <a:endParaRPr lang="ru-RU" sz="1400" dirty="0">
-              <a:latin typeface="Times New Roman"/>
-              <a:cs typeface="Times New Roman"/>
-            </a:endParaRPr>
-          </a:p>
         </p:txBody>
       </p:sp>
       <p:pic>
         <p:nvPicPr>
-          <p:cNvPr id="5" name="Рисунок 4" descr="Изображение выглядит как пиксель&#10;&#10;Автоматически созданное описание">
+          <p:cNvPr id="4" name="Рисунок 3" descr="Изображение выглядит как пиксель&#10;&#10;Автоматически созданное описание">
             <a:extLst>
               <a:ext uri="{FF2B5EF4-FFF2-40B4-BE49-F238E27FC236}">
-                <a16:creationId xmlns:a16="http://schemas.microsoft.com/office/drawing/2014/main" id="{B63402B7-D069-559A-9827-E1BF1D554703}"/>
+                <a16:creationId xmlns:a16="http://schemas.microsoft.com/office/drawing/2014/main" xmlns="" id="{D8602A18-3296-DBDA-6ED2-E6AA8C5E4C33}"/>
               </a:ext>
             </a:extLst>
           </p:cNvPr>
@@ -6418,8 +6034,8 @@
         </p:blipFill>
         <p:spPr>
           <a:xfrm>
-            <a:off x="4868174" y="1718544"/>
-            <a:ext cx="5302369" cy="3492798"/>
+            <a:off x="4326057" y="1780995"/>
+            <a:ext cx="5293923" cy="3540424"/>
           </a:xfrm>
           <a:prstGeom prst="rect">
             <a:avLst/>
@@ -6429,7 +6045,7 @@
     </p:spTree>
     <p:extLst>
       <p:ext uri="{BB962C8B-B14F-4D97-AF65-F5344CB8AC3E}">
-        <p14:creationId xmlns:p14="http://schemas.microsoft.com/office/powerpoint/2010/main" val="510477335"/>
+        <p14:creationId xmlns:p14="http://schemas.microsoft.com/office/powerpoint/2010/main" val="712665720"/>
       </p:ext>
     </p:extLst>
   </p:cSld>
@@ -6464,15 +6080,402 @@
           <a:chExt cx="0" cy="0"/>
         </a:xfrm>
       </p:grpSpPr>
+      <p:sp useBgFill="1">
+        <p:nvSpPr>
+          <p:cNvPr id="8" name="Rectangle 7">
+            <a:extLst>
+              <a:ext uri="{FF2B5EF4-FFF2-40B4-BE49-F238E27FC236}">
+                <a16:creationId xmlns:a16="http://schemas.microsoft.com/office/drawing/2014/main" xmlns="" id="{32812C54-7AEF-4ABB-826E-221F51CB0F30}"/>
+              </a:ext>
+              <a:ext uri="{C183D7F6-B498-43B3-948B-1728B52AA6E4}">
+                <adec:decorative xmlns:adec="http://schemas.microsoft.com/office/drawing/2017/decorative" xmlns="" val="1"/>
+              </a:ext>
+            </a:extLst>
+          </p:cNvPr>
+          <p:cNvSpPr>
+            <a:spLocks noGrp="1" noRot="1" noChangeAspect="1" noMove="1" noResize="1" noEditPoints="1" noAdjustHandles="1" noChangeArrowheads="1" noChangeShapeType="1" noTextEdit="1"/>
+          </p:cNvSpPr>
+          <p:nvPr>
+            <p:extLst>
+              <p:ext uri="{386F3935-93C4-4BCD-93E2-E3B085C9AB24}">
+                <p16:designElem xmlns:p16="http://schemas.microsoft.com/office/powerpoint/2015/main" xmlns="" val="1"/>
+              </p:ext>
+            </p:extLst>
+          </p:nvPr>
+        </p:nvSpPr>
+        <p:spPr>
+          <a:xfrm>
+            <a:off x="0" y="0"/>
+            <a:ext cx="12192000" cy="6858000"/>
+          </a:xfrm>
+          <a:prstGeom prst="rect">
+            <a:avLst/>
+          </a:prstGeom>
+          <a:ln>
+            <a:noFill/>
+          </a:ln>
+        </p:spPr>
+        <p:style>
+          <a:lnRef idx="2">
+            <a:schemeClr val="accent1">
+              <a:shade val="50000"/>
+            </a:schemeClr>
+          </a:lnRef>
+          <a:fillRef idx="1">
+            <a:schemeClr val="accent1"/>
+          </a:fillRef>
+          <a:effectRef idx="0">
+            <a:schemeClr val="accent1"/>
+          </a:effectRef>
+          <a:fontRef idx="minor">
+            <a:schemeClr val="lt1"/>
+          </a:fontRef>
+        </p:style>
+        <p:txBody>
+          <a:bodyPr rtlCol="0" anchor="ctr"/>
+          <a:lstStyle/>
+          <a:p>
+            <a:pPr algn="ctr"/>
+            <a:endParaRPr lang="en-US"/>
+          </a:p>
+        </p:txBody>
+      </p:sp>
+      <p:sp>
+        <p:nvSpPr>
+          <p:cNvPr id="10" name="Rectangle 9">
+            <a:extLst>
+              <a:ext uri="{FF2B5EF4-FFF2-40B4-BE49-F238E27FC236}">
+                <a16:creationId xmlns:a16="http://schemas.microsoft.com/office/drawing/2014/main" xmlns="" id="{891F40E4-8A76-44CF-91EC-907367352626}"/>
+              </a:ext>
+              <a:ext uri="{C183D7F6-B498-43B3-948B-1728B52AA6E4}">
+                <adec:decorative xmlns:adec="http://schemas.microsoft.com/office/drawing/2017/decorative" xmlns="" val="1"/>
+              </a:ext>
+            </a:extLst>
+          </p:cNvPr>
+          <p:cNvSpPr>
+            <a:spLocks noGrp="1" noRot="1" noChangeAspect="1" noMove="1" noResize="1" noEditPoints="1" noAdjustHandles="1" noChangeArrowheads="1" noChangeShapeType="1" noTextEdit="1"/>
+          </p:cNvSpPr>
+          <p:nvPr>
+            <p:extLst>
+              <p:ext uri="{386F3935-93C4-4BCD-93E2-E3B085C9AB24}">
+                <p16:designElem xmlns:p16="http://schemas.microsoft.com/office/powerpoint/2015/main" xmlns="" val="1"/>
+              </p:ext>
+            </p:extLst>
+          </p:nvPr>
+        </p:nvSpPr>
+        <p:spPr>
+          <a:xfrm>
+            <a:off x="1" y="376"/>
+            <a:ext cx="3044410" cy="6857624"/>
+          </a:xfrm>
+          <a:prstGeom prst="rect">
+            <a:avLst/>
+          </a:prstGeom>
+          <a:solidFill>
+            <a:schemeClr val="accent1"/>
+          </a:solidFill>
+          <a:ln>
+            <a:noFill/>
+          </a:ln>
+        </p:spPr>
+        <p:style>
+          <a:lnRef idx="2">
+            <a:schemeClr val="accent1">
+              <a:shade val="50000"/>
+            </a:schemeClr>
+          </a:lnRef>
+          <a:fillRef idx="1">
+            <a:schemeClr val="accent1"/>
+          </a:fillRef>
+          <a:effectRef idx="0">
+            <a:schemeClr val="accent1"/>
+          </a:effectRef>
+          <a:fontRef idx="minor">
+            <a:schemeClr val="lt1"/>
+          </a:fontRef>
+        </p:style>
+      </p:sp>
+      <p:sp>
+        <p:nvSpPr>
+          <p:cNvPr id="2" name="Заголовок 1">
+            <a:extLst>
+              <a:ext uri="{FF2B5EF4-FFF2-40B4-BE49-F238E27FC236}">
+                <a16:creationId xmlns:a16="http://schemas.microsoft.com/office/drawing/2014/main" xmlns="" id="{3CD5CC6D-6FDD-2E4C-9381-6D50330A3509}"/>
+              </a:ext>
+            </a:extLst>
+          </p:cNvPr>
+          <p:cNvSpPr>
+            <a:spLocks noGrp="1"/>
+          </p:cNvSpPr>
+          <p:nvPr>
+            <p:ph type="title"/>
+          </p:nvPr>
+        </p:nvSpPr>
+        <p:spPr>
+          <a:xfrm>
+            <a:off x="143336" y="240102"/>
+            <a:ext cx="2471806" cy="1485900"/>
+          </a:xfrm>
+        </p:spPr>
+        <p:txBody>
+          <a:bodyPr>
+            <a:normAutofit/>
+          </a:bodyPr>
+          <a:lstStyle/>
+          <a:p>
+            <a:r>
+              <a:rPr lang="ru-RU" dirty="0"/>
+              <a:t>Бур</a:t>
+            </a:r>
+            <a:br>
+              <a:rPr lang="ru-RU" dirty="0"/>
+            </a:br>
+            <a:endParaRPr lang="ru-RU"/>
+          </a:p>
+        </p:txBody>
+      </p:sp>
+      <p:sp>
+        <p:nvSpPr>
+          <p:cNvPr id="12" name="Rectangle 11">
+            <a:extLst>
+              <a:ext uri="{FF2B5EF4-FFF2-40B4-BE49-F238E27FC236}">
+                <a16:creationId xmlns:a16="http://schemas.microsoft.com/office/drawing/2014/main" xmlns="" id="{72171013-D973-4187-9CF2-EE098EEF8194}"/>
+              </a:ext>
+              <a:ext uri="{C183D7F6-B498-43B3-948B-1728B52AA6E4}">
+                <adec:decorative xmlns:adec="http://schemas.microsoft.com/office/drawing/2017/decorative" xmlns="" val="1"/>
+              </a:ext>
+            </a:extLst>
+          </p:cNvPr>
+          <p:cNvSpPr>
+            <a:spLocks noGrp="1" noRot="1" noChangeAspect="1" noMove="1" noResize="1" noEditPoints="1" noAdjustHandles="1" noChangeArrowheads="1" noChangeShapeType="1" noTextEdit="1"/>
+          </p:cNvSpPr>
+          <p:nvPr>
+            <p:extLst>
+              <p:ext uri="{386F3935-93C4-4BCD-93E2-E3B085C9AB24}">
+                <p16:designElem xmlns:p16="http://schemas.microsoft.com/office/powerpoint/2015/main" xmlns="" val="1"/>
+              </p:ext>
+            </p:extLst>
+          </p:nvPr>
+        </p:nvSpPr>
+        <p:spPr>
+          <a:xfrm>
+            <a:off x="2815810" y="376"/>
+            <a:ext cx="228600" cy="6858000"/>
+          </a:xfrm>
+          <a:prstGeom prst="rect">
+            <a:avLst/>
+          </a:prstGeom>
+          <a:solidFill>
+            <a:schemeClr val="tx2"/>
+          </a:solidFill>
+          <a:ln>
+            <a:noFill/>
+          </a:ln>
+        </p:spPr>
+        <p:style>
+          <a:lnRef idx="2">
+            <a:schemeClr val="accent1">
+              <a:shade val="50000"/>
+            </a:schemeClr>
+          </a:lnRef>
+          <a:fillRef idx="1">
+            <a:schemeClr val="accent1"/>
+          </a:fillRef>
+          <a:effectRef idx="0">
+            <a:schemeClr val="accent1"/>
+          </a:effectRef>
+          <a:fontRef idx="minor">
+            <a:schemeClr val="lt1"/>
+          </a:fontRef>
+        </p:style>
+      </p:sp>
+      <p:sp>
+        <p:nvSpPr>
+          <p:cNvPr id="3" name="Объект 2">
+            <a:extLst>
+              <a:ext uri="{FF2B5EF4-FFF2-40B4-BE49-F238E27FC236}">
+                <a16:creationId xmlns:a16="http://schemas.microsoft.com/office/drawing/2014/main" xmlns="" id="{BB6672DB-2BE8-2668-8F39-E3927438C373}"/>
+              </a:ext>
+            </a:extLst>
+          </p:cNvPr>
+          <p:cNvSpPr>
+            <a:spLocks noGrp="1"/>
+          </p:cNvSpPr>
+          <p:nvPr>
+            <p:ph idx="1"/>
+          </p:nvPr>
+        </p:nvSpPr>
+        <p:spPr>
+          <a:xfrm>
+            <a:off x="143336" y="977660"/>
+            <a:ext cx="2572447" cy="5493588"/>
+          </a:xfrm>
+        </p:spPr>
+        <p:txBody>
+          <a:bodyPr vert="horz" lIns="91440" tIns="45720" rIns="91440" bIns="45720" rtlCol="0" anchor="t">
+            <a:normAutofit/>
+          </a:bodyPr>
+          <a:lstStyle/>
+          <a:p>
+            <a:pPr marL="383540" indent="-383540" algn="just"/>
+            <a:r>
+              <a:rPr lang="ru-RU" sz="1400" dirty="0">
+                <a:latin typeface="Times New Roman"/>
+                <a:cs typeface="Times New Roman"/>
+              </a:rPr>
+              <a:t>урон при попадании – 10 единиц;</a:t>
+            </a:r>
+          </a:p>
+          <a:p>
+            <a:pPr marL="383540" indent="-383540" algn="just"/>
+            <a:r>
+              <a:rPr lang="ru-RU" sz="1400" dirty="0">
+                <a:latin typeface="Times New Roman"/>
+                <a:cs typeface="Times New Roman"/>
+              </a:rPr>
+              <a:t>время перезарядки – 3 сек;</a:t>
+            </a:r>
+          </a:p>
+          <a:p>
+            <a:pPr marL="383540" indent="-383540" algn="just"/>
+            <a:r>
+              <a:rPr lang="ru-RU" sz="1400" dirty="0">
+                <a:latin typeface="Times New Roman"/>
+                <a:cs typeface="Times New Roman"/>
+              </a:rPr>
+              <a:t>скорострельность – 5 выстрелов</a:t>
+            </a:r>
+            <a:r>
+              <a:rPr lang="en-US" sz="1400" dirty="0">
+                <a:latin typeface="Times New Roman"/>
+                <a:cs typeface="Times New Roman"/>
+              </a:rPr>
+              <a:t>/</a:t>
+            </a:r>
+            <a:r>
+              <a:rPr lang="ru-RU" sz="1400" dirty="0">
+                <a:latin typeface="Times New Roman"/>
+                <a:cs typeface="Times New Roman"/>
+              </a:rPr>
+              <a:t>сек;</a:t>
+            </a:r>
+          </a:p>
+          <a:p>
+            <a:pPr marL="383540" indent="-383540" algn="just"/>
+            <a:r>
+              <a:rPr lang="ru-RU" sz="1400" dirty="0">
+                <a:latin typeface="Times New Roman"/>
+                <a:cs typeface="Times New Roman"/>
+              </a:rPr>
+              <a:t>разброс – 10 градусов;</a:t>
+            </a:r>
+          </a:p>
+          <a:p>
+            <a:pPr marL="383540" indent="-383540" algn="just"/>
+            <a:r>
+              <a:rPr lang="ru-RU" sz="1400" dirty="0">
+                <a:latin typeface="Times New Roman"/>
+                <a:cs typeface="Times New Roman"/>
+              </a:rPr>
+              <a:t>количество снарядов – 3;</a:t>
+            </a:r>
+          </a:p>
+          <a:p>
+            <a:pPr marL="383540" indent="-383540" algn="just"/>
+            <a:r>
+              <a:rPr lang="ru-RU" sz="1400" dirty="0">
+                <a:latin typeface="Times New Roman"/>
+                <a:cs typeface="Times New Roman"/>
+              </a:rPr>
+              <a:t>пробитие врагов – бесконечное;</a:t>
+            </a:r>
+          </a:p>
+          <a:p>
+            <a:pPr marL="383540" indent="-383540" algn="just"/>
+            <a:endParaRPr lang="ru-RU" sz="1400" dirty="0">
+              <a:latin typeface="Times New Roman"/>
+              <a:cs typeface="Times New Roman"/>
+            </a:endParaRPr>
+          </a:p>
+        </p:txBody>
+      </p:sp>
+      <p:pic>
+        <p:nvPicPr>
+          <p:cNvPr id="5" name="Рисунок 4" descr="Изображение выглядит как пиксель&#10;&#10;Автоматически созданное описание">
+            <a:extLst>
+              <a:ext uri="{FF2B5EF4-FFF2-40B4-BE49-F238E27FC236}">
+                <a16:creationId xmlns:a16="http://schemas.microsoft.com/office/drawing/2014/main" xmlns="" id="{B63402B7-D069-559A-9827-E1BF1D554703}"/>
+              </a:ext>
+            </a:extLst>
+          </p:cNvPr>
+          <p:cNvPicPr>
+            <a:picLocks noChangeAspect="1"/>
+          </p:cNvPicPr>
+          <p:nvPr/>
+        </p:nvPicPr>
+        <p:blipFill>
+          <a:blip r:embed="rId2"/>
+          <a:stretch>
+            <a:fillRect/>
+          </a:stretch>
+        </p:blipFill>
+        <p:spPr>
+          <a:xfrm>
+            <a:off x="4868174" y="1718544"/>
+            <a:ext cx="5302369" cy="3492798"/>
+          </a:xfrm>
+          <a:prstGeom prst="rect">
+            <a:avLst/>
+          </a:prstGeom>
+        </p:spPr>
+      </p:pic>
+    </p:spTree>
+    <p:extLst>
+      <p:ext uri="{BB962C8B-B14F-4D97-AF65-F5344CB8AC3E}">
+        <p14:creationId xmlns:p14="http://schemas.microsoft.com/office/powerpoint/2010/main" val="510477335"/>
+      </p:ext>
+    </p:extLst>
+  </p:cSld>
+  <p:clrMapOvr>
+    <a:masterClrMapping/>
+  </p:clrMapOvr>
+</p:sld>
+</file>
+
+<file path=ppt/slides/slide8.xml><?xml version="1.0" encoding="utf-8"?>
+<p:sld xmlns:a="http://schemas.openxmlformats.org/drawingml/2006/main" xmlns:r="http://schemas.openxmlformats.org/officeDocument/2006/relationships" xmlns:p="http://schemas.openxmlformats.org/presentationml/2006/main">
+  <p:cSld>
+    <p:bg>
+      <p:bgPr>
+        <a:solidFill>
+          <a:schemeClr val="bg2"/>
+        </a:solidFill>
+        <a:effectLst/>
+      </p:bgPr>
+    </p:bg>
+    <p:spTree>
+      <p:nvGrpSpPr>
+        <p:cNvPr id="1" name=""/>
+        <p:cNvGrpSpPr/>
+        <p:nvPr/>
+      </p:nvGrpSpPr>
+      <p:grpSpPr>
+        <a:xfrm>
+          <a:off x="0" y="0"/>
+          <a:ext cx="0" cy="0"/>
+          <a:chOff x="0" y="0"/>
+          <a:chExt cx="0" cy="0"/>
+        </a:xfrm>
+      </p:grpSpPr>
       <p:grpSp>
         <p:nvGrpSpPr>
           <p:cNvPr id="15" name="Group 14">
             <a:extLst>
               <a:ext uri="{FF2B5EF4-FFF2-40B4-BE49-F238E27FC236}">
-                <a16:creationId xmlns:a16="http://schemas.microsoft.com/office/drawing/2014/main" id="{449BC34D-9C23-4D6D-8213-1F471AF85B3F}"/>
+                <a16:creationId xmlns:a16="http://schemas.microsoft.com/office/drawing/2014/main" xmlns="" id="{449BC34D-9C23-4D6D-8213-1F471AF85B3F}"/>
               </a:ext>
               <a:ext uri="{C183D7F6-B498-43B3-948B-1728B52AA6E4}">
-                <adec:decorative xmlns:adec="http://schemas.microsoft.com/office/drawing/2017/decorative" val="1"/>
+                <adec:decorative xmlns:adec="http://schemas.microsoft.com/office/drawing/2017/decorative" xmlns="" val="1"/>
               </a:ext>
             </a:extLst>
           </p:cNvPr>
@@ -6482,7 +6485,7 @@
           <p:nvPr>
             <p:extLst>
               <p:ext uri="{386F3935-93C4-4BCD-93E2-E3B085C9AB24}">
-                <p16:designElem xmlns:p16="http://schemas.microsoft.com/office/powerpoint/2015/main" val="1"/>
+                <p16:designElem xmlns:p16="http://schemas.microsoft.com/office/powerpoint/2015/main" xmlns="" val="1"/>
               </p:ext>
             </p:extLst>
           </p:nvPr>
@@ -6500,10 +6503,10 @@
             <p:cNvPr id="16" name="Freeform 6">
               <a:extLst>
                 <a:ext uri="{FF2B5EF4-FFF2-40B4-BE49-F238E27FC236}">
-                  <a16:creationId xmlns:a16="http://schemas.microsoft.com/office/drawing/2014/main" id="{FA0F5D6C-5025-4D7E-82DD-C2C6FDA1E759}"/>
+                  <a16:creationId xmlns:a16="http://schemas.microsoft.com/office/drawing/2014/main" xmlns="" id="{FA0F5D6C-5025-4D7E-82DD-C2C6FDA1E759}"/>
                 </a:ext>
                 <a:ext uri="{C183D7F6-B498-43B3-948B-1728B52AA6E4}">
-                  <adec:decorative xmlns:adec="http://schemas.microsoft.com/office/drawing/2017/decorative" val="1"/>
+                  <adec:decorative xmlns:adec="http://schemas.microsoft.com/office/drawing/2017/decorative" xmlns="" val="1"/>
                 </a:ext>
               </a:extLst>
             </p:cNvPr>
@@ -6511,7 +6514,7 @@
             <p:nvPr>
               <p:extLst>
                 <p:ext uri="{386F3935-93C4-4BCD-93E2-E3B085C9AB24}">
-                  <p16:designElem xmlns:p16="http://schemas.microsoft.com/office/powerpoint/2015/main" val="1"/>
+                  <p16:designElem xmlns:p16="http://schemas.microsoft.com/office/powerpoint/2015/main" xmlns="" val="1"/>
                 </p:ext>
               </p:extLst>
             </p:nvPr>
@@ -6571,10 +6574,10 @@
             <p:cNvPr id="17" name="Freeform 6">
               <a:extLst>
                 <a:ext uri="{FF2B5EF4-FFF2-40B4-BE49-F238E27FC236}">
-                  <a16:creationId xmlns:a16="http://schemas.microsoft.com/office/drawing/2014/main" id="{E2AF2C17-4AB4-4402-B84B-129EF95D161C}"/>
+                  <a16:creationId xmlns:a16="http://schemas.microsoft.com/office/drawing/2014/main" xmlns="" id="{E2AF2C17-4AB4-4402-B84B-129EF95D161C}"/>
                 </a:ext>
                 <a:ext uri="{C183D7F6-B498-43B3-948B-1728B52AA6E4}">
-                  <adec:decorative xmlns:adec="http://schemas.microsoft.com/office/drawing/2017/decorative" val="1"/>
+                  <adec:decorative xmlns:adec="http://schemas.microsoft.com/office/drawing/2017/decorative" xmlns="" val="1"/>
                 </a:ext>
               </a:extLst>
             </p:cNvPr>
@@ -6582,7 +6585,7 @@
             <p:nvPr>
               <p:extLst>
                 <p:ext uri="{386F3935-93C4-4BCD-93E2-E3B085C9AB24}">
-                  <p16:designElem xmlns:p16="http://schemas.microsoft.com/office/powerpoint/2015/main" val="1"/>
+                  <p16:designElem xmlns:p16="http://schemas.microsoft.com/office/powerpoint/2015/main" xmlns="" val="1"/>
                 </p:ext>
               </p:extLst>
             </p:nvPr>
@@ -6645,10 +6648,10 @@
           <p:cNvPr id="19" name="Rectangle 18">
             <a:extLst>
               <a:ext uri="{FF2B5EF4-FFF2-40B4-BE49-F238E27FC236}">
-                <a16:creationId xmlns:a16="http://schemas.microsoft.com/office/drawing/2014/main" id="{CB73C468-D875-4A8E-A540-E43BF8232DD4}"/>
+                <a16:creationId xmlns:a16="http://schemas.microsoft.com/office/drawing/2014/main" xmlns="" id="{CB73C468-D875-4A8E-A540-E43BF8232DD4}"/>
               </a:ext>
               <a:ext uri="{C183D7F6-B498-43B3-948B-1728B52AA6E4}">
-                <adec:decorative xmlns:adec="http://schemas.microsoft.com/office/drawing/2017/decorative" val="1"/>
+                <adec:decorative xmlns:adec="http://schemas.microsoft.com/office/drawing/2017/decorative" xmlns="" val="1"/>
               </a:ext>
             </a:extLst>
           </p:cNvPr>
@@ -6658,7 +6661,7 @@
           <p:nvPr>
             <p:extLst>
               <p:ext uri="{386F3935-93C4-4BCD-93E2-E3B085C9AB24}">
-                <p16:designElem xmlns:p16="http://schemas.microsoft.com/office/powerpoint/2015/main" val="1"/>
+                <p16:designElem xmlns:p16="http://schemas.microsoft.com/office/powerpoint/2015/main" xmlns="" val="1"/>
               </p:ext>
             </p:extLst>
           </p:nvPr>
@@ -6705,7 +6708,7 @@
           <p:cNvPr id="2" name="Заголовок 1">
             <a:extLst>
               <a:ext uri="{FF2B5EF4-FFF2-40B4-BE49-F238E27FC236}">
-                <a16:creationId xmlns:a16="http://schemas.microsoft.com/office/drawing/2014/main" id="{146F9FDE-2216-66DB-B727-A7778D4ED514}"/>
+                <a16:creationId xmlns:a16="http://schemas.microsoft.com/office/drawing/2014/main" xmlns="" id="{146F9FDE-2216-66DB-B727-A7778D4ED514}"/>
               </a:ext>
             </a:extLst>
           </p:cNvPr>
@@ -6741,10 +6744,10 @@
           <p:cNvPr id="21" name="Freeform 6">
             <a:extLst>
               <a:ext uri="{FF2B5EF4-FFF2-40B4-BE49-F238E27FC236}">
-                <a16:creationId xmlns:a16="http://schemas.microsoft.com/office/drawing/2014/main" id="{B4734F2F-19FC-4D35-9BDE-5CEAD57D9B55}"/>
+                <a16:creationId xmlns:a16="http://schemas.microsoft.com/office/drawing/2014/main" xmlns="" id="{B4734F2F-19FC-4D35-9BDE-5CEAD57D9B55}"/>
               </a:ext>
               <a:ext uri="{C183D7F6-B498-43B3-948B-1728B52AA6E4}">
-                <adec:decorative xmlns:adec="http://schemas.microsoft.com/office/drawing/2017/decorative" val="1"/>
+                <adec:decorative xmlns:adec="http://schemas.microsoft.com/office/drawing/2017/decorative" xmlns="" val="1"/>
               </a:ext>
             </a:extLst>
           </p:cNvPr>
@@ -6754,7 +6757,7 @@
           <p:nvPr>
             <p:extLst>
               <p:ext uri="{386F3935-93C4-4BCD-93E2-E3B085C9AB24}">
-                <p16:designElem xmlns:p16="http://schemas.microsoft.com/office/powerpoint/2015/main" val="1"/>
+                <p16:designElem xmlns:p16="http://schemas.microsoft.com/office/powerpoint/2015/main" xmlns="" val="1"/>
               </p:ext>
             </p:extLst>
           </p:nvPr>
@@ -6814,10 +6817,10 @@
           <p:cNvPr id="23" name="Freeform 6">
             <a:extLst>
               <a:ext uri="{FF2B5EF4-FFF2-40B4-BE49-F238E27FC236}">
-                <a16:creationId xmlns:a16="http://schemas.microsoft.com/office/drawing/2014/main" id="{D97A8A26-FD96-4968-A34A-727382AC7E46}"/>
+                <a16:creationId xmlns:a16="http://schemas.microsoft.com/office/drawing/2014/main" xmlns="" id="{D97A8A26-FD96-4968-A34A-727382AC7E46}"/>
               </a:ext>
               <a:ext uri="{C183D7F6-B498-43B3-948B-1728B52AA6E4}">
-                <adec:decorative xmlns:adec="http://schemas.microsoft.com/office/drawing/2017/decorative" val="1"/>
+                <adec:decorative xmlns:adec="http://schemas.microsoft.com/office/drawing/2017/decorative" xmlns="" val="1"/>
               </a:ext>
             </a:extLst>
           </p:cNvPr>
@@ -6827,7 +6830,7 @@
           <p:nvPr>
             <p:extLst>
               <p:ext uri="{386F3935-93C4-4BCD-93E2-E3B085C9AB24}">
-                <p16:designElem xmlns:p16="http://schemas.microsoft.com/office/powerpoint/2015/main" val="1"/>
+                <p16:designElem xmlns:p16="http://schemas.microsoft.com/office/powerpoint/2015/main" xmlns="" val="1"/>
               </p:ext>
             </p:extLst>
           </p:nvPr>
@@ -6889,7 +6892,7 @@
           <p:cNvPr id="4" name="Объект 3" descr="Изображение выглядит как диаграмма, пиксель, дизайн&#10;&#10;Автоматически созданное описание">
             <a:extLst>
               <a:ext uri="{FF2B5EF4-FFF2-40B4-BE49-F238E27FC236}">
-                <a16:creationId xmlns:a16="http://schemas.microsoft.com/office/drawing/2014/main" id="{504D0B71-F63D-0292-591B-823349E72527}"/>
+                <a16:creationId xmlns:a16="http://schemas.microsoft.com/office/drawing/2014/main" xmlns="" id="{504D0B71-F63D-0292-591B-823349E72527}"/>
               </a:ext>
             </a:extLst>
           </p:cNvPr>
@@ -6920,447 +6923,6 @@
     <p:extLst>
       <p:ext uri="{BB962C8B-B14F-4D97-AF65-F5344CB8AC3E}">
         <p14:creationId xmlns:p14="http://schemas.microsoft.com/office/powerpoint/2010/main" val="2213629710"/>
-      </p:ext>
-    </p:extLst>
-  </p:cSld>
-  <p:clrMapOvr>
-    <a:masterClrMapping/>
-  </p:clrMapOvr>
-</p:sld>
-</file>
-
-<file path=ppt/slides/slide8.xml><?xml version="1.0" encoding="utf-8"?>
-<p:sld xmlns:a="http://schemas.openxmlformats.org/drawingml/2006/main" xmlns:r="http://schemas.openxmlformats.org/officeDocument/2006/relationships" xmlns:p="http://schemas.openxmlformats.org/presentationml/2006/main">
-  <p:cSld>
-    <p:bg>
-      <p:bgPr>
-        <a:solidFill>
-          <a:schemeClr val="bg2"/>
-        </a:solidFill>
-        <a:effectLst/>
-      </p:bgPr>
-    </p:bg>
-    <p:spTree>
-      <p:nvGrpSpPr>
-        <p:cNvPr id="1" name=""/>
-        <p:cNvGrpSpPr/>
-        <p:nvPr/>
-      </p:nvGrpSpPr>
-      <p:grpSpPr>
-        <a:xfrm>
-          <a:off x="0" y="0"/>
-          <a:ext cx="0" cy="0"/>
-          <a:chOff x="0" y="0"/>
-          <a:chExt cx="0" cy="0"/>
-        </a:xfrm>
-      </p:grpSpPr>
-      <p:sp useBgFill="1">
-        <p:nvSpPr>
-          <p:cNvPr id="8" name="Rectangle 7">
-            <a:extLst>
-              <a:ext uri="{FF2B5EF4-FFF2-40B4-BE49-F238E27FC236}">
-                <a16:creationId xmlns:a16="http://schemas.microsoft.com/office/drawing/2014/main" id="{BA75F4A0-FEAF-4F1B-9C48-7688BF9D4148}"/>
-              </a:ext>
-              <a:ext uri="{C183D7F6-B498-43B3-948B-1728B52AA6E4}">
-                <adec:decorative xmlns:adec="http://schemas.microsoft.com/office/drawing/2017/decorative" val="1"/>
-              </a:ext>
-            </a:extLst>
-          </p:cNvPr>
-          <p:cNvSpPr>
-            <a:spLocks noGrp="1" noRot="1" noChangeAspect="1" noMove="1" noResize="1" noEditPoints="1" noAdjustHandles="1" noChangeArrowheads="1" noChangeShapeType="1" noTextEdit="1"/>
-          </p:cNvSpPr>
-          <p:nvPr>
-            <p:extLst>
-              <p:ext uri="{386F3935-93C4-4BCD-93E2-E3B085C9AB24}">
-                <p16:designElem xmlns:p16="http://schemas.microsoft.com/office/powerpoint/2015/main" val="1"/>
-              </p:ext>
-            </p:extLst>
-          </p:nvPr>
-        </p:nvSpPr>
-        <p:spPr>
-          <a:xfrm>
-            <a:off x="0" y="0"/>
-            <a:ext cx="12192000" cy="6858000"/>
-          </a:xfrm>
-          <a:prstGeom prst="rect">
-            <a:avLst/>
-          </a:prstGeom>
-          <a:ln>
-            <a:noFill/>
-          </a:ln>
-        </p:spPr>
-        <p:style>
-          <a:lnRef idx="2">
-            <a:schemeClr val="accent1">
-              <a:shade val="50000"/>
-            </a:schemeClr>
-          </a:lnRef>
-          <a:fillRef idx="1001">
-            <a:schemeClr val="lt2"/>
-          </a:fillRef>
-          <a:effectRef idx="0">
-            <a:schemeClr val="accent1"/>
-          </a:effectRef>
-          <a:fontRef idx="minor">
-            <a:schemeClr val="lt1"/>
-          </a:fontRef>
-        </p:style>
-        <p:txBody>
-          <a:bodyPr rtlCol="0" anchor="ctr"/>
-          <a:lstStyle/>
-          <a:p>
-            <a:pPr algn="ctr"/>
-            <a:endParaRPr lang="en-US"/>
-          </a:p>
-        </p:txBody>
-      </p:sp>
-      <p:sp>
-        <p:nvSpPr>
-          <p:cNvPr id="2" name="Заголовок 1">
-            <a:extLst>
-              <a:ext uri="{FF2B5EF4-FFF2-40B4-BE49-F238E27FC236}">
-                <a16:creationId xmlns:a16="http://schemas.microsoft.com/office/drawing/2014/main" id="{DF05746E-E88F-BECE-50EC-F8553364B3F0}"/>
-              </a:ext>
-            </a:extLst>
-          </p:cNvPr>
-          <p:cNvSpPr>
-            <a:spLocks noGrp="1"/>
-          </p:cNvSpPr>
-          <p:nvPr>
-            <p:ph type="title"/>
-          </p:nvPr>
-        </p:nvSpPr>
-        <p:spPr>
-          <a:xfrm>
-            <a:off x="1105469" y="5423537"/>
-            <a:ext cx="9867331" cy="868081"/>
-          </a:xfrm>
-        </p:spPr>
-        <p:txBody>
-          <a:bodyPr anchor="ctr">
-            <a:normAutofit/>
-          </a:bodyPr>
-          <a:lstStyle/>
-          <a:p>
-            <a:endParaRPr lang="ru-RU"/>
-          </a:p>
-        </p:txBody>
-      </p:sp>
-      <p:sp>
-        <p:nvSpPr>
-          <p:cNvPr id="10" name="Freeform: Shape 9">
-            <a:extLst>
-              <a:ext uri="{FF2B5EF4-FFF2-40B4-BE49-F238E27FC236}">
-                <a16:creationId xmlns:a16="http://schemas.microsoft.com/office/drawing/2014/main" id="{F1EC79F3-0DE6-47BA-9C5C-039C54F4AC27}"/>
-              </a:ext>
-              <a:ext uri="{C183D7F6-B498-43B3-948B-1728B52AA6E4}">
-                <adec:decorative xmlns:adec="http://schemas.microsoft.com/office/drawing/2017/decorative" val="1"/>
-              </a:ext>
-            </a:extLst>
-          </p:cNvPr>
-          <p:cNvSpPr>
-            <a:spLocks noGrp="1" noRot="1" noChangeAspect="1" noMove="1" noResize="1" noEditPoints="1" noAdjustHandles="1" noChangeArrowheads="1" noChangeShapeType="1" noTextEdit="1"/>
-          </p:cNvSpPr>
-          <p:nvPr>
-            <p:extLst>
-              <p:ext uri="{386F3935-93C4-4BCD-93E2-E3B085C9AB24}">
-                <p16:designElem xmlns:p16="http://schemas.microsoft.com/office/powerpoint/2015/main" val="1"/>
-              </p:ext>
-            </p:extLst>
-          </p:nvPr>
-        </p:nvSpPr>
-        <p:spPr bwMode="auto">
-          <a:xfrm rot="5400000" flipH="1">
-            <a:off x="1730653" y="-921117"/>
-            <a:ext cx="1756584" cy="4408488"/>
-          </a:xfrm>
-          <a:custGeom>
-            <a:avLst/>
-            <a:gdLst>
-              <a:gd name="connsiteX0" fmla="*/ 1756584 w 1756584"/>
-              <a:gd name="connsiteY0" fmla="*/ 4408488 h 4408488"/>
-              <a:gd name="connsiteX1" fmla="*/ 1756584 w 1756584"/>
-              <a:gd name="connsiteY1" fmla="*/ 0 h 4408488"/>
-              <a:gd name="connsiteX2" fmla="*/ 1350810 w 1756584"/>
-              <a:gd name="connsiteY2" fmla="*/ 0 h 4408488"/>
-              <a:gd name="connsiteX3" fmla="*/ 1350810 w 1756584"/>
-              <a:gd name="connsiteY3" fmla="*/ 4024068 h 4408488"/>
-              <a:gd name="connsiteX4" fmla="*/ 0 w 1756584"/>
-              <a:gd name="connsiteY4" fmla="*/ 4023445 h 4408488"/>
-              <a:gd name="connsiteX5" fmla="*/ 0 w 1756584"/>
-              <a:gd name="connsiteY5" fmla="*/ 4408488 h 4408488"/>
-            </a:gdLst>
-            <a:ahLst/>
-            <a:cxnLst>
-              <a:cxn ang="0">
-                <a:pos x="connsiteX0" y="connsiteY0"/>
-              </a:cxn>
-              <a:cxn ang="0">
-                <a:pos x="connsiteX1" y="connsiteY1"/>
-              </a:cxn>
-              <a:cxn ang="0">
-                <a:pos x="connsiteX2" y="connsiteY2"/>
-              </a:cxn>
-              <a:cxn ang="0">
-                <a:pos x="connsiteX3" y="connsiteY3"/>
-              </a:cxn>
-              <a:cxn ang="0">
-                <a:pos x="connsiteX4" y="connsiteY4"/>
-              </a:cxn>
-              <a:cxn ang="0">
-                <a:pos x="connsiteX5" y="connsiteY5"/>
-              </a:cxn>
-            </a:cxnLst>
-            <a:rect l="l" t="t" r="r" b="b"/>
-            <a:pathLst>
-              <a:path w="1756584" h="4408488">
-                <a:moveTo>
-                  <a:pt x="1756584" y="4408488"/>
-                </a:moveTo>
-                <a:lnTo>
-                  <a:pt x="1756584" y="0"/>
-                </a:lnTo>
-                <a:lnTo>
-                  <a:pt x="1350810" y="0"/>
-                </a:lnTo>
-                <a:lnTo>
-                  <a:pt x="1350810" y="4024068"/>
-                </a:lnTo>
-                <a:lnTo>
-                  <a:pt x="0" y="4023445"/>
-                </a:lnTo>
-                <a:lnTo>
-                  <a:pt x="0" y="4408488"/>
-                </a:lnTo>
-                <a:close/>
-              </a:path>
-            </a:pathLst>
-          </a:custGeom>
-          <a:solidFill>
-            <a:schemeClr val="tx2"/>
-          </a:solidFill>
-          <a:ln w="0">
-            <a:noFill/>
-            <a:prstDash val="solid"/>
-            <a:round/>
-            <a:headEnd/>
-            <a:tailEnd/>
-          </a:ln>
-        </p:spPr>
-        <p:txBody>
-          <a:bodyPr wrap="square">
-            <a:noAutofit/>
-          </a:bodyPr>
-          <a:lstStyle/>
-          <a:p>
-            <a:endParaRPr lang="en-US" dirty="0"/>
-          </a:p>
-        </p:txBody>
-      </p:sp>
-      <p:sp>
-        <p:nvSpPr>
-          <p:cNvPr id="12" name="Freeform: Shape 11">
-            <a:extLst>
-              <a:ext uri="{FF2B5EF4-FFF2-40B4-BE49-F238E27FC236}">
-                <a16:creationId xmlns:a16="http://schemas.microsoft.com/office/drawing/2014/main" id="{C86C2B07-2A41-4CB1-9C51-F037AF41765C}"/>
-              </a:ext>
-              <a:ext uri="{C183D7F6-B498-43B3-948B-1728B52AA6E4}">
-                <adec:decorative xmlns:adec="http://schemas.microsoft.com/office/drawing/2017/decorative" val="1"/>
-              </a:ext>
-            </a:extLst>
-          </p:cNvPr>
-          <p:cNvSpPr>
-            <a:spLocks noGrp="1" noRot="1" noChangeAspect="1" noMove="1" noResize="1" noEditPoints="1" noAdjustHandles="1" noChangeArrowheads="1" noChangeShapeType="1" noTextEdit="1"/>
-          </p:cNvSpPr>
-          <p:nvPr>
-            <p:extLst>
-              <p:ext uri="{386F3935-93C4-4BCD-93E2-E3B085C9AB24}">
-                <p16:designElem xmlns:p16="http://schemas.microsoft.com/office/powerpoint/2015/main" val="1"/>
-              </p:ext>
-            </p:extLst>
-          </p:nvPr>
-        </p:nvSpPr>
-        <p:spPr bwMode="auto">
-          <a:xfrm rot="5400000" flipV="1">
-            <a:off x="8673443" y="2182330"/>
-            <a:ext cx="1755930" cy="4408488"/>
-          </a:xfrm>
-          <a:custGeom>
-            <a:avLst/>
-            <a:gdLst>
-              <a:gd name="connsiteX0" fmla="*/ 0 w 1755930"/>
-              <a:gd name="connsiteY0" fmla="*/ 4023420 h 4408488"/>
-              <a:gd name="connsiteX1" fmla="*/ 1 w 1755930"/>
-              <a:gd name="connsiteY1" fmla="*/ 4408488 h 4408488"/>
-              <a:gd name="connsiteX2" fmla="*/ 1755930 w 1755930"/>
-              <a:gd name="connsiteY2" fmla="*/ 4408488 h 4408488"/>
-              <a:gd name="connsiteX3" fmla="*/ 1755930 w 1755930"/>
-              <a:gd name="connsiteY3" fmla="*/ 0 h 4408488"/>
-              <a:gd name="connsiteX4" fmla="*/ 1350156 w 1755930"/>
-              <a:gd name="connsiteY4" fmla="*/ 0 h 4408488"/>
-              <a:gd name="connsiteX5" fmla="*/ 1350156 w 1755930"/>
-              <a:gd name="connsiteY5" fmla="*/ 4023628 h 4408488"/>
-            </a:gdLst>
-            <a:ahLst/>
-            <a:cxnLst>
-              <a:cxn ang="0">
-                <a:pos x="connsiteX0" y="connsiteY0"/>
-              </a:cxn>
-              <a:cxn ang="0">
-                <a:pos x="connsiteX1" y="connsiteY1"/>
-              </a:cxn>
-              <a:cxn ang="0">
-                <a:pos x="connsiteX2" y="connsiteY2"/>
-              </a:cxn>
-              <a:cxn ang="0">
-                <a:pos x="connsiteX3" y="connsiteY3"/>
-              </a:cxn>
-              <a:cxn ang="0">
-                <a:pos x="connsiteX4" y="connsiteY4"/>
-              </a:cxn>
-              <a:cxn ang="0">
-                <a:pos x="connsiteX5" y="connsiteY5"/>
-              </a:cxn>
-            </a:cxnLst>
-            <a:rect l="l" t="t" r="r" b="b"/>
-            <a:pathLst>
-              <a:path w="1755930" h="4408488">
-                <a:moveTo>
-                  <a:pt x="0" y="4023420"/>
-                </a:moveTo>
-                <a:lnTo>
-                  <a:pt x="1" y="4408488"/>
-                </a:lnTo>
-                <a:lnTo>
-                  <a:pt x="1755930" y="4408488"/>
-                </a:lnTo>
-                <a:lnTo>
-                  <a:pt x="1755930" y="0"/>
-                </a:lnTo>
-                <a:lnTo>
-                  <a:pt x="1350156" y="0"/>
-                </a:lnTo>
-                <a:lnTo>
-                  <a:pt x="1350156" y="4023628"/>
-                </a:lnTo>
-                <a:close/>
-              </a:path>
-            </a:pathLst>
-          </a:custGeom>
-          <a:solidFill>
-            <a:schemeClr val="tx2"/>
-          </a:solidFill>
-          <a:ln w="0">
-            <a:noFill/>
-            <a:prstDash val="solid"/>
-            <a:round/>
-            <a:headEnd/>
-            <a:tailEnd/>
-          </a:ln>
-        </p:spPr>
-      </p:sp>
-      <p:sp>
-        <p:nvSpPr>
-          <p:cNvPr id="3" name="Объект 2">
-            <a:extLst>
-              <a:ext uri="{FF2B5EF4-FFF2-40B4-BE49-F238E27FC236}">
-                <a16:creationId xmlns:a16="http://schemas.microsoft.com/office/drawing/2014/main" id="{9F952461-B2E1-ECE8-A2D5-C2338EE31BF6}"/>
-              </a:ext>
-            </a:extLst>
-          </p:cNvPr>
-          <p:cNvSpPr>
-            <a:spLocks noGrp="1"/>
-          </p:cNvSpPr>
-          <p:nvPr>
-            <p:ph idx="1"/>
-          </p:nvPr>
-        </p:nvSpPr>
-        <p:spPr>
-          <a:xfrm>
-            <a:off x="1219201" y="1123486"/>
-            <a:ext cx="9639868" cy="3516753"/>
-          </a:xfrm>
-        </p:spPr>
-        <p:txBody>
-          <a:bodyPr anchor="ctr">
-            <a:normAutofit/>
-          </a:bodyPr>
-          <a:lstStyle/>
-          <a:p>
-            <a:endParaRPr lang="ru-RU"/>
-          </a:p>
-        </p:txBody>
-      </p:sp>
-      <p:sp>
-        <p:nvSpPr>
-          <p:cNvPr id="14" name="Rectangle 13">
-            <a:extLst>
-              <a:ext uri="{FF2B5EF4-FFF2-40B4-BE49-F238E27FC236}">
-                <a16:creationId xmlns:a16="http://schemas.microsoft.com/office/drawing/2014/main" id="{A3F67AAC-C977-4759-A5C8-6BC998F963D3}"/>
-              </a:ext>
-              <a:ext uri="{C183D7F6-B498-43B3-948B-1728B52AA6E4}">
-                <adec:decorative xmlns:adec="http://schemas.microsoft.com/office/drawing/2017/decorative" val="1"/>
-              </a:ext>
-            </a:extLst>
-          </p:cNvPr>
-          <p:cNvSpPr>
-            <a:spLocks noGrp="1" noRot="1" noChangeAspect="1" noMove="1" noResize="1" noEditPoints="1" noAdjustHandles="1" noChangeArrowheads="1" noChangeShapeType="1" noTextEdit="1"/>
-          </p:cNvSpPr>
-          <p:nvPr>
-            <p:extLst>
-              <p:ext uri="{386F3935-93C4-4BCD-93E2-E3B085C9AB24}">
-                <p16:designElem xmlns:p16="http://schemas.microsoft.com/office/powerpoint/2015/main" val="1"/>
-              </p:ext>
-            </p:extLst>
-          </p:nvPr>
-        </p:nvSpPr>
-        <p:spPr>
-          <a:xfrm>
-            <a:off x="2" y="6453386"/>
-            <a:ext cx="12191998" cy="404614"/>
-          </a:xfrm>
-          <a:prstGeom prst="rect">
-            <a:avLst/>
-          </a:prstGeom>
-          <a:solidFill>
-            <a:schemeClr val="tx2"/>
-          </a:solidFill>
-          <a:ln>
-            <a:noFill/>
-          </a:ln>
-        </p:spPr>
-        <p:style>
-          <a:lnRef idx="2">
-            <a:schemeClr val="accent1">
-              <a:shade val="50000"/>
-            </a:schemeClr>
-          </a:lnRef>
-          <a:fillRef idx="1">
-            <a:schemeClr val="accent1"/>
-          </a:fillRef>
-          <a:effectRef idx="0">
-            <a:schemeClr val="accent1"/>
-          </a:effectRef>
-          <a:fontRef idx="minor">
-            <a:schemeClr val="lt1"/>
-          </a:fontRef>
-        </p:style>
-        <p:txBody>
-          <a:bodyPr/>
-          <a:lstStyle/>
-          <a:p>
-            <a:endParaRPr lang="en-US" dirty="0">
-              <a:solidFill>
-                <a:schemeClr val="bg1"/>
-              </a:solidFill>
-            </a:endParaRPr>
-          </a:p>
-        </p:txBody>
-      </p:sp>
-    </p:spTree>
-    <p:extLst>
-      <p:ext uri="{BB962C8B-B14F-4D97-AF65-F5344CB8AC3E}">
-        <p14:creationId xmlns:p14="http://schemas.microsoft.com/office/powerpoint/2010/main" val="2722910274"/>
       </p:ext>
     </p:extLst>
   </p:cSld>
@@ -7400,10 +6962,10 @@
           <p:cNvPr id="8" name="Group 7">
             <a:extLst>
               <a:ext uri="{FF2B5EF4-FFF2-40B4-BE49-F238E27FC236}">
-                <a16:creationId xmlns:a16="http://schemas.microsoft.com/office/drawing/2014/main" id="{8C89EA62-F38E-4285-A105-C5E1BD360093}"/>
+                <a16:creationId xmlns:a16="http://schemas.microsoft.com/office/drawing/2014/main" xmlns="" id="{8C89EA62-F38E-4285-A105-C5E1BD360093}"/>
               </a:ext>
               <a:ext uri="{C183D7F6-B498-43B3-948B-1728B52AA6E4}">
-                <adec:decorative xmlns:adec="http://schemas.microsoft.com/office/drawing/2017/decorative" val="1"/>
+                <adec:decorative xmlns:adec="http://schemas.microsoft.com/office/drawing/2017/decorative" xmlns="" val="1"/>
               </a:ext>
             </a:extLst>
           </p:cNvPr>
@@ -7413,7 +6975,7 @@
           <p:nvPr>
             <p:extLst>
               <p:ext uri="{386F3935-93C4-4BCD-93E2-E3B085C9AB24}">
-                <p16:designElem xmlns:p16="http://schemas.microsoft.com/office/powerpoint/2015/main" val="1"/>
+                <p16:designElem xmlns:p16="http://schemas.microsoft.com/office/powerpoint/2015/main" xmlns="" val="1"/>
               </p:ext>
             </p:extLst>
           </p:nvPr>
@@ -7431,10 +6993,10 @@
             <p:cNvPr id="9" name="Freeform 6">
               <a:extLst>
                 <a:ext uri="{FF2B5EF4-FFF2-40B4-BE49-F238E27FC236}">
-                  <a16:creationId xmlns:a16="http://schemas.microsoft.com/office/drawing/2014/main" id="{2CF6E46A-CCCD-4728-B011-E147B23629A3}"/>
+                  <a16:creationId xmlns:a16="http://schemas.microsoft.com/office/drawing/2014/main" xmlns="" id="{2CF6E46A-CCCD-4728-B011-E147B23629A3}"/>
                 </a:ext>
                 <a:ext uri="{C183D7F6-B498-43B3-948B-1728B52AA6E4}">
-                  <adec:decorative xmlns:adec="http://schemas.microsoft.com/office/drawing/2017/decorative" val="1"/>
+                  <adec:decorative xmlns:adec="http://schemas.microsoft.com/office/drawing/2017/decorative" xmlns="" val="1"/>
                 </a:ext>
               </a:extLst>
             </p:cNvPr>
@@ -7442,7 +7004,7 @@
             <p:nvPr>
               <p:extLst>
                 <p:ext uri="{386F3935-93C4-4BCD-93E2-E3B085C9AB24}">
-                  <p16:designElem xmlns:p16="http://schemas.microsoft.com/office/powerpoint/2015/main" val="1"/>
+                  <p16:designElem xmlns:p16="http://schemas.microsoft.com/office/powerpoint/2015/main" xmlns="" val="1"/>
                 </p:ext>
               </p:extLst>
             </p:nvPr>
@@ -7502,10 +7064,10 @@
             <p:cNvPr id="10" name="Freeform 6">
               <a:extLst>
                 <a:ext uri="{FF2B5EF4-FFF2-40B4-BE49-F238E27FC236}">
-                  <a16:creationId xmlns:a16="http://schemas.microsoft.com/office/drawing/2014/main" id="{2E2C684B-30C9-4689-A529-EBF1B8ADB215}"/>
+                  <a16:creationId xmlns:a16="http://schemas.microsoft.com/office/drawing/2014/main" xmlns="" id="{2E2C684B-30C9-4689-A529-EBF1B8ADB215}"/>
                 </a:ext>
                 <a:ext uri="{C183D7F6-B498-43B3-948B-1728B52AA6E4}">
-                  <adec:decorative xmlns:adec="http://schemas.microsoft.com/office/drawing/2017/decorative" val="1"/>
+                  <adec:decorative xmlns:adec="http://schemas.microsoft.com/office/drawing/2017/decorative" xmlns="" val="1"/>
                 </a:ext>
               </a:extLst>
             </p:cNvPr>
@@ -7513,7 +7075,7 @@
             <p:nvPr>
               <p:extLst>
                 <p:ext uri="{386F3935-93C4-4BCD-93E2-E3B085C9AB24}">
-                  <p16:designElem xmlns:p16="http://schemas.microsoft.com/office/powerpoint/2015/main" val="1"/>
+                  <p16:designElem xmlns:p16="http://schemas.microsoft.com/office/powerpoint/2015/main" xmlns="" val="1"/>
                 </p:ext>
               </p:extLst>
             </p:nvPr>
@@ -7576,10 +7138,10 @@
           <p:cNvPr id="12" name="Rectangle 11">
             <a:extLst>
               <a:ext uri="{FF2B5EF4-FFF2-40B4-BE49-F238E27FC236}">
-                <a16:creationId xmlns:a16="http://schemas.microsoft.com/office/drawing/2014/main" id="{D8E74CFB-EAAD-43E9-BDAC-AAE4F8E86B83}"/>
+                <a16:creationId xmlns:a16="http://schemas.microsoft.com/office/drawing/2014/main" xmlns="" id="{D8E74CFB-EAAD-43E9-BDAC-AAE4F8E86B83}"/>
               </a:ext>
               <a:ext uri="{C183D7F6-B498-43B3-948B-1728B52AA6E4}">
-                <adec:decorative xmlns:adec="http://schemas.microsoft.com/office/drawing/2017/decorative" val="1"/>
+                <adec:decorative xmlns:adec="http://schemas.microsoft.com/office/drawing/2017/decorative" xmlns="" val="1"/>
               </a:ext>
             </a:extLst>
           </p:cNvPr>
@@ -7589,7 +7151,7 @@
           <p:nvPr>
             <p:extLst>
               <p:ext uri="{386F3935-93C4-4BCD-93E2-E3B085C9AB24}">
-                <p16:designElem xmlns:p16="http://schemas.microsoft.com/office/powerpoint/2015/main" val="1"/>
+                <p16:designElem xmlns:p16="http://schemas.microsoft.com/office/powerpoint/2015/main" xmlns="" val="1"/>
               </p:ext>
             </p:extLst>
           </p:nvPr>
@@ -7636,10 +7198,10 @@
           <p:cNvPr id="14" name="Rectangle 13">
             <a:extLst>
               <a:ext uri="{FF2B5EF4-FFF2-40B4-BE49-F238E27FC236}">
-                <a16:creationId xmlns:a16="http://schemas.microsoft.com/office/drawing/2014/main" id="{D6E31D67-858D-409A-863E-EE8DEB9CC1E5}"/>
+                <a16:creationId xmlns:a16="http://schemas.microsoft.com/office/drawing/2014/main" xmlns="" id="{D6E31D67-858D-409A-863E-EE8DEB9CC1E5}"/>
               </a:ext>
               <a:ext uri="{C183D7F6-B498-43B3-948B-1728B52AA6E4}">
-                <adec:decorative xmlns:adec="http://schemas.microsoft.com/office/drawing/2017/decorative" val="1"/>
+                <adec:decorative xmlns:adec="http://schemas.microsoft.com/office/drawing/2017/decorative" xmlns="" val="1"/>
               </a:ext>
             </a:extLst>
           </p:cNvPr>
@@ -7649,7 +7211,7 @@
           <p:nvPr>
             <p:extLst>
               <p:ext uri="{386F3935-93C4-4BCD-93E2-E3B085C9AB24}">
-                <p16:designElem xmlns:p16="http://schemas.microsoft.com/office/powerpoint/2015/main" val="1"/>
+                <p16:designElem xmlns:p16="http://schemas.microsoft.com/office/powerpoint/2015/main" xmlns="" val="1"/>
               </p:ext>
             </p:extLst>
           </p:nvPr>
@@ -7691,10 +7253,10 @@
           <p:cNvPr id="16" name="Freeform 6">
             <a:extLst>
               <a:ext uri="{FF2B5EF4-FFF2-40B4-BE49-F238E27FC236}">
-                <a16:creationId xmlns:a16="http://schemas.microsoft.com/office/drawing/2014/main" id="{0C11AD76-2664-4F1B-8A6E-71601C059E24}"/>
+                <a16:creationId xmlns:a16="http://schemas.microsoft.com/office/drawing/2014/main" xmlns="" id="{0C11AD76-2664-4F1B-8A6E-71601C059E24}"/>
               </a:ext>
               <a:ext uri="{C183D7F6-B498-43B3-948B-1728B52AA6E4}">
-                <adec:decorative xmlns:adec="http://schemas.microsoft.com/office/drawing/2017/decorative" val="1"/>
+                <adec:decorative xmlns:adec="http://schemas.microsoft.com/office/drawing/2017/decorative" xmlns="" val="1"/>
               </a:ext>
             </a:extLst>
           </p:cNvPr>
@@ -7704,7 +7266,7 @@
           <p:nvPr>
             <p:extLst>
               <p:ext uri="{386F3935-93C4-4BCD-93E2-E3B085C9AB24}">
-                <p16:designElem xmlns:p16="http://schemas.microsoft.com/office/powerpoint/2015/main" val="1"/>
+                <p16:designElem xmlns:p16="http://schemas.microsoft.com/office/powerpoint/2015/main" xmlns="" val="1"/>
               </p:ext>
             </p:extLst>
           </p:nvPr>
@@ -7766,7 +7328,7 @@
           <p:cNvPr id="2" name="Заголовок 1">
             <a:extLst>
               <a:ext uri="{FF2B5EF4-FFF2-40B4-BE49-F238E27FC236}">
-                <a16:creationId xmlns:a16="http://schemas.microsoft.com/office/drawing/2014/main" id="{8710C210-D368-F84C-59E0-2B13F2C7B4A7}"/>
+                <a16:creationId xmlns:a16="http://schemas.microsoft.com/office/drawing/2014/main" xmlns="" id="{8710C210-D368-F84C-59E0-2B13F2C7B4A7}"/>
               </a:ext>
             </a:extLst>
           </p:cNvPr>
@@ -7789,7 +7351,11 @@
           </a:bodyPr>
           <a:lstStyle/>
           <a:p>
-            <a:endParaRPr lang="en-US" sz="6600" cap="all"/>
+            <a:r>
+              <a:rPr lang="ru-RU" sz="6600" cap="all" dirty="0" smtClean="0"/>
+              <a:t>Спасибо за внимание</a:t>
+            </a:r>
+            <a:endParaRPr lang="en-US" sz="6600" cap="all" dirty="0"/>
           </a:p>
         </p:txBody>
       </p:sp>

--- a/Никитин_курсовая.pptx
+++ b/Никитин_курсовая.pptx
@@ -164,7 +164,7 @@
           <p:cNvPr id="2" name="Верхний колонтитул 1">
             <a:extLst>
               <a:ext uri="{FF2B5EF4-FFF2-40B4-BE49-F238E27FC236}">
-                <a16:creationId xmlns:a16="http://schemas.microsoft.com/office/drawing/2014/main" xmlns="" id="{B6FE795F-4C8B-41B8-B1FC-DA2C8C54D55B}"/>
+                <a16:creationId xmlns:a16="http://schemas.microsoft.com/office/drawing/2014/main" id="{B6FE795F-4C8B-41B8-B1FC-DA2C8C54D55B}"/>
               </a:ext>
             </a:extLst>
           </p:cNvPr>
@@ -201,7 +201,7 @@
           <p:cNvPr id="3" name="Дата 2">
             <a:extLst>
               <a:ext uri="{FF2B5EF4-FFF2-40B4-BE49-F238E27FC236}">
-                <a16:creationId xmlns:a16="http://schemas.microsoft.com/office/drawing/2014/main" xmlns="" id="{D10486EB-A8A7-44B8-B66E-2BC304ABB4AF}"/>
+                <a16:creationId xmlns:a16="http://schemas.microsoft.com/office/drawing/2014/main" id="{D10486EB-A8A7-44B8-B66E-2BC304ABB4AF}"/>
               </a:ext>
             </a:extLst>
           </p:cNvPr>
@@ -242,7 +242,7 @@
           <p:cNvPr id="4" name="Нижний колонтитул 3">
             <a:extLst>
               <a:ext uri="{FF2B5EF4-FFF2-40B4-BE49-F238E27FC236}">
-                <a16:creationId xmlns:a16="http://schemas.microsoft.com/office/drawing/2014/main" xmlns="" id="{97C88724-E17E-417B-8FFA-E811B36E1611}"/>
+                <a16:creationId xmlns:a16="http://schemas.microsoft.com/office/drawing/2014/main" id="{97C88724-E17E-417B-8FFA-E811B36E1611}"/>
               </a:ext>
             </a:extLst>
           </p:cNvPr>
@@ -279,7 +279,7 @@
           <p:cNvPr id="5" name="Номер слайда 4">
             <a:extLst>
               <a:ext uri="{FF2B5EF4-FFF2-40B4-BE49-F238E27FC236}">
-                <a16:creationId xmlns:a16="http://schemas.microsoft.com/office/drawing/2014/main" xmlns="" id="{8EE36B77-194C-4616-B4E2-D58277D18617}"/>
+                <a16:creationId xmlns:a16="http://schemas.microsoft.com/office/drawing/2014/main" id="{8EE36B77-194C-4616-B4E2-D58277D18617}"/>
               </a:ext>
             </a:extLst>
           </p:cNvPr>
@@ -4577,11 +4577,11 @@
           <a:lstStyle/>
           <a:p>
             <a:r>
-              <a:rPr lang="ru-RU" dirty="0" smtClean="0"/>
+              <a:rPr lang="ru-RU" dirty="0"/>
               <a:t>Цель предмет </a:t>
             </a:r>
             <a:r>
-              <a:rPr lang="ru-RU" smtClean="0"/>
+              <a:rPr lang="ru-RU"/>
               <a:t>задачи добавить</a:t>
             </a:r>
             <a:endParaRPr lang="ru-RU" dirty="0"/>
@@ -4642,7 +4642,7 @@
           <p:cNvPr id="2" name="Заголовок 1">
             <a:extLst>
               <a:ext uri="{FF2B5EF4-FFF2-40B4-BE49-F238E27FC236}">
-                <a16:creationId xmlns:a16="http://schemas.microsoft.com/office/drawing/2014/main" xmlns="" id="{B74D4913-9FC1-7E7E-2826-ED21A9A423E2}"/>
+                <a16:creationId xmlns:a16="http://schemas.microsoft.com/office/drawing/2014/main" id="{B74D4913-9FC1-7E7E-2826-ED21A9A423E2}"/>
               </a:ext>
             </a:extLst>
           </p:cNvPr>
@@ -4675,7 +4675,7 @@
           <p:cNvPr id="4" name="Объект 3" descr="Изображение выглядит как текст, снимок экрана, цветок&#10;&#10;Автоматически созданное описание">
             <a:extLst>
               <a:ext uri="{FF2B5EF4-FFF2-40B4-BE49-F238E27FC236}">
-                <a16:creationId xmlns:a16="http://schemas.microsoft.com/office/drawing/2014/main" xmlns="" id="{D3338070-9C2E-AF88-9FA5-A14A75CC8524}"/>
+                <a16:creationId xmlns:a16="http://schemas.microsoft.com/office/drawing/2014/main" id="{D3338070-9C2E-AF88-9FA5-A14A75CC8524}"/>
               </a:ext>
             </a:extLst>
           </p:cNvPr>
@@ -4704,7 +4704,7 @@
           <p:cNvPr id="6" name="Рисунок 5" descr="Изображение выглядит как мультфильм, снимок экрана, искусство, свет&#10;&#10;Автоматически созданное описание">
             <a:extLst>
               <a:ext uri="{FF2B5EF4-FFF2-40B4-BE49-F238E27FC236}">
-                <a16:creationId xmlns:a16="http://schemas.microsoft.com/office/drawing/2014/main" xmlns="" id="{1BF15470-059F-B7CD-78E2-FA6B8813B6D1}"/>
+                <a16:creationId xmlns:a16="http://schemas.microsoft.com/office/drawing/2014/main" id="{1BF15470-059F-B7CD-78E2-FA6B8813B6D1}"/>
               </a:ext>
             </a:extLst>
           </p:cNvPr>
@@ -4734,7 +4734,7 @@
           <p:cNvPr id="7" name="Рисунок 6" descr="Изображение выглядит как снимок экрана&#10;&#10;Автоматически созданное описание">
             <a:extLst>
               <a:ext uri="{FF2B5EF4-FFF2-40B4-BE49-F238E27FC236}">
-                <a16:creationId xmlns:a16="http://schemas.microsoft.com/office/drawing/2014/main" xmlns="" id="{B3921DEC-433A-6213-E9A4-F06B396EDD54}"/>
+                <a16:creationId xmlns:a16="http://schemas.microsoft.com/office/drawing/2014/main" id="{B3921DEC-433A-6213-E9A4-F06B396EDD54}"/>
               </a:ext>
             </a:extLst>
           </p:cNvPr>
@@ -4801,10 +4801,10 @@
           <p:cNvPr id="8" name="Rectangle 7">
             <a:extLst>
               <a:ext uri="{FF2B5EF4-FFF2-40B4-BE49-F238E27FC236}">
-                <a16:creationId xmlns:a16="http://schemas.microsoft.com/office/drawing/2014/main" xmlns="" id="{3362DFFC-4DCC-48EE-B781-94D04B95F1E8}"/>
+                <a16:creationId xmlns:a16="http://schemas.microsoft.com/office/drawing/2014/main" id="{3362DFFC-4DCC-48EE-B781-94D04B95F1E8}"/>
               </a:ext>
               <a:ext uri="{C183D7F6-B498-43B3-948B-1728B52AA6E4}">
-                <adec:decorative xmlns:adec="http://schemas.microsoft.com/office/drawing/2017/decorative" xmlns="" val="1"/>
+                <adec:decorative xmlns:adec="http://schemas.microsoft.com/office/drawing/2017/decorative" val="1"/>
               </a:ext>
             </a:extLst>
           </p:cNvPr>
@@ -4814,7 +4814,7 @@
           <p:nvPr>
             <p:extLst>
               <p:ext uri="{386F3935-93C4-4BCD-93E2-E3B085C9AB24}">
-                <p16:designElem xmlns:p16="http://schemas.microsoft.com/office/powerpoint/2015/main" xmlns="" val="1"/>
+                <p16:designElem xmlns:p16="http://schemas.microsoft.com/office/powerpoint/2015/main" val="1"/>
               </p:ext>
             </p:extLst>
           </p:nvPr>
@@ -4850,13 +4850,20 @@
             <a:schemeClr val="lt1"/>
           </a:fontRef>
         </p:style>
+        <p:txBody>
+          <a:bodyPr/>
+          <a:lstStyle/>
+          <a:p>
+            <a:endParaRPr lang="ru-RU"/>
+          </a:p>
+        </p:txBody>
       </p:sp>
       <p:sp>
         <p:nvSpPr>
           <p:cNvPr id="2" name="Заголовок 1">
             <a:extLst>
               <a:ext uri="{FF2B5EF4-FFF2-40B4-BE49-F238E27FC236}">
-                <a16:creationId xmlns:a16="http://schemas.microsoft.com/office/drawing/2014/main" xmlns="" id="{5AAF861A-00A9-BE5D-D65D-E8D193AEED61}"/>
+                <a16:creationId xmlns:a16="http://schemas.microsoft.com/office/drawing/2014/main" id="{5AAF861A-00A9-BE5D-D65D-E8D193AEED61}"/>
               </a:ext>
             </a:extLst>
           </p:cNvPr>
@@ -4894,14 +4901,6 @@
                 </a:solidFill>
               </a:rPr>
             </a:br>
-            <a:r>
-              <a:rPr lang="ru-RU" sz="4000" dirty="0">
-                <a:solidFill>
-                  <a:schemeClr val="bg2"/>
-                </a:solidFill>
-              </a:rPr>
-              <a:t/>
-            </a:r>
             <a:br>
               <a:rPr lang="ru-RU" sz="4000" dirty="0">
                 <a:solidFill>
@@ -4932,14 +4931,6 @@
                 </a:solidFill>
               </a:rPr>
             </a:br>
-            <a:r>
-              <a:rPr lang="ru-RU" sz="3600" dirty="0">
-                <a:solidFill>
-                  <a:schemeClr val="bg2"/>
-                </a:solidFill>
-              </a:rPr>
-              <a:t/>
-            </a:r>
             <a:br>
               <a:rPr lang="ru-RU" sz="3600" dirty="0">
                 <a:solidFill>
@@ -4970,14 +4961,6 @@
                 </a:solidFill>
               </a:rPr>
             </a:br>
-            <a:r>
-              <a:rPr lang="ru-RU" sz="3600" dirty="0">
-                <a:solidFill>
-                  <a:schemeClr val="bg2"/>
-                </a:solidFill>
-              </a:rPr>
-              <a:t/>
-            </a:r>
             <a:br>
               <a:rPr lang="ru-RU" sz="3600" dirty="0">
                 <a:solidFill>
@@ -5008,14 +4991,6 @@
                 </a:solidFill>
               </a:rPr>
             </a:br>
-            <a:r>
-              <a:rPr lang="ru-RU" sz="3600" dirty="0">
-                <a:solidFill>
-                  <a:schemeClr val="bg2"/>
-                </a:solidFill>
-              </a:rPr>
-              <a:t/>
-            </a:r>
             <a:br>
               <a:rPr lang="ru-RU" sz="3600" dirty="0">
                 <a:solidFill>
@@ -5036,10 +5011,10 @@
           <p:cNvPr id="10" name="Rectangle 9">
             <a:extLst>
               <a:ext uri="{FF2B5EF4-FFF2-40B4-BE49-F238E27FC236}">
-                <a16:creationId xmlns:a16="http://schemas.microsoft.com/office/drawing/2014/main" xmlns="" id="{18B8B265-E68C-4B64-9238-781F0102C57B}"/>
+                <a16:creationId xmlns:a16="http://schemas.microsoft.com/office/drawing/2014/main" id="{18B8B265-E68C-4B64-9238-781F0102C57B}"/>
               </a:ext>
               <a:ext uri="{C183D7F6-B498-43B3-948B-1728B52AA6E4}">
-                <adec:decorative xmlns:adec="http://schemas.microsoft.com/office/drawing/2017/decorative" xmlns="" val="1"/>
+                <adec:decorative xmlns:adec="http://schemas.microsoft.com/office/drawing/2017/decorative" val="1"/>
               </a:ext>
             </a:extLst>
           </p:cNvPr>
@@ -5049,7 +5024,7 @@
           <p:nvPr>
             <p:extLst>
               <p:ext uri="{386F3935-93C4-4BCD-93E2-E3B085C9AB24}">
-                <p16:designElem xmlns:p16="http://schemas.microsoft.com/office/powerpoint/2015/main" xmlns="" val="1"/>
+                <p16:designElem xmlns:p16="http://schemas.microsoft.com/office/powerpoint/2015/main" val="1"/>
               </p:ext>
             </p:extLst>
           </p:nvPr>
@@ -5087,13 +5062,20 @@
             <a:schemeClr val="lt1"/>
           </a:fontRef>
         </p:style>
+        <p:txBody>
+          <a:bodyPr/>
+          <a:lstStyle/>
+          <a:p>
+            <a:endParaRPr lang="ru-RU"/>
+          </a:p>
+        </p:txBody>
       </p:sp>
       <p:pic>
         <p:nvPicPr>
           <p:cNvPr id="11" name="Объект 10">
             <a:extLst>
               <a:ext uri="{FF2B5EF4-FFF2-40B4-BE49-F238E27FC236}">
-                <a16:creationId xmlns:a16="http://schemas.microsoft.com/office/drawing/2014/main" xmlns="" id="{DB8FE9A5-B094-6596-47D6-B08C3C0DC671}"/>
+                <a16:creationId xmlns:a16="http://schemas.microsoft.com/office/drawing/2014/main" id="{DB8FE9A5-B094-6596-47D6-B08C3C0DC671}"/>
               </a:ext>
             </a:extLst>
           </p:cNvPr>
@@ -5122,7 +5104,7 @@
           <p:cNvPr id="12" name="Рисунок 11" descr="Изображение выглядит как мультфильм, графическая вставка, круг, Графика&#10;&#10;Автоматически созданное описание">
             <a:extLst>
               <a:ext uri="{FF2B5EF4-FFF2-40B4-BE49-F238E27FC236}">
-                <a16:creationId xmlns:a16="http://schemas.microsoft.com/office/drawing/2014/main" xmlns="" id="{1A18C067-4F2B-05B4-9844-D1E191629EE6}"/>
+                <a16:creationId xmlns:a16="http://schemas.microsoft.com/office/drawing/2014/main" id="{1A18C067-4F2B-05B4-9844-D1E191629EE6}"/>
               </a:ext>
             </a:extLst>
           </p:cNvPr>
@@ -5152,7 +5134,7 @@
           <p:cNvPr id="13" name="Рисунок 12" descr="Изображение выглядит как дизайн, Прямоугольник, снимок экрана, Графика&#10;&#10;Автоматически созданное описание">
             <a:extLst>
               <a:ext uri="{FF2B5EF4-FFF2-40B4-BE49-F238E27FC236}">
-                <a16:creationId xmlns:a16="http://schemas.microsoft.com/office/drawing/2014/main" xmlns="" id="{E9C28C7E-21C8-012F-2ECB-4865810B54F1}"/>
+                <a16:creationId xmlns:a16="http://schemas.microsoft.com/office/drawing/2014/main" id="{E9C28C7E-21C8-012F-2ECB-4865810B54F1}"/>
               </a:ext>
             </a:extLst>
           </p:cNvPr>
@@ -5220,10 +5202,10 @@
           <p:cNvPr id="17" name="Group 16">
             <a:extLst>
               <a:ext uri="{FF2B5EF4-FFF2-40B4-BE49-F238E27FC236}">
-                <a16:creationId xmlns:a16="http://schemas.microsoft.com/office/drawing/2014/main" xmlns="" id="{449BC34D-9C23-4D6D-8213-1F471AF85B3F}"/>
+                <a16:creationId xmlns:a16="http://schemas.microsoft.com/office/drawing/2014/main" id="{449BC34D-9C23-4D6D-8213-1F471AF85B3F}"/>
               </a:ext>
               <a:ext uri="{C183D7F6-B498-43B3-948B-1728B52AA6E4}">
-                <adec:decorative xmlns:adec="http://schemas.microsoft.com/office/drawing/2017/decorative" xmlns="" val="1"/>
+                <adec:decorative xmlns:adec="http://schemas.microsoft.com/office/drawing/2017/decorative" val="1"/>
               </a:ext>
             </a:extLst>
           </p:cNvPr>
@@ -5233,7 +5215,7 @@
           <p:nvPr>
             <p:extLst>
               <p:ext uri="{386F3935-93C4-4BCD-93E2-E3B085C9AB24}">
-                <p16:designElem xmlns:p16="http://schemas.microsoft.com/office/powerpoint/2015/main" xmlns="" val="1"/>
+                <p16:designElem xmlns:p16="http://schemas.microsoft.com/office/powerpoint/2015/main" val="1"/>
               </p:ext>
             </p:extLst>
           </p:nvPr>
@@ -5251,10 +5233,10 @@
             <p:cNvPr id="18" name="Freeform 6">
               <a:extLst>
                 <a:ext uri="{FF2B5EF4-FFF2-40B4-BE49-F238E27FC236}">
-                  <a16:creationId xmlns:a16="http://schemas.microsoft.com/office/drawing/2014/main" xmlns="" id="{FA0F5D6C-5025-4D7E-82DD-C2C6FDA1E759}"/>
+                  <a16:creationId xmlns:a16="http://schemas.microsoft.com/office/drawing/2014/main" id="{FA0F5D6C-5025-4D7E-82DD-C2C6FDA1E759}"/>
                 </a:ext>
                 <a:ext uri="{C183D7F6-B498-43B3-948B-1728B52AA6E4}">
-                  <adec:decorative xmlns:adec="http://schemas.microsoft.com/office/drawing/2017/decorative" xmlns="" val="1"/>
+                  <adec:decorative xmlns:adec="http://schemas.microsoft.com/office/drawing/2017/decorative" val="1"/>
                 </a:ext>
               </a:extLst>
             </p:cNvPr>
@@ -5262,7 +5244,7 @@
             <p:nvPr>
               <p:extLst>
                 <p:ext uri="{386F3935-93C4-4BCD-93E2-E3B085C9AB24}">
-                  <p16:designElem xmlns:p16="http://schemas.microsoft.com/office/powerpoint/2015/main" xmlns="" val="1"/>
+                  <p16:designElem xmlns:p16="http://schemas.microsoft.com/office/powerpoint/2015/main" val="1"/>
                 </p:ext>
               </p:extLst>
             </p:nvPr>
@@ -5316,16 +5298,23 @@
               <a:tailEnd/>
             </a:ln>
           </p:spPr>
+          <p:txBody>
+            <a:bodyPr/>
+            <a:lstStyle/>
+            <a:p>
+              <a:endParaRPr lang="ru-RU"/>
+            </a:p>
+          </p:txBody>
         </p:sp>
         <p:sp>
           <p:nvSpPr>
             <p:cNvPr id="19" name="Freeform 6">
               <a:extLst>
                 <a:ext uri="{FF2B5EF4-FFF2-40B4-BE49-F238E27FC236}">
-                  <a16:creationId xmlns:a16="http://schemas.microsoft.com/office/drawing/2014/main" xmlns="" id="{E2AF2C17-4AB4-4402-B84B-129EF95D161C}"/>
+                  <a16:creationId xmlns:a16="http://schemas.microsoft.com/office/drawing/2014/main" id="{E2AF2C17-4AB4-4402-B84B-129EF95D161C}"/>
                 </a:ext>
                 <a:ext uri="{C183D7F6-B498-43B3-948B-1728B52AA6E4}">
-                  <adec:decorative xmlns:adec="http://schemas.microsoft.com/office/drawing/2017/decorative" xmlns="" val="1"/>
+                  <adec:decorative xmlns:adec="http://schemas.microsoft.com/office/drawing/2017/decorative" val="1"/>
                 </a:ext>
               </a:extLst>
             </p:cNvPr>
@@ -5333,7 +5322,7 @@
             <p:nvPr>
               <p:extLst>
                 <p:ext uri="{386F3935-93C4-4BCD-93E2-E3B085C9AB24}">
-                  <p16:designElem xmlns:p16="http://schemas.microsoft.com/office/powerpoint/2015/main" xmlns="" val="1"/>
+                  <p16:designElem xmlns:p16="http://schemas.microsoft.com/office/powerpoint/2015/main" val="1"/>
                 </p:ext>
               </p:extLst>
             </p:nvPr>
@@ -5389,6 +5378,13 @@
               <a:tailEnd/>
             </a:ln>
           </p:spPr>
+          <p:txBody>
+            <a:bodyPr/>
+            <a:lstStyle/>
+            <a:p>
+              <a:endParaRPr lang="ru-RU"/>
+            </a:p>
+          </p:txBody>
         </p:sp>
       </p:grpSp>
       <p:sp useBgFill="1">
@@ -5396,10 +5392,10 @@
           <p:cNvPr id="21" name="Rectangle 20">
             <a:extLst>
               <a:ext uri="{FF2B5EF4-FFF2-40B4-BE49-F238E27FC236}">
-                <a16:creationId xmlns:a16="http://schemas.microsoft.com/office/drawing/2014/main" xmlns="" id="{1F9A0C1C-8ABC-401B-8FE9-AC9327C4C587}"/>
+                <a16:creationId xmlns:a16="http://schemas.microsoft.com/office/drawing/2014/main" id="{1F9A0C1C-8ABC-401B-8FE9-AC9327C4C587}"/>
               </a:ext>
               <a:ext uri="{C183D7F6-B498-43B3-948B-1728B52AA6E4}">
-                <adec:decorative xmlns:adec="http://schemas.microsoft.com/office/drawing/2017/decorative" xmlns="" val="1"/>
+                <adec:decorative xmlns:adec="http://schemas.microsoft.com/office/drawing/2017/decorative" val="1"/>
               </a:ext>
             </a:extLst>
           </p:cNvPr>
@@ -5409,7 +5405,7 @@
           <p:nvPr>
             <p:extLst>
               <p:ext uri="{386F3935-93C4-4BCD-93E2-E3B085C9AB24}">
-                <p16:designElem xmlns:p16="http://schemas.microsoft.com/office/powerpoint/2015/main" xmlns="" val="1"/>
+                <p16:designElem xmlns:p16="http://schemas.microsoft.com/office/powerpoint/2015/main" val="1"/>
               </p:ext>
             </p:extLst>
           </p:nvPr>
@@ -5456,7 +5452,7 @@
           <p:cNvPr id="2" name="Заголовок 1">
             <a:extLst>
               <a:ext uri="{FF2B5EF4-FFF2-40B4-BE49-F238E27FC236}">
-                <a16:creationId xmlns:a16="http://schemas.microsoft.com/office/drawing/2014/main" xmlns="" id="{3CD5CC6D-6FDD-2E4C-9381-6D50330A3509}"/>
+                <a16:creationId xmlns:a16="http://schemas.microsoft.com/office/drawing/2014/main" id="{3CD5CC6D-6FDD-2E4C-9381-6D50330A3509}"/>
               </a:ext>
             </a:extLst>
           </p:cNvPr>
@@ -5501,10 +5497,10 @@
           <p:cNvPr id="23" name="Freeform 6">
             <a:extLst>
               <a:ext uri="{FF2B5EF4-FFF2-40B4-BE49-F238E27FC236}">
-                <a16:creationId xmlns:a16="http://schemas.microsoft.com/office/drawing/2014/main" xmlns="" id="{BA5783C3-2F96-40A7-A24F-30CB07AA3928}"/>
+                <a16:creationId xmlns:a16="http://schemas.microsoft.com/office/drawing/2014/main" id="{BA5783C3-2F96-40A7-A24F-30CB07AA3928}"/>
               </a:ext>
               <a:ext uri="{C183D7F6-B498-43B3-948B-1728B52AA6E4}">
-                <adec:decorative xmlns:adec="http://schemas.microsoft.com/office/drawing/2017/decorative" xmlns="" val="1"/>
+                <adec:decorative xmlns:adec="http://schemas.microsoft.com/office/drawing/2017/decorative" val="1"/>
               </a:ext>
             </a:extLst>
           </p:cNvPr>
@@ -5514,7 +5510,7 @@
           <p:nvPr>
             <p:extLst>
               <p:ext uri="{386F3935-93C4-4BCD-93E2-E3B085C9AB24}">
-                <p16:designElem xmlns:p16="http://schemas.microsoft.com/office/powerpoint/2015/main" xmlns="" val="1"/>
+                <p16:designElem xmlns:p16="http://schemas.microsoft.com/office/powerpoint/2015/main" val="1"/>
               </p:ext>
             </p:extLst>
           </p:nvPr>
@@ -5570,16 +5566,23 @@
             <a:tailEnd/>
           </a:ln>
         </p:spPr>
+        <p:txBody>
+          <a:bodyPr/>
+          <a:lstStyle/>
+          <a:p>
+            <a:endParaRPr lang="ru-RU"/>
+          </a:p>
+        </p:txBody>
       </p:sp>
       <p:sp>
         <p:nvSpPr>
           <p:cNvPr id="25" name="Freeform 6">
             <a:extLst>
               <a:ext uri="{FF2B5EF4-FFF2-40B4-BE49-F238E27FC236}">
-                <a16:creationId xmlns:a16="http://schemas.microsoft.com/office/drawing/2014/main" xmlns="" id="{A9D08DBA-0326-4C4E-ACFB-576F3ABDD2D0}"/>
+                <a16:creationId xmlns:a16="http://schemas.microsoft.com/office/drawing/2014/main" id="{A9D08DBA-0326-4C4E-ACFB-576F3ABDD2D0}"/>
               </a:ext>
               <a:ext uri="{C183D7F6-B498-43B3-948B-1728B52AA6E4}">
-                <adec:decorative xmlns:adec="http://schemas.microsoft.com/office/drawing/2017/decorative" xmlns="" val="1"/>
+                <adec:decorative xmlns:adec="http://schemas.microsoft.com/office/drawing/2017/decorative" val="1"/>
               </a:ext>
             </a:extLst>
           </p:cNvPr>
@@ -5589,7 +5592,7 @@
           <p:nvPr>
             <p:extLst>
               <p:ext uri="{386F3935-93C4-4BCD-93E2-E3B085C9AB24}">
-                <p16:designElem xmlns:p16="http://schemas.microsoft.com/office/powerpoint/2015/main" xmlns="" val="1"/>
+                <p16:designElem xmlns:p16="http://schemas.microsoft.com/office/powerpoint/2015/main" val="1"/>
               </p:ext>
             </p:extLst>
           </p:nvPr>
@@ -5643,13 +5646,20 @@
             <a:tailEnd/>
           </a:ln>
         </p:spPr>
+        <p:txBody>
+          <a:bodyPr/>
+          <a:lstStyle/>
+          <a:p>
+            <a:endParaRPr lang="ru-RU"/>
+          </a:p>
+        </p:txBody>
       </p:sp>
       <p:pic>
         <p:nvPicPr>
           <p:cNvPr id="4" name="Объект 3" descr="Изображение выглядит как пиксель, диаграмма, дизайн&#10;&#10;Автоматически созданное описание">
             <a:extLst>
               <a:ext uri="{FF2B5EF4-FFF2-40B4-BE49-F238E27FC236}">
-                <a16:creationId xmlns:a16="http://schemas.microsoft.com/office/drawing/2014/main" xmlns="" id="{3E70B224-6365-8852-476A-201B4ABCD5D8}"/>
+                <a16:creationId xmlns:a16="http://schemas.microsoft.com/office/drawing/2014/main" id="{3E70B224-6365-8852-476A-201B4ABCD5D8}"/>
               </a:ext>
             </a:extLst>
           </p:cNvPr>
@@ -5668,8 +5678,38 @@
         </p:blipFill>
         <p:spPr>
           <a:xfrm>
-            <a:off x="2239013" y="1340841"/>
+            <a:off x="1273338" y="1411475"/>
             <a:ext cx="3939242" cy="4375510"/>
+          </a:xfrm>
+          <a:prstGeom prst="rect">
+            <a:avLst/>
+          </a:prstGeom>
+        </p:spPr>
+      </p:pic>
+      <p:pic>
+        <p:nvPicPr>
+          <p:cNvPr id="5" name="Рисунок 4">
+            <a:extLst>
+              <a:ext uri="{FF2B5EF4-FFF2-40B4-BE49-F238E27FC236}">
+                <a16:creationId xmlns:a16="http://schemas.microsoft.com/office/drawing/2014/main" id="{74A4A826-E438-1844-F5CD-37A7AA104D71}"/>
+              </a:ext>
+            </a:extLst>
+          </p:cNvPr>
+          <p:cNvPicPr>
+            <a:picLocks noChangeAspect="1"/>
+          </p:cNvPicPr>
+          <p:nvPr/>
+        </p:nvPicPr>
+        <p:blipFill>
+          <a:blip r:embed="rId3"/>
+          <a:stretch>
+            <a:fillRect/>
+          </a:stretch>
+        </p:blipFill>
+        <p:spPr>
+          <a:xfrm>
+            <a:off x="5512080" y="1946642"/>
+            <a:ext cx="1447800" cy="3305175"/>
           </a:xfrm>
           <a:prstGeom prst="rect">
             <a:avLst/>
@@ -5719,10 +5759,10 @@
           <p:cNvPr id="8" name="Rectangle 7">
             <a:extLst>
               <a:ext uri="{FF2B5EF4-FFF2-40B4-BE49-F238E27FC236}">
-                <a16:creationId xmlns:a16="http://schemas.microsoft.com/office/drawing/2014/main" xmlns="" id="{32812C54-7AEF-4ABB-826E-221F51CB0F30}"/>
+                <a16:creationId xmlns:a16="http://schemas.microsoft.com/office/drawing/2014/main" id="{32812C54-7AEF-4ABB-826E-221F51CB0F30}"/>
               </a:ext>
               <a:ext uri="{C183D7F6-B498-43B3-948B-1728B52AA6E4}">
-                <adec:decorative xmlns:adec="http://schemas.microsoft.com/office/drawing/2017/decorative" xmlns="" val="1"/>
+                <adec:decorative xmlns:adec="http://schemas.microsoft.com/office/drawing/2017/decorative" val="1"/>
               </a:ext>
             </a:extLst>
           </p:cNvPr>
@@ -5732,7 +5772,7 @@
           <p:nvPr>
             <p:extLst>
               <p:ext uri="{386F3935-93C4-4BCD-93E2-E3B085C9AB24}">
-                <p16:designElem xmlns:p16="http://schemas.microsoft.com/office/powerpoint/2015/main" xmlns="" val="1"/>
+                <p16:designElem xmlns:p16="http://schemas.microsoft.com/office/powerpoint/2015/main" val="1"/>
               </p:ext>
             </p:extLst>
           </p:nvPr>
@@ -5779,10 +5819,10 @@
           <p:cNvPr id="10" name="Rectangle 9">
             <a:extLst>
               <a:ext uri="{FF2B5EF4-FFF2-40B4-BE49-F238E27FC236}">
-                <a16:creationId xmlns:a16="http://schemas.microsoft.com/office/drawing/2014/main" xmlns="" id="{891F40E4-8A76-44CF-91EC-907367352626}"/>
+                <a16:creationId xmlns:a16="http://schemas.microsoft.com/office/drawing/2014/main" id="{891F40E4-8A76-44CF-91EC-907367352626}"/>
               </a:ext>
               <a:ext uri="{C183D7F6-B498-43B3-948B-1728B52AA6E4}">
-                <adec:decorative xmlns:adec="http://schemas.microsoft.com/office/drawing/2017/decorative" xmlns="" val="1"/>
+                <adec:decorative xmlns:adec="http://schemas.microsoft.com/office/drawing/2017/decorative" val="1"/>
               </a:ext>
             </a:extLst>
           </p:cNvPr>
@@ -5792,7 +5832,7 @@
           <p:nvPr>
             <p:extLst>
               <p:ext uri="{386F3935-93C4-4BCD-93E2-E3B085C9AB24}">
-                <p16:designElem xmlns:p16="http://schemas.microsoft.com/office/powerpoint/2015/main" xmlns="" val="1"/>
+                <p16:designElem xmlns:p16="http://schemas.microsoft.com/office/powerpoint/2015/main" val="1"/>
               </p:ext>
             </p:extLst>
           </p:nvPr>
@@ -5828,13 +5868,20 @@
             <a:schemeClr val="lt1"/>
           </a:fontRef>
         </p:style>
+        <p:txBody>
+          <a:bodyPr/>
+          <a:lstStyle/>
+          <a:p>
+            <a:endParaRPr lang="ru-RU"/>
+          </a:p>
+        </p:txBody>
       </p:sp>
       <p:sp>
         <p:nvSpPr>
           <p:cNvPr id="2" name="Заголовок 1">
             <a:extLst>
               <a:ext uri="{FF2B5EF4-FFF2-40B4-BE49-F238E27FC236}">
-                <a16:creationId xmlns:a16="http://schemas.microsoft.com/office/drawing/2014/main" xmlns="" id="{3CD5CC6D-6FDD-2E4C-9381-6D50330A3509}"/>
+                <a16:creationId xmlns:a16="http://schemas.microsoft.com/office/drawing/2014/main" id="{3CD5CC6D-6FDD-2E4C-9381-6D50330A3509}"/>
               </a:ext>
             </a:extLst>
           </p:cNvPr>
@@ -5869,10 +5916,10 @@
           <p:cNvPr id="12" name="Rectangle 11">
             <a:extLst>
               <a:ext uri="{FF2B5EF4-FFF2-40B4-BE49-F238E27FC236}">
-                <a16:creationId xmlns:a16="http://schemas.microsoft.com/office/drawing/2014/main" xmlns="" id="{72171013-D973-4187-9CF2-EE098EEF8194}"/>
+                <a16:creationId xmlns:a16="http://schemas.microsoft.com/office/drawing/2014/main" id="{72171013-D973-4187-9CF2-EE098EEF8194}"/>
               </a:ext>
               <a:ext uri="{C183D7F6-B498-43B3-948B-1728B52AA6E4}">
-                <adec:decorative xmlns:adec="http://schemas.microsoft.com/office/drawing/2017/decorative" xmlns="" val="1"/>
+                <adec:decorative xmlns:adec="http://schemas.microsoft.com/office/drawing/2017/decorative" val="1"/>
               </a:ext>
             </a:extLst>
           </p:cNvPr>
@@ -5882,7 +5929,7 @@
           <p:nvPr>
             <p:extLst>
               <p:ext uri="{386F3935-93C4-4BCD-93E2-E3B085C9AB24}">
-                <p16:designElem xmlns:p16="http://schemas.microsoft.com/office/powerpoint/2015/main" xmlns="" val="1"/>
+                <p16:designElem xmlns:p16="http://schemas.microsoft.com/office/powerpoint/2015/main" val="1"/>
               </p:ext>
             </p:extLst>
           </p:nvPr>
@@ -5918,13 +5965,20 @@
             <a:schemeClr val="lt1"/>
           </a:fontRef>
         </p:style>
+        <p:txBody>
+          <a:bodyPr/>
+          <a:lstStyle/>
+          <a:p>
+            <a:endParaRPr lang="ru-RU"/>
+          </a:p>
+        </p:txBody>
       </p:sp>
       <p:sp>
         <p:nvSpPr>
           <p:cNvPr id="3" name="Объект 2">
             <a:extLst>
               <a:ext uri="{FF2B5EF4-FFF2-40B4-BE49-F238E27FC236}">
-                <a16:creationId xmlns:a16="http://schemas.microsoft.com/office/drawing/2014/main" xmlns="" id="{BB6672DB-2BE8-2668-8F39-E3927438C373}"/>
+                <a16:creationId xmlns:a16="http://schemas.microsoft.com/office/drawing/2014/main" id="{BB6672DB-2BE8-2668-8F39-E3927438C373}"/>
               </a:ext>
             </a:extLst>
           </p:cNvPr>
@@ -6017,7 +6071,7 @@
           <p:cNvPr id="4" name="Рисунок 3" descr="Изображение выглядит как пиксель&#10;&#10;Автоматически созданное описание">
             <a:extLst>
               <a:ext uri="{FF2B5EF4-FFF2-40B4-BE49-F238E27FC236}">
-                <a16:creationId xmlns:a16="http://schemas.microsoft.com/office/drawing/2014/main" xmlns="" id="{D8602A18-3296-DBDA-6ED2-E6AA8C5E4C33}"/>
+                <a16:creationId xmlns:a16="http://schemas.microsoft.com/office/drawing/2014/main" id="{D8602A18-3296-DBDA-6ED2-E6AA8C5E4C33}"/>
               </a:ext>
             </a:extLst>
           </p:cNvPr>
@@ -6085,10 +6139,10 @@
           <p:cNvPr id="8" name="Rectangle 7">
             <a:extLst>
               <a:ext uri="{FF2B5EF4-FFF2-40B4-BE49-F238E27FC236}">
-                <a16:creationId xmlns:a16="http://schemas.microsoft.com/office/drawing/2014/main" xmlns="" id="{32812C54-7AEF-4ABB-826E-221F51CB0F30}"/>
+                <a16:creationId xmlns:a16="http://schemas.microsoft.com/office/drawing/2014/main" id="{32812C54-7AEF-4ABB-826E-221F51CB0F30}"/>
               </a:ext>
               <a:ext uri="{C183D7F6-B498-43B3-948B-1728B52AA6E4}">
-                <adec:decorative xmlns:adec="http://schemas.microsoft.com/office/drawing/2017/decorative" xmlns="" val="1"/>
+                <adec:decorative xmlns:adec="http://schemas.microsoft.com/office/drawing/2017/decorative" val="1"/>
               </a:ext>
             </a:extLst>
           </p:cNvPr>
@@ -6098,7 +6152,7 @@
           <p:nvPr>
             <p:extLst>
               <p:ext uri="{386F3935-93C4-4BCD-93E2-E3B085C9AB24}">
-                <p16:designElem xmlns:p16="http://schemas.microsoft.com/office/powerpoint/2015/main" xmlns="" val="1"/>
+                <p16:designElem xmlns:p16="http://schemas.microsoft.com/office/powerpoint/2015/main" val="1"/>
               </p:ext>
             </p:extLst>
           </p:nvPr>
@@ -6145,10 +6199,10 @@
           <p:cNvPr id="10" name="Rectangle 9">
             <a:extLst>
               <a:ext uri="{FF2B5EF4-FFF2-40B4-BE49-F238E27FC236}">
-                <a16:creationId xmlns:a16="http://schemas.microsoft.com/office/drawing/2014/main" xmlns="" id="{891F40E4-8A76-44CF-91EC-907367352626}"/>
+                <a16:creationId xmlns:a16="http://schemas.microsoft.com/office/drawing/2014/main" id="{891F40E4-8A76-44CF-91EC-907367352626}"/>
               </a:ext>
               <a:ext uri="{C183D7F6-B498-43B3-948B-1728B52AA6E4}">
-                <adec:decorative xmlns:adec="http://schemas.microsoft.com/office/drawing/2017/decorative" xmlns="" val="1"/>
+                <adec:decorative xmlns:adec="http://schemas.microsoft.com/office/drawing/2017/decorative" val="1"/>
               </a:ext>
             </a:extLst>
           </p:cNvPr>
@@ -6158,7 +6212,7 @@
           <p:nvPr>
             <p:extLst>
               <p:ext uri="{386F3935-93C4-4BCD-93E2-E3B085C9AB24}">
-                <p16:designElem xmlns:p16="http://schemas.microsoft.com/office/powerpoint/2015/main" xmlns="" val="1"/>
+                <p16:designElem xmlns:p16="http://schemas.microsoft.com/office/powerpoint/2015/main" val="1"/>
               </p:ext>
             </p:extLst>
           </p:nvPr>
@@ -6194,13 +6248,20 @@
             <a:schemeClr val="lt1"/>
           </a:fontRef>
         </p:style>
+        <p:txBody>
+          <a:bodyPr/>
+          <a:lstStyle/>
+          <a:p>
+            <a:endParaRPr lang="ru-RU"/>
+          </a:p>
+        </p:txBody>
       </p:sp>
       <p:sp>
         <p:nvSpPr>
           <p:cNvPr id="2" name="Заголовок 1">
             <a:extLst>
               <a:ext uri="{FF2B5EF4-FFF2-40B4-BE49-F238E27FC236}">
-                <a16:creationId xmlns:a16="http://schemas.microsoft.com/office/drawing/2014/main" xmlns="" id="{3CD5CC6D-6FDD-2E4C-9381-6D50330A3509}"/>
+                <a16:creationId xmlns:a16="http://schemas.microsoft.com/office/drawing/2014/main" id="{3CD5CC6D-6FDD-2E4C-9381-6D50330A3509}"/>
               </a:ext>
             </a:extLst>
           </p:cNvPr>
@@ -6239,10 +6300,10 @@
           <p:cNvPr id="12" name="Rectangle 11">
             <a:extLst>
               <a:ext uri="{FF2B5EF4-FFF2-40B4-BE49-F238E27FC236}">
-                <a16:creationId xmlns:a16="http://schemas.microsoft.com/office/drawing/2014/main" xmlns="" id="{72171013-D973-4187-9CF2-EE098EEF8194}"/>
+                <a16:creationId xmlns:a16="http://schemas.microsoft.com/office/drawing/2014/main" id="{72171013-D973-4187-9CF2-EE098EEF8194}"/>
               </a:ext>
               <a:ext uri="{C183D7F6-B498-43B3-948B-1728B52AA6E4}">
-                <adec:decorative xmlns:adec="http://schemas.microsoft.com/office/drawing/2017/decorative" xmlns="" val="1"/>
+                <adec:decorative xmlns:adec="http://schemas.microsoft.com/office/drawing/2017/decorative" val="1"/>
               </a:ext>
             </a:extLst>
           </p:cNvPr>
@@ -6252,7 +6313,7 @@
           <p:nvPr>
             <p:extLst>
               <p:ext uri="{386F3935-93C4-4BCD-93E2-E3B085C9AB24}">
-                <p16:designElem xmlns:p16="http://schemas.microsoft.com/office/powerpoint/2015/main" xmlns="" val="1"/>
+                <p16:designElem xmlns:p16="http://schemas.microsoft.com/office/powerpoint/2015/main" val="1"/>
               </p:ext>
             </p:extLst>
           </p:nvPr>
@@ -6288,13 +6349,20 @@
             <a:schemeClr val="lt1"/>
           </a:fontRef>
         </p:style>
+        <p:txBody>
+          <a:bodyPr/>
+          <a:lstStyle/>
+          <a:p>
+            <a:endParaRPr lang="ru-RU"/>
+          </a:p>
+        </p:txBody>
       </p:sp>
       <p:sp>
         <p:nvSpPr>
           <p:cNvPr id="3" name="Объект 2">
             <a:extLst>
               <a:ext uri="{FF2B5EF4-FFF2-40B4-BE49-F238E27FC236}">
-                <a16:creationId xmlns:a16="http://schemas.microsoft.com/office/drawing/2014/main" xmlns="" id="{BB6672DB-2BE8-2668-8F39-E3927438C373}"/>
+                <a16:creationId xmlns:a16="http://schemas.microsoft.com/office/drawing/2014/main" id="{BB6672DB-2BE8-2668-8F39-E3927438C373}"/>
               </a:ext>
             </a:extLst>
           </p:cNvPr>
@@ -6404,7 +6472,7 @@
           <p:cNvPr id="5" name="Рисунок 4" descr="Изображение выглядит как пиксель&#10;&#10;Автоматически созданное описание">
             <a:extLst>
               <a:ext uri="{FF2B5EF4-FFF2-40B4-BE49-F238E27FC236}">
-                <a16:creationId xmlns:a16="http://schemas.microsoft.com/office/drawing/2014/main" xmlns="" id="{B63402B7-D069-559A-9827-E1BF1D554703}"/>
+                <a16:creationId xmlns:a16="http://schemas.microsoft.com/office/drawing/2014/main" id="{B63402B7-D069-559A-9827-E1BF1D554703}"/>
               </a:ext>
             </a:extLst>
           </p:cNvPr>
@@ -6472,10 +6540,10 @@
           <p:cNvPr id="15" name="Group 14">
             <a:extLst>
               <a:ext uri="{FF2B5EF4-FFF2-40B4-BE49-F238E27FC236}">
-                <a16:creationId xmlns:a16="http://schemas.microsoft.com/office/drawing/2014/main" xmlns="" id="{449BC34D-9C23-4D6D-8213-1F471AF85B3F}"/>
+                <a16:creationId xmlns:a16="http://schemas.microsoft.com/office/drawing/2014/main" id="{449BC34D-9C23-4D6D-8213-1F471AF85B3F}"/>
               </a:ext>
               <a:ext uri="{C183D7F6-B498-43B3-948B-1728B52AA6E4}">
-                <adec:decorative xmlns:adec="http://schemas.microsoft.com/office/drawing/2017/decorative" xmlns="" val="1"/>
+                <adec:decorative xmlns:adec="http://schemas.microsoft.com/office/drawing/2017/decorative" val="1"/>
               </a:ext>
             </a:extLst>
           </p:cNvPr>
@@ -6485,7 +6553,7 @@
           <p:nvPr>
             <p:extLst>
               <p:ext uri="{386F3935-93C4-4BCD-93E2-E3B085C9AB24}">
-                <p16:designElem xmlns:p16="http://schemas.microsoft.com/office/powerpoint/2015/main" xmlns="" val="1"/>
+                <p16:designElem xmlns:p16="http://schemas.microsoft.com/office/powerpoint/2015/main" val="1"/>
               </p:ext>
             </p:extLst>
           </p:nvPr>
@@ -6503,10 +6571,10 @@
             <p:cNvPr id="16" name="Freeform 6">
               <a:extLst>
                 <a:ext uri="{FF2B5EF4-FFF2-40B4-BE49-F238E27FC236}">
-                  <a16:creationId xmlns:a16="http://schemas.microsoft.com/office/drawing/2014/main" xmlns="" id="{FA0F5D6C-5025-4D7E-82DD-C2C6FDA1E759}"/>
+                  <a16:creationId xmlns:a16="http://schemas.microsoft.com/office/drawing/2014/main" id="{FA0F5D6C-5025-4D7E-82DD-C2C6FDA1E759}"/>
                 </a:ext>
                 <a:ext uri="{C183D7F6-B498-43B3-948B-1728B52AA6E4}">
-                  <adec:decorative xmlns:adec="http://schemas.microsoft.com/office/drawing/2017/decorative" xmlns="" val="1"/>
+                  <adec:decorative xmlns:adec="http://schemas.microsoft.com/office/drawing/2017/decorative" val="1"/>
                 </a:ext>
               </a:extLst>
             </p:cNvPr>
@@ -6514,7 +6582,7 @@
             <p:nvPr>
               <p:extLst>
                 <p:ext uri="{386F3935-93C4-4BCD-93E2-E3B085C9AB24}">
-                  <p16:designElem xmlns:p16="http://schemas.microsoft.com/office/powerpoint/2015/main" xmlns="" val="1"/>
+                  <p16:designElem xmlns:p16="http://schemas.microsoft.com/office/powerpoint/2015/main" val="1"/>
                 </p:ext>
               </p:extLst>
             </p:nvPr>
@@ -6568,16 +6636,23 @@
               <a:tailEnd/>
             </a:ln>
           </p:spPr>
+          <p:txBody>
+            <a:bodyPr/>
+            <a:lstStyle/>
+            <a:p>
+              <a:endParaRPr lang="ru-RU"/>
+            </a:p>
+          </p:txBody>
         </p:sp>
         <p:sp>
           <p:nvSpPr>
             <p:cNvPr id="17" name="Freeform 6">
               <a:extLst>
                 <a:ext uri="{FF2B5EF4-FFF2-40B4-BE49-F238E27FC236}">
-                  <a16:creationId xmlns:a16="http://schemas.microsoft.com/office/drawing/2014/main" xmlns="" id="{E2AF2C17-4AB4-4402-B84B-129EF95D161C}"/>
+                  <a16:creationId xmlns:a16="http://schemas.microsoft.com/office/drawing/2014/main" id="{E2AF2C17-4AB4-4402-B84B-129EF95D161C}"/>
                 </a:ext>
                 <a:ext uri="{C183D7F6-B498-43B3-948B-1728B52AA6E4}">
-                  <adec:decorative xmlns:adec="http://schemas.microsoft.com/office/drawing/2017/decorative" xmlns="" val="1"/>
+                  <adec:decorative xmlns:adec="http://schemas.microsoft.com/office/drawing/2017/decorative" val="1"/>
                 </a:ext>
               </a:extLst>
             </p:cNvPr>
@@ -6585,7 +6660,7 @@
             <p:nvPr>
               <p:extLst>
                 <p:ext uri="{386F3935-93C4-4BCD-93E2-E3B085C9AB24}">
-                  <p16:designElem xmlns:p16="http://schemas.microsoft.com/office/powerpoint/2015/main" xmlns="" val="1"/>
+                  <p16:designElem xmlns:p16="http://schemas.microsoft.com/office/powerpoint/2015/main" val="1"/>
                 </p:ext>
               </p:extLst>
             </p:nvPr>
@@ -6641,6 +6716,13 @@
               <a:tailEnd/>
             </a:ln>
           </p:spPr>
+          <p:txBody>
+            <a:bodyPr/>
+            <a:lstStyle/>
+            <a:p>
+              <a:endParaRPr lang="ru-RU"/>
+            </a:p>
+          </p:txBody>
         </p:sp>
       </p:grpSp>
       <p:sp useBgFill="1">
@@ -6648,10 +6730,10 @@
           <p:cNvPr id="19" name="Rectangle 18">
             <a:extLst>
               <a:ext uri="{FF2B5EF4-FFF2-40B4-BE49-F238E27FC236}">
-                <a16:creationId xmlns:a16="http://schemas.microsoft.com/office/drawing/2014/main" xmlns="" id="{CB73C468-D875-4A8E-A540-E43BF8232DD4}"/>
+                <a16:creationId xmlns:a16="http://schemas.microsoft.com/office/drawing/2014/main" id="{CB73C468-D875-4A8E-A540-E43BF8232DD4}"/>
               </a:ext>
               <a:ext uri="{C183D7F6-B498-43B3-948B-1728B52AA6E4}">
-                <adec:decorative xmlns:adec="http://schemas.microsoft.com/office/drawing/2017/decorative" xmlns="" val="1"/>
+                <adec:decorative xmlns:adec="http://schemas.microsoft.com/office/drawing/2017/decorative" val="1"/>
               </a:ext>
             </a:extLst>
           </p:cNvPr>
@@ -6661,7 +6743,7 @@
           <p:nvPr>
             <p:extLst>
               <p:ext uri="{386F3935-93C4-4BCD-93E2-E3B085C9AB24}">
-                <p16:designElem xmlns:p16="http://schemas.microsoft.com/office/powerpoint/2015/main" xmlns="" val="1"/>
+                <p16:designElem xmlns:p16="http://schemas.microsoft.com/office/powerpoint/2015/main" val="1"/>
               </p:ext>
             </p:extLst>
           </p:nvPr>
@@ -6708,7 +6790,7 @@
           <p:cNvPr id="2" name="Заголовок 1">
             <a:extLst>
               <a:ext uri="{FF2B5EF4-FFF2-40B4-BE49-F238E27FC236}">
-                <a16:creationId xmlns:a16="http://schemas.microsoft.com/office/drawing/2014/main" xmlns="" id="{146F9FDE-2216-66DB-B727-A7778D4ED514}"/>
+                <a16:creationId xmlns:a16="http://schemas.microsoft.com/office/drawing/2014/main" id="{146F9FDE-2216-66DB-B727-A7778D4ED514}"/>
               </a:ext>
             </a:extLst>
           </p:cNvPr>
@@ -6744,10 +6826,10 @@
           <p:cNvPr id="21" name="Freeform 6">
             <a:extLst>
               <a:ext uri="{FF2B5EF4-FFF2-40B4-BE49-F238E27FC236}">
-                <a16:creationId xmlns:a16="http://schemas.microsoft.com/office/drawing/2014/main" xmlns="" id="{B4734F2F-19FC-4D35-9BDE-5CEAD57D9B55}"/>
+                <a16:creationId xmlns:a16="http://schemas.microsoft.com/office/drawing/2014/main" id="{B4734F2F-19FC-4D35-9BDE-5CEAD57D9B55}"/>
               </a:ext>
               <a:ext uri="{C183D7F6-B498-43B3-948B-1728B52AA6E4}">
-                <adec:decorative xmlns:adec="http://schemas.microsoft.com/office/drawing/2017/decorative" xmlns="" val="1"/>
+                <adec:decorative xmlns:adec="http://schemas.microsoft.com/office/drawing/2017/decorative" val="1"/>
               </a:ext>
             </a:extLst>
           </p:cNvPr>
@@ -6757,7 +6839,7 @@
           <p:nvPr>
             <p:extLst>
               <p:ext uri="{386F3935-93C4-4BCD-93E2-E3B085C9AB24}">
-                <p16:designElem xmlns:p16="http://schemas.microsoft.com/office/powerpoint/2015/main" xmlns="" val="1"/>
+                <p16:designElem xmlns:p16="http://schemas.microsoft.com/office/powerpoint/2015/main" val="1"/>
               </p:ext>
             </p:extLst>
           </p:nvPr>
@@ -6811,16 +6893,23 @@
             <a:tailEnd/>
           </a:ln>
         </p:spPr>
+        <p:txBody>
+          <a:bodyPr/>
+          <a:lstStyle/>
+          <a:p>
+            <a:endParaRPr lang="ru-RU"/>
+          </a:p>
+        </p:txBody>
       </p:sp>
       <p:sp>
         <p:nvSpPr>
           <p:cNvPr id="23" name="Freeform 6">
             <a:extLst>
               <a:ext uri="{FF2B5EF4-FFF2-40B4-BE49-F238E27FC236}">
-                <a16:creationId xmlns:a16="http://schemas.microsoft.com/office/drawing/2014/main" xmlns="" id="{D97A8A26-FD96-4968-A34A-727382AC7E46}"/>
+                <a16:creationId xmlns:a16="http://schemas.microsoft.com/office/drawing/2014/main" id="{D97A8A26-FD96-4968-A34A-727382AC7E46}"/>
               </a:ext>
               <a:ext uri="{C183D7F6-B498-43B3-948B-1728B52AA6E4}">
-                <adec:decorative xmlns:adec="http://schemas.microsoft.com/office/drawing/2017/decorative" xmlns="" val="1"/>
+                <adec:decorative xmlns:adec="http://schemas.microsoft.com/office/drawing/2017/decorative" val="1"/>
               </a:ext>
             </a:extLst>
           </p:cNvPr>
@@ -6830,7 +6919,7 @@
           <p:nvPr>
             <p:extLst>
               <p:ext uri="{386F3935-93C4-4BCD-93E2-E3B085C9AB24}">
-                <p16:designElem xmlns:p16="http://schemas.microsoft.com/office/powerpoint/2015/main" xmlns="" val="1"/>
+                <p16:designElem xmlns:p16="http://schemas.microsoft.com/office/powerpoint/2015/main" val="1"/>
               </p:ext>
             </p:extLst>
           </p:nvPr>
@@ -6886,13 +6975,20 @@
             <a:tailEnd/>
           </a:ln>
         </p:spPr>
+        <p:txBody>
+          <a:bodyPr/>
+          <a:lstStyle/>
+          <a:p>
+            <a:endParaRPr lang="ru-RU"/>
+          </a:p>
+        </p:txBody>
       </p:sp>
       <p:pic>
         <p:nvPicPr>
           <p:cNvPr id="4" name="Объект 3" descr="Изображение выглядит как диаграмма, пиксель, дизайн&#10;&#10;Автоматически созданное описание">
             <a:extLst>
               <a:ext uri="{FF2B5EF4-FFF2-40B4-BE49-F238E27FC236}">
-                <a16:creationId xmlns:a16="http://schemas.microsoft.com/office/drawing/2014/main" xmlns="" id="{504D0B71-F63D-0292-591B-823349E72527}"/>
+                <a16:creationId xmlns:a16="http://schemas.microsoft.com/office/drawing/2014/main" id="{504D0B71-F63D-0292-591B-823349E72527}"/>
               </a:ext>
             </a:extLst>
           </p:cNvPr>
@@ -6962,10 +7058,10 @@
           <p:cNvPr id="8" name="Group 7">
             <a:extLst>
               <a:ext uri="{FF2B5EF4-FFF2-40B4-BE49-F238E27FC236}">
-                <a16:creationId xmlns:a16="http://schemas.microsoft.com/office/drawing/2014/main" xmlns="" id="{8C89EA62-F38E-4285-A105-C5E1BD360093}"/>
+                <a16:creationId xmlns:a16="http://schemas.microsoft.com/office/drawing/2014/main" id="{8C89EA62-F38E-4285-A105-C5E1BD360093}"/>
               </a:ext>
               <a:ext uri="{C183D7F6-B498-43B3-948B-1728B52AA6E4}">
-                <adec:decorative xmlns:adec="http://schemas.microsoft.com/office/drawing/2017/decorative" xmlns="" val="1"/>
+                <adec:decorative xmlns:adec="http://schemas.microsoft.com/office/drawing/2017/decorative" val="1"/>
               </a:ext>
             </a:extLst>
           </p:cNvPr>
@@ -6975,7 +7071,7 @@
           <p:nvPr>
             <p:extLst>
               <p:ext uri="{386F3935-93C4-4BCD-93E2-E3B085C9AB24}">
-                <p16:designElem xmlns:p16="http://schemas.microsoft.com/office/powerpoint/2015/main" xmlns="" val="1"/>
+                <p16:designElem xmlns:p16="http://schemas.microsoft.com/office/powerpoint/2015/main" val="1"/>
               </p:ext>
             </p:extLst>
           </p:nvPr>
@@ -6993,10 +7089,10 @@
             <p:cNvPr id="9" name="Freeform 6">
               <a:extLst>
                 <a:ext uri="{FF2B5EF4-FFF2-40B4-BE49-F238E27FC236}">
-                  <a16:creationId xmlns:a16="http://schemas.microsoft.com/office/drawing/2014/main" xmlns="" id="{2CF6E46A-CCCD-4728-B011-E147B23629A3}"/>
+                  <a16:creationId xmlns:a16="http://schemas.microsoft.com/office/drawing/2014/main" id="{2CF6E46A-CCCD-4728-B011-E147B23629A3}"/>
                 </a:ext>
                 <a:ext uri="{C183D7F6-B498-43B3-948B-1728B52AA6E4}">
-                  <adec:decorative xmlns:adec="http://schemas.microsoft.com/office/drawing/2017/decorative" xmlns="" val="1"/>
+                  <adec:decorative xmlns:adec="http://schemas.microsoft.com/office/drawing/2017/decorative" val="1"/>
                 </a:ext>
               </a:extLst>
             </p:cNvPr>
@@ -7004,7 +7100,7 @@
             <p:nvPr>
               <p:extLst>
                 <p:ext uri="{386F3935-93C4-4BCD-93E2-E3B085C9AB24}">
-                  <p16:designElem xmlns:p16="http://schemas.microsoft.com/office/powerpoint/2015/main" xmlns="" val="1"/>
+                  <p16:designElem xmlns:p16="http://schemas.microsoft.com/office/powerpoint/2015/main" val="1"/>
                 </p:ext>
               </p:extLst>
             </p:nvPr>
@@ -7058,16 +7154,23 @@
               <a:tailEnd/>
             </a:ln>
           </p:spPr>
+          <p:txBody>
+            <a:bodyPr/>
+            <a:lstStyle/>
+            <a:p>
+              <a:endParaRPr lang="ru-RU"/>
+            </a:p>
+          </p:txBody>
         </p:sp>
         <p:sp>
           <p:nvSpPr>
             <p:cNvPr id="10" name="Freeform 6">
               <a:extLst>
                 <a:ext uri="{FF2B5EF4-FFF2-40B4-BE49-F238E27FC236}">
-                  <a16:creationId xmlns:a16="http://schemas.microsoft.com/office/drawing/2014/main" xmlns="" id="{2E2C684B-30C9-4689-A529-EBF1B8ADB215}"/>
+                  <a16:creationId xmlns:a16="http://schemas.microsoft.com/office/drawing/2014/main" id="{2E2C684B-30C9-4689-A529-EBF1B8ADB215}"/>
                 </a:ext>
                 <a:ext uri="{C183D7F6-B498-43B3-948B-1728B52AA6E4}">
-                  <adec:decorative xmlns:adec="http://schemas.microsoft.com/office/drawing/2017/decorative" xmlns="" val="1"/>
+                  <adec:decorative xmlns:adec="http://schemas.microsoft.com/office/drawing/2017/decorative" val="1"/>
                 </a:ext>
               </a:extLst>
             </p:cNvPr>
@@ -7075,7 +7178,7 @@
             <p:nvPr>
               <p:extLst>
                 <p:ext uri="{386F3935-93C4-4BCD-93E2-E3B085C9AB24}">
-                  <p16:designElem xmlns:p16="http://schemas.microsoft.com/office/powerpoint/2015/main" xmlns="" val="1"/>
+                  <p16:designElem xmlns:p16="http://schemas.microsoft.com/office/powerpoint/2015/main" val="1"/>
                 </p:ext>
               </p:extLst>
             </p:nvPr>
@@ -7131,6 +7234,13 @@
               <a:tailEnd/>
             </a:ln>
           </p:spPr>
+          <p:txBody>
+            <a:bodyPr/>
+            <a:lstStyle/>
+            <a:p>
+              <a:endParaRPr lang="ru-RU"/>
+            </a:p>
+          </p:txBody>
         </p:sp>
       </p:grpSp>
       <p:sp useBgFill="1">
@@ -7138,10 +7248,10 @@
           <p:cNvPr id="12" name="Rectangle 11">
             <a:extLst>
               <a:ext uri="{FF2B5EF4-FFF2-40B4-BE49-F238E27FC236}">
-                <a16:creationId xmlns:a16="http://schemas.microsoft.com/office/drawing/2014/main" xmlns="" id="{D8E74CFB-EAAD-43E9-BDAC-AAE4F8E86B83}"/>
+                <a16:creationId xmlns:a16="http://schemas.microsoft.com/office/drawing/2014/main" id="{D8E74CFB-EAAD-43E9-BDAC-AAE4F8E86B83}"/>
               </a:ext>
               <a:ext uri="{C183D7F6-B498-43B3-948B-1728B52AA6E4}">
-                <adec:decorative xmlns:adec="http://schemas.microsoft.com/office/drawing/2017/decorative" xmlns="" val="1"/>
+                <adec:decorative xmlns:adec="http://schemas.microsoft.com/office/drawing/2017/decorative" val="1"/>
               </a:ext>
             </a:extLst>
           </p:cNvPr>
@@ -7151,7 +7261,7 @@
           <p:nvPr>
             <p:extLst>
               <p:ext uri="{386F3935-93C4-4BCD-93E2-E3B085C9AB24}">
-                <p16:designElem xmlns:p16="http://schemas.microsoft.com/office/powerpoint/2015/main" xmlns="" val="1"/>
+                <p16:designElem xmlns:p16="http://schemas.microsoft.com/office/powerpoint/2015/main" val="1"/>
               </p:ext>
             </p:extLst>
           </p:nvPr>
@@ -7198,10 +7308,10 @@
           <p:cNvPr id="14" name="Rectangle 13">
             <a:extLst>
               <a:ext uri="{FF2B5EF4-FFF2-40B4-BE49-F238E27FC236}">
-                <a16:creationId xmlns:a16="http://schemas.microsoft.com/office/drawing/2014/main" xmlns="" id="{D6E31D67-858D-409A-863E-EE8DEB9CC1E5}"/>
+                <a16:creationId xmlns:a16="http://schemas.microsoft.com/office/drawing/2014/main" id="{D6E31D67-858D-409A-863E-EE8DEB9CC1E5}"/>
               </a:ext>
               <a:ext uri="{C183D7F6-B498-43B3-948B-1728B52AA6E4}">
-                <adec:decorative xmlns:adec="http://schemas.microsoft.com/office/drawing/2017/decorative" xmlns="" val="1"/>
+                <adec:decorative xmlns:adec="http://schemas.microsoft.com/office/drawing/2017/decorative" val="1"/>
               </a:ext>
             </a:extLst>
           </p:cNvPr>
@@ -7211,7 +7321,7 @@
           <p:nvPr>
             <p:extLst>
               <p:ext uri="{386F3935-93C4-4BCD-93E2-E3B085C9AB24}">
-                <p16:designElem xmlns:p16="http://schemas.microsoft.com/office/powerpoint/2015/main" xmlns="" val="1"/>
+                <p16:designElem xmlns:p16="http://schemas.microsoft.com/office/powerpoint/2015/main" val="1"/>
               </p:ext>
             </p:extLst>
           </p:nvPr>
@@ -7247,16 +7357,23 @@
             <a:schemeClr val="lt1"/>
           </a:fontRef>
         </p:style>
+        <p:txBody>
+          <a:bodyPr/>
+          <a:lstStyle/>
+          <a:p>
+            <a:endParaRPr lang="ru-RU"/>
+          </a:p>
+        </p:txBody>
       </p:sp>
       <p:sp>
         <p:nvSpPr>
           <p:cNvPr id="16" name="Freeform 6">
             <a:extLst>
               <a:ext uri="{FF2B5EF4-FFF2-40B4-BE49-F238E27FC236}">
-                <a16:creationId xmlns:a16="http://schemas.microsoft.com/office/drawing/2014/main" xmlns="" id="{0C11AD76-2664-4F1B-8A6E-71601C059E24}"/>
+                <a16:creationId xmlns:a16="http://schemas.microsoft.com/office/drawing/2014/main" id="{0C11AD76-2664-4F1B-8A6E-71601C059E24}"/>
               </a:ext>
               <a:ext uri="{C183D7F6-B498-43B3-948B-1728B52AA6E4}">
-                <adec:decorative xmlns:adec="http://schemas.microsoft.com/office/drawing/2017/decorative" xmlns="" val="1"/>
+                <adec:decorative xmlns:adec="http://schemas.microsoft.com/office/drawing/2017/decorative" val="1"/>
               </a:ext>
             </a:extLst>
           </p:cNvPr>
@@ -7266,7 +7383,7 @@
           <p:nvPr>
             <p:extLst>
               <p:ext uri="{386F3935-93C4-4BCD-93E2-E3B085C9AB24}">
-                <p16:designElem xmlns:p16="http://schemas.microsoft.com/office/powerpoint/2015/main" xmlns="" val="1"/>
+                <p16:designElem xmlns:p16="http://schemas.microsoft.com/office/powerpoint/2015/main" val="1"/>
               </p:ext>
             </p:extLst>
           </p:nvPr>
@@ -7322,13 +7439,20 @@
             <a:tailEnd/>
           </a:ln>
         </p:spPr>
+        <p:txBody>
+          <a:bodyPr/>
+          <a:lstStyle/>
+          <a:p>
+            <a:endParaRPr lang="ru-RU"/>
+          </a:p>
+        </p:txBody>
       </p:sp>
       <p:sp>
         <p:nvSpPr>
           <p:cNvPr id="2" name="Заголовок 1">
             <a:extLst>
               <a:ext uri="{FF2B5EF4-FFF2-40B4-BE49-F238E27FC236}">
-                <a16:creationId xmlns:a16="http://schemas.microsoft.com/office/drawing/2014/main" xmlns="" id="{8710C210-D368-F84C-59E0-2B13F2C7B4A7}"/>
+                <a16:creationId xmlns:a16="http://schemas.microsoft.com/office/drawing/2014/main" id="{8710C210-D368-F84C-59E0-2B13F2C7B4A7}"/>
               </a:ext>
             </a:extLst>
           </p:cNvPr>
@@ -7352,7 +7476,7 @@
           <a:lstStyle/>
           <a:p>
             <a:r>
-              <a:rPr lang="ru-RU" sz="6600" cap="all" dirty="0" smtClean="0"/>
+              <a:rPr lang="ru-RU" sz="6600" cap="all" dirty="0"/>
               <a:t>Спасибо за внимание</a:t>
             </a:r>
             <a:endParaRPr lang="en-US" sz="6600" cap="all" dirty="0"/>

--- a/Никитин_курсовая.pptx
+++ b/Никитин_курсовая.pptx
@@ -5,21 +5,22 @@
     <p:sldMasterId id="2147483648" r:id="rId1"/>
   </p:sldMasterIdLst>
   <p:notesMasterIdLst>
-    <p:notesMasterId r:id="rId11"/>
+    <p:notesMasterId r:id="rId12"/>
   </p:notesMasterIdLst>
   <p:handoutMasterIdLst>
-    <p:handoutMasterId r:id="rId12"/>
+    <p:handoutMasterId r:id="rId13"/>
   </p:handoutMasterIdLst>
   <p:sldIdLst>
     <p:sldId id="256" r:id="rId2"/>
     <p:sldId id="268" r:id="rId3"/>
-    <p:sldId id="257" r:id="rId4"/>
-    <p:sldId id="260" r:id="rId5"/>
-    <p:sldId id="261" r:id="rId6"/>
-    <p:sldId id="266" r:id="rId7"/>
-    <p:sldId id="267" r:id="rId8"/>
-    <p:sldId id="258" r:id="rId9"/>
-    <p:sldId id="263" r:id="rId10"/>
+    <p:sldId id="269" r:id="rId4"/>
+    <p:sldId id="257" r:id="rId5"/>
+    <p:sldId id="260" r:id="rId6"/>
+    <p:sldId id="261" r:id="rId7"/>
+    <p:sldId id="266" r:id="rId8"/>
+    <p:sldId id="267" r:id="rId9"/>
+    <p:sldId id="258" r:id="rId10"/>
+    <p:sldId id="263" r:id="rId11"/>
   </p:sldIdLst>
   <p:sldSz cx="12192000" cy="6858000"/>
   <p:notesSz cx="6858000" cy="9144000"/>
@@ -231,7 +232,7 @@
           <a:p>
             <a:fld id="{236E72C7-43AE-4063-8FF7-89B1CFBE603A}" type="datetime1">
               <a:rPr lang="ru-RU" smtClean="0"/>
-              <a:t>26.09.2023</a:t>
+              <a:t>27.09.2023</a:t>
             </a:fld>
             <a:endParaRPr lang="ru-RU"/>
           </a:p>
@@ -410,7 +411,7 @@
             <a:fld id="{27089729-063C-4E5A-A6EB-08E659FC9C39}" type="datetime1">
               <a:rPr lang="ru-RU" smtClean="0"/>
               <a:pPr/>
-              <a:t>26.09.2023</a:t>
+              <a:t>27.09.2023</a:t>
             </a:fld>
             <a:endParaRPr lang="ru-RU" dirty="0"/>
           </a:p>
@@ -936,7 +937,7 @@
             <a:pPr rtl="0"/>
             <a:fld id="{11526528-FE90-4551-AAFF-E7B0546E5E6C}" type="datetime1">
               <a:rPr lang="ru-RU" noProof="0" smtClean="0"/>
-              <a:t>26.09.2023</a:t>
+              <a:t>27.09.2023</a:t>
             </a:fld>
             <a:endParaRPr lang="ru-RU" noProof="0"/>
           </a:p>
@@ -1264,7 +1265,7 @@
             <a:pPr rtl="0"/>
             <a:fld id="{E092D585-557E-40E5-91A7-3068D1C4D495}" type="datetime1">
               <a:rPr lang="ru-RU" noProof="0" smtClean="0"/>
-              <a:t>26.09.2023</a:t>
+              <a:t>27.09.2023</a:t>
             </a:fld>
             <a:endParaRPr lang="ru-RU" noProof="0"/>
           </a:p>
@@ -1441,7 +1442,7 @@
             <a:pPr rtl="0"/>
             <a:fld id="{845C14AD-AFE4-45C3-8300-83EB1F50D5BD}" type="datetime1">
               <a:rPr lang="ru-RU" noProof="0" smtClean="0"/>
-              <a:t>26.09.2023</a:t>
+              <a:t>27.09.2023</a:t>
             </a:fld>
             <a:endParaRPr lang="ru-RU" noProof="0"/>
           </a:p>
@@ -1608,7 +1609,7 @@
             <a:pPr rtl="0"/>
             <a:fld id="{5DD0793B-D8B2-44DA-B50B-E62A8467DA85}" type="datetime1">
               <a:rPr lang="ru-RU" noProof="0" smtClean="0"/>
-              <a:t>26.09.2023</a:t>
+              <a:t>27.09.2023</a:t>
             </a:fld>
             <a:endParaRPr lang="ru-RU" noProof="0"/>
           </a:p>
@@ -1883,7 +1884,7 @@
             <a:pPr rtl="0"/>
             <a:fld id="{5D3B2C5E-6CCC-4B51-868B-E07ACEDCDD31}" type="datetime1">
               <a:rPr lang="ru-RU" noProof="0" smtClean="0"/>
-              <a:t>26.09.2023</a:t>
+              <a:t>27.09.2023</a:t>
             </a:fld>
             <a:endParaRPr lang="ru-RU" noProof="0"/>
           </a:p>
@@ -2274,7 +2275,7 @@
             <a:pPr rtl="0"/>
             <a:fld id="{E771E91C-0F49-48F0-B5B1-1A6AE31DC29B}" type="datetime1">
               <a:rPr lang="ru-RU" noProof="0" smtClean="0"/>
-              <a:t>26.09.2023</a:t>
+              <a:t>27.09.2023</a:t>
             </a:fld>
             <a:endParaRPr lang="ru-RU" noProof="0"/>
           </a:p>
@@ -2747,7 +2748,7 @@
             <a:pPr rtl="0"/>
             <a:fld id="{1D73EF8D-1E82-475D-8839-20F57F18DA02}" type="datetime1">
               <a:rPr lang="ru-RU" noProof="0" smtClean="0"/>
-              <a:t>26.09.2023</a:t>
+              <a:t>27.09.2023</a:t>
             </a:fld>
             <a:endParaRPr lang="ru-RU" noProof="0"/>
           </a:p>
@@ -2863,7 +2864,7 @@
             <a:pPr rtl="0"/>
             <a:fld id="{280EA6B1-10AD-4D4D-98B2-80AD45261879}" type="datetime1">
               <a:rPr lang="ru-RU" noProof="0" smtClean="0"/>
-              <a:t>26.09.2023</a:t>
+              <a:t>27.09.2023</a:t>
             </a:fld>
             <a:endParaRPr lang="ru-RU" noProof="0"/>
           </a:p>
@@ -2956,7 +2957,7 @@
             <a:pPr rtl="0"/>
             <a:fld id="{9B1A2D6F-2CE5-4A0F-BFB2-983EE60FF2C8}" type="datetime1">
               <a:rPr lang="ru-RU" noProof="0" smtClean="0"/>
-              <a:t>26.09.2023</a:t>
+              <a:t>27.09.2023</a:t>
             </a:fld>
             <a:endParaRPr lang="ru-RU" noProof="0"/>
           </a:p>
@@ -3299,7 +3300,7 @@
             <a:pPr rtl="0"/>
             <a:fld id="{EBB4E7A4-6B0E-46A8-8F2B-B31F2DDF0EC5}" type="datetime1">
               <a:rPr lang="ru-RU" noProof="0" smtClean="0"/>
-              <a:t>26.09.2023</a:t>
+              <a:t>27.09.2023</a:t>
             </a:fld>
             <a:endParaRPr lang="ru-RU" noProof="0"/>
           </a:p>
@@ -3686,7 +3687,7 @@
             <a:pPr rtl="0"/>
             <a:fld id="{268C5FC2-3389-49C5-B85D-6172CE8B509C}" type="datetime1">
               <a:rPr lang="ru-RU" noProof="0" smtClean="0"/>
-              <a:t>26.09.2023</a:t>
+              <a:t>27.09.2023</a:t>
             </a:fld>
             <a:endParaRPr lang="ru-RU" noProof="0"/>
           </a:p>
@@ -3962,7 +3963,7 @@
             <a:pPr rtl="0"/>
             <a:fld id="{C0D4A05A-3BE0-446A-A2EC-DE420FC44F6C}" type="datetime1">
               <a:rPr lang="ru-RU" noProof="0" smtClean="0"/>
-              <a:t>26.09.2023</a:t>
+              <a:t>27.09.2023</a:t>
             </a:fld>
             <a:endParaRPr lang="ru-RU" noProof="0" dirty="0"/>
           </a:p>
@@ -4544,6 +4545,474 @@
 </p:sld>
 </file>
 
+<file path=ppt/slides/slide10.xml><?xml version="1.0" encoding="utf-8"?>
+<p:sld xmlns:a="http://schemas.openxmlformats.org/drawingml/2006/main" xmlns:r="http://schemas.openxmlformats.org/officeDocument/2006/relationships" xmlns:p="http://schemas.openxmlformats.org/presentationml/2006/main">
+  <p:cSld>
+    <p:bg>
+      <p:bgPr>
+        <a:solidFill>
+          <a:schemeClr val="bg2"/>
+        </a:solidFill>
+        <a:effectLst/>
+      </p:bgPr>
+    </p:bg>
+    <p:spTree>
+      <p:nvGrpSpPr>
+        <p:cNvPr id="1" name=""/>
+        <p:cNvGrpSpPr/>
+        <p:nvPr/>
+      </p:nvGrpSpPr>
+      <p:grpSpPr>
+        <a:xfrm>
+          <a:off x="0" y="0"/>
+          <a:ext cx="0" cy="0"/>
+          <a:chOff x="0" y="0"/>
+          <a:chExt cx="0" cy="0"/>
+        </a:xfrm>
+      </p:grpSpPr>
+      <p:grpSp>
+        <p:nvGrpSpPr>
+          <p:cNvPr id="8" name="Group 7">
+            <a:extLst>
+              <a:ext uri="{FF2B5EF4-FFF2-40B4-BE49-F238E27FC236}">
+                <a16:creationId xmlns:a16="http://schemas.microsoft.com/office/drawing/2014/main" id="{8C89EA62-F38E-4285-A105-C5E1BD360093}"/>
+              </a:ext>
+              <a:ext uri="{C183D7F6-B498-43B3-948B-1728B52AA6E4}">
+                <adec:decorative xmlns:adec="http://schemas.microsoft.com/office/drawing/2017/decorative" val="1"/>
+              </a:ext>
+            </a:extLst>
+          </p:cNvPr>
+          <p:cNvGrpSpPr>
+            <a:grpSpLocks noGrp="1" noUngrp="1" noRot="1" noChangeAspect="1" noMove="1" noResize="1"/>
+          </p:cNvGrpSpPr>
+          <p:nvPr>
+            <p:extLst>
+              <p:ext uri="{386F3935-93C4-4BCD-93E2-E3B085C9AB24}">
+                <p16:designElem xmlns:p16="http://schemas.microsoft.com/office/powerpoint/2015/main" val="1"/>
+              </p:ext>
+            </p:extLst>
+          </p:nvPr>
+        </p:nvGrpSpPr>
+        <p:grpSpPr>
+          <a:xfrm>
+            <a:off x="752858" y="744469"/>
+            <a:ext cx="10674117" cy="5349671"/>
+            <a:chOff x="752858" y="744469"/>
+            <a:chExt cx="10674117" cy="5349671"/>
+          </a:xfrm>
+        </p:grpSpPr>
+        <p:sp>
+          <p:nvSpPr>
+            <p:cNvPr id="9" name="Freeform 6">
+              <a:extLst>
+                <a:ext uri="{FF2B5EF4-FFF2-40B4-BE49-F238E27FC236}">
+                  <a16:creationId xmlns:a16="http://schemas.microsoft.com/office/drawing/2014/main" id="{2CF6E46A-CCCD-4728-B011-E147B23629A3}"/>
+                </a:ext>
+                <a:ext uri="{C183D7F6-B498-43B3-948B-1728B52AA6E4}">
+                  <adec:decorative xmlns:adec="http://schemas.microsoft.com/office/drawing/2017/decorative" val="1"/>
+                </a:ext>
+              </a:extLst>
+            </p:cNvPr>
+            <p:cNvSpPr/>
+            <p:nvPr>
+              <p:extLst>
+                <p:ext uri="{386F3935-93C4-4BCD-93E2-E3B085C9AB24}">
+                  <p16:designElem xmlns:p16="http://schemas.microsoft.com/office/powerpoint/2015/main" val="1"/>
+                </p:ext>
+              </p:extLst>
+            </p:nvPr>
+          </p:nvSpPr>
+          <p:spPr bwMode="auto">
+            <a:xfrm>
+              <a:off x="8151962" y="1685652"/>
+              <a:ext cx="3275013" cy="4408488"/>
+            </a:xfrm>
+            <a:custGeom>
+              <a:avLst/>
+              <a:gdLst/>
+              <a:ahLst/>
+              <a:cxnLst/>
+              <a:rect l="l" t="t" r="r" b="b"/>
+              <a:pathLst>
+                <a:path w="10000" h="10000">
+                  <a:moveTo>
+                    <a:pt x="8761" y="0"/>
+                  </a:moveTo>
+                  <a:lnTo>
+                    <a:pt x="10000" y="0"/>
+                  </a:lnTo>
+                  <a:lnTo>
+                    <a:pt x="10000" y="10000"/>
+                  </a:lnTo>
+                  <a:lnTo>
+                    <a:pt x="0" y="10000"/>
+                  </a:lnTo>
+                  <a:lnTo>
+                    <a:pt x="0" y="9126"/>
+                  </a:lnTo>
+                  <a:lnTo>
+                    <a:pt x="8761" y="9127"/>
+                  </a:lnTo>
+                  <a:lnTo>
+                    <a:pt x="8761" y="0"/>
+                  </a:lnTo>
+                  <a:close/>
+                </a:path>
+              </a:pathLst>
+            </a:custGeom>
+            <a:solidFill>
+              <a:schemeClr val="tx2"/>
+            </a:solidFill>
+            <a:ln w="0">
+              <a:noFill/>
+              <a:prstDash val="solid"/>
+              <a:round/>
+              <a:headEnd/>
+              <a:tailEnd/>
+            </a:ln>
+          </p:spPr>
+          <p:txBody>
+            <a:bodyPr/>
+            <a:lstStyle/>
+            <a:p>
+              <a:endParaRPr lang="ru-RU"/>
+            </a:p>
+          </p:txBody>
+        </p:sp>
+        <p:sp>
+          <p:nvSpPr>
+            <p:cNvPr id="10" name="Freeform 6">
+              <a:extLst>
+                <a:ext uri="{FF2B5EF4-FFF2-40B4-BE49-F238E27FC236}">
+                  <a16:creationId xmlns:a16="http://schemas.microsoft.com/office/drawing/2014/main" id="{2E2C684B-30C9-4689-A529-EBF1B8ADB215}"/>
+                </a:ext>
+                <a:ext uri="{C183D7F6-B498-43B3-948B-1728B52AA6E4}">
+                  <adec:decorative xmlns:adec="http://schemas.microsoft.com/office/drawing/2017/decorative" val="1"/>
+                </a:ext>
+              </a:extLst>
+            </p:cNvPr>
+            <p:cNvSpPr/>
+            <p:nvPr>
+              <p:extLst>
+                <p:ext uri="{386F3935-93C4-4BCD-93E2-E3B085C9AB24}">
+                  <p16:designElem xmlns:p16="http://schemas.microsoft.com/office/powerpoint/2015/main" val="1"/>
+                </p:ext>
+              </p:extLst>
+            </p:nvPr>
+          </p:nvSpPr>
+          <p:spPr bwMode="auto">
+            <a:xfrm flipH="1" flipV="1">
+              <a:off x="752858" y="744469"/>
+              <a:ext cx="3275668" cy="4408488"/>
+            </a:xfrm>
+            <a:custGeom>
+              <a:avLst/>
+              <a:gdLst/>
+              <a:ahLst/>
+              <a:cxnLst/>
+              <a:rect l="l" t="t" r="r" b="b"/>
+              <a:pathLst>
+                <a:path w="10002" h="10000">
+                  <a:moveTo>
+                    <a:pt x="8763" y="0"/>
+                  </a:moveTo>
+                  <a:lnTo>
+                    <a:pt x="10002" y="0"/>
+                  </a:lnTo>
+                  <a:lnTo>
+                    <a:pt x="10002" y="10000"/>
+                  </a:lnTo>
+                  <a:lnTo>
+                    <a:pt x="2" y="10000"/>
+                  </a:lnTo>
+                  <a:cubicBezTo>
+                    <a:pt x="-2" y="9698"/>
+                    <a:pt x="4" y="9427"/>
+                    <a:pt x="0" y="9125"/>
+                  </a:cubicBezTo>
+                  <a:lnTo>
+                    <a:pt x="8763" y="9128"/>
+                  </a:lnTo>
+                  <a:lnTo>
+                    <a:pt x="8763" y="0"/>
+                  </a:lnTo>
+                  <a:close/>
+                </a:path>
+              </a:pathLst>
+            </a:custGeom>
+            <a:solidFill>
+              <a:schemeClr val="tx2"/>
+            </a:solidFill>
+            <a:ln w="0">
+              <a:noFill/>
+              <a:prstDash val="solid"/>
+              <a:round/>
+              <a:headEnd/>
+              <a:tailEnd/>
+            </a:ln>
+          </p:spPr>
+          <p:txBody>
+            <a:bodyPr/>
+            <a:lstStyle/>
+            <a:p>
+              <a:endParaRPr lang="ru-RU"/>
+            </a:p>
+          </p:txBody>
+        </p:sp>
+      </p:grpSp>
+      <p:sp useBgFill="1">
+        <p:nvSpPr>
+          <p:cNvPr id="12" name="Rectangle 11">
+            <a:extLst>
+              <a:ext uri="{FF2B5EF4-FFF2-40B4-BE49-F238E27FC236}">
+                <a16:creationId xmlns:a16="http://schemas.microsoft.com/office/drawing/2014/main" id="{D8E74CFB-EAAD-43E9-BDAC-AAE4F8E86B83}"/>
+              </a:ext>
+              <a:ext uri="{C183D7F6-B498-43B3-948B-1728B52AA6E4}">
+                <adec:decorative xmlns:adec="http://schemas.microsoft.com/office/drawing/2017/decorative" val="1"/>
+              </a:ext>
+            </a:extLst>
+          </p:cNvPr>
+          <p:cNvSpPr>
+            <a:spLocks noGrp="1" noRot="1" noChangeAspect="1" noMove="1" noResize="1" noEditPoints="1" noAdjustHandles="1" noChangeArrowheads="1" noChangeShapeType="1" noTextEdit="1"/>
+          </p:cNvSpPr>
+          <p:nvPr>
+            <p:extLst>
+              <p:ext uri="{386F3935-93C4-4BCD-93E2-E3B085C9AB24}">
+                <p16:designElem xmlns:p16="http://schemas.microsoft.com/office/powerpoint/2015/main" val="1"/>
+              </p:ext>
+            </p:extLst>
+          </p:nvPr>
+        </p:nvSpPr>
+        <p:spPr bwMode="grayWhite">
+          <a:xfrm>
+            <a:off x="0" y="0"/>
+            <a:ext cx="12192000" cy="6858000"/>
+          </a:xfrm>
+          <a:prstGeom prst="rect">
+            <a:avLst/>
+          </a:prstGeom>
+          <a:ln>
+            <a:noFill/>
+          </a:ln>
+        </p:spPr>
+        <p:style>
+          <a:lnRef idx="2">
+            <a:schemeClr val="accent1">
+              <a:shade val="50000"/>
+            </a:schemeClr>
+          </a:lnRef>
+          <a:fillRef idx="1">
+            <a:schemeClr val="accent1"/>
+          </a:fillRef>
+          <a:effectRef idx="0">
+            <a:schemeClr val="accent1"/>
+          </a:effectRef>
+          <a:fontRef idx="minor">
+            <a:schemeClr val="lt1"/>
+          </a:fontRef>
+        </p:style>
+        <p:txBody>
+          <a:bodyPr rtlCol="0" anchor="ctr"/>
+          <a:lstStyle/>
+          <a:p>
+            <a:pPr algn="ctr"/>
+            <a:endParaRPr lang="en-US"/>
+          </a:p>
+        </p:txBody>
+      </p:sp>
+      <p:sp>
+        <p:nvSpPr>
+          <p:cNvPr id="14" name="Rectangle 13">
+            <a:extLst>
+              <a:ext uri="{FF2B5EF4-FFF2-40B4-BE49-F238E27FC236}">
+                <a16:creationId xmlns:a16="http://schemas.microsoft.com/office/drawing/2014/main" id="{D6E31D67-858D-409A-863E-EE8DEB9CC1E5}"/>
+              </a:ext>
+              <a:ext uri="{C183D7F6-B498-43B3-948B-1728B52AA6E4}">
+                <adec:decorative xmlns:adec="http://schemas.microsoft.com/office/drawing/2017/decorative" val="1"/>
+              </a:ext>
+            </a:extLst>
+          </p:cNvPr>
+          <p:cNvSpPr>
+            <a:spLocks noGrp="1" noRot="1" noChangeAspect="1" noMove="1" noResize="1" noEditPoints="1" noAdjustHandles="1" noChangeArrowheads="1" noChangeShapeType="1" noTextEdit="1"/>
+          </p:cNvSpPr>
+          <p:nvPr>
+            <p:extLst>
+              <p:ext uri="{386F3935-93C4-4BCD-93E2-E3B085C9AB24}">
+                <p16:designElem xmlns:p16="http://schemas.microsoft.com/office/powerpoint/2015/main" val="1"/>
+              </p:ext>
+            </p:extLst>
+          </p:nvPr>
+        </p:nvSpPr>
+        <p:spPr>
+          <a:xfrm>
+            <a:off x="1" y="376"/>
+            <a:ext cx="3157728" cy="6857624"/>
+          </a:xfrm>
+          <a:prstGeom prst="rect">
+            <a:avLst/>
+          </a:prstGeom>
+          <a:solidFill>
+            <a:schemeClr val="accent1"/>
+          </a:solidFill>
+          <a:ln>
+            <a:noFill/>
+          </a:ln>
+        </p:spPr>
+        <p:style>
+          <a:lnRef idx="2">
+            <a:schemeClr val="accent1">
+              <a:shade val="50000"/>
+            </a:schemeClr>
+          </a:lnRef>
+          <a:fillRef idx="1">
+            <a:schemeClr val="accent1"/>
+          </a:fillRef>
+          <a:effectRef idx="0">
+            <a:schemeClr val="accent1"/>
+          </a:effectRef>
+          <a:fontRef idx="minor">
+            <a:schemeClr val="lt1"/>
+          </a:fontRef>
+        </p:style>
+        <p:txBody>
+          <a:bodyPr/>
+          <a:lstStyle/>
+          <a:p>
+            <a:endParaRPr lang="ru-RU"/>
+          </a:p>
+        </p:txBody>
+      </p:sp>
+      <p:sp>
+        <p:nvSpPr>
+          <p:cNvPr id="16" name="Freeform 6">
+            <a:extLst>
+              <a:ext uri="{FF2B5EF4-FFF2-40B4-BE49-F238E27FC236}">
+                <a16:creationId xmlns:a16="http://schemas.microsoft.com/office/drawing/2014/main" id="{0C11AD76-2664-4F1B-8A6E-71601C059E24}"/>
+              </a:ext>
+              <a:ext uri="{C183D7F6-B498-43B3-948B-1728B52AA6E4}">
+                <adec:decorative xmlns:adec="http://schemas.microsoft.com/office/drawing/2017/decorative" val="1"/>
+              </a:ext>
+            </a:extLst>
+          </p:cNvPr>
+          <p:cNvSpPr>
+            <a:spLocks noGrp="1" noRot="1" noChangeAspect="1" noMove="1" noResize="1" noEditPoints="1" noAdjustHandles="1" noChangeArrowheads="1" noChangeShapeType="1" noTextEdit="1"/>
+          </p:cNvSpPr>
+          <p:nvPr>
+            <p:extLst>
+              <p:ext uri="{386F3935-93C4-4BCD-93E2-E3B085C9AB24}">
+                <p16:designElem xmlns:p16="http://schemas.microsoft.com/office/powerpoint/2015/main" val="1"/>
+              </p:ext>
+            </p:extLst>
+          </p:nvPr>
+        </p:nvSpPr>
+        <p:spPr bwMode="auto">
+          <a:xfrm flipH="1" flipV="1">
+            <a:off x="3922753" y="744469"/>
+            <a:ext cx="3275668" cy="4408488"/>
+          </a:xfrm>
+          <a:custGeom>
+            <a:avLst/>
+            <a:gdLst/>
+            <a:ahLst/>
+            <a:cxnLst/>
+            <a:rect l="l" t="t" r="r" b="b"/>
+            <a:pathLst>
+              <a:path w="10002" h="10000">
+                <a:moveTo>
+                  <a:pt x="8763" y="0"/>
+                </a:moveTo>
+                <a:lnTo>
+                  <a:pt x="10002" y="0"/>
+                </a:lnTo>
+                <a:lnTo>
+                  <a:pt x="10002" y="10000"/>
+                </a:lnTo>
+                <a:lnTo>
+                  <a:pt x="2" y="10000"/>
+                </a:lnTo>
+                <a:cubicBezTo>
+                  <a:pt x="-2" y="9698"/>
+                  <a:pt x="4" y="9427"/>
+                  <a:pt x="0" y="9125"/>
+                </a:cubicBezTo>
+                <a:lnTo>
+                  <a:pt x="8763" y="9128"/>
+                </a:lnTo>
+                <a:lnTo>
+                  <a:pt x="8763" y="0"/>
+                </a:lnTo>
+                <a:close/>
+              </a:path>
+            </a:pathLst>
+          </a:custGeom>
+          <a:solidFill>
+            <a:schemeClr val="tx2"/>
+          </a:solidFill>
+          <a:ln w="0">
+            <a:noFill/>
+            <a:prstDash val="solid"/>
+            <a:round/>
+            <a:headEnd/>
+            <a:tailEnd/>
+          </a:ln>
+        </p:spPr>
+        <p:txBody>
+          <a:bodyPr/>
+          <a:lstStyle/>
+          <a:p>
+            <a:endParaRPr lang="ru-RU"/>
+          </a:p>
+        </p:txBody>
+      </p:sp>
+      <p:sp>
+        <p:nvSpPr>
+          <p:cNvPr id="2" name="Заголовок 1">
+            <a:extLst>
+              <a:ext uri="{FF2B5EF4-FFF2-40B4-BE49-F238E27FC236}">
+                <a16:creationId xmlns:a16="http://schemas.microsoft.com/office/drawing/2014/main" id="{8710C210-D368-F84C-59E0-2B13F2C7B4A7}"/>
+              </a:ext>
+            </a:extLst>
+          </p:cNvPr>
+          <p:cNvSpPr>
+            <a:spLocks noGrp="1"/>
+          </p:cNvSpPr>
+          <p:nvPr>
+            <p:ph type="title"/>
+          </p:nvPr>
+        </p:nvSpPr>
+        <p:spPr>
+          <a:xfrm>
+            <a:off x="4648417" y="1480930"/>
+            <a:ext cx="6778558" cy="3254321"/>
+          </a:xfrm>
+        </p:spPr>
+        <p:txBody>
+          <a:bodyPr vert="horz" lIns="91440" tIns="45720" rIns="91440" bIns="45720" rtlCol="0" anchor="b">
+            <a:normAutofit/>
+          </a:bodyPr>
+          <a:lstStyle/>
+          <a:p>
+            <a:r>
+              <a:rPr lang="ru-RU" sz="6600" cap="all" dirty="0"/>
+              <a:t>Спасибо за внимание</a:t>
+            </a:r>
+            <a:endParaRPr lang="en-US" sz="6600" cap="all" dirty="0"/>
+          </a:p>
+        </p:txBody>
+      </p:sp>
+    </p:spTree>
+    <p:extLst>
+      <p:ext uri="{BB962C8B-B14F-4D97-AF65-F5344CB8AC3E}">
+        <p14:creationId xmlns:p14="http://schemas.microsoft.com/office/powerpoint/2010/main" val="2226758439"/>
+      </p:ext>
+    </p:extLst>
+  </p:cSld>
+  <p:clrMapOvr>
+    <a:masterClrMapping/>
+  </p:clrMapOvr>
+</p:sld>
+</file>
+
 <file path=ppt/slides/slide2.xml><?xml version="1.0" encoding="utf-8"?>
 <p:sld xmlns:a="http://schemas.openxmlformats.org/drawingml/2006/main" xmlns:r="http://schemas.openxmlformats.org/officeDocument/2006/relationships" xmlns:p="http://schemas.openxmlformats.org/presentationml/2006/main">
   <p:cSld>
@@ -4563,47 +5032,63 @@
       </p:grpSpPr>
       <p:sp>
         <p:nvSpPr>
-          <p:cNvPr id="2" name="Заголовок 1"/>
+          <p:cNvPr id="3" name="Объект 2"/>
           <p:cNvSpPr>
             <a:spLocks noGrp="1"/>
           </p:cNvSpPr>
           <p:nvPr>
-            <p:ph type="title"/>
-          </p:nvPr>
-        </p:nvSpPr>
-        <p:spPr/>
-        <p:txBody>
-          <a:bodyPr/>
+            <p:ph idx="1"/>
+          </p:nvPr>
+        </p:nvSpPr>
+        <p:spPr>
+          <a:xfrm>
+            <a:off x="1371600" y="555477"/>
+            <a:ext cx="9601200" cy="5311923"/>
+          </a:xfrm>
+        </p:spPr>
+        <p:txBody>
+          <a:bodyPr>
+            <a:normAutofit/>
+          </a:bodyPr>
           <a:lstStyle/>
           <a:p>
-            <a:r>
-              <a:rPr lang="ru-RU" dirty="0"/>
-              <a:t>Цель предмет </a:t>
-            </a:r>
-            <a:r>
-              <a:rPr lang="ru-RU"/>
-              <a:t>задачи добавить</a:t>
-            </a:r>
-            <a:endParaRPr lang="ru-RU" dirty="0"/>
-          </a:p>
-        </p:txBody>
-      </p:sp>
-      <p:sp>
-        <p:nvSpPr>
-          <p:cNvPr id="3" name="Объект 2"/>
-          <p:cNvSpPr>
-            <a:spLocks noGrp="1"/>
-          </p:cNvSpPr>
-          <p:nvPr>
-            <p:ph idx="1"/>
-          </p:nvPr>
-        </p:nvSpPr>
-        <p:spPr/>
-        <p:txBody>
-          <a:bodyPr/>
-          <a:lstStyle/>
-          <a:p>
-            <a:endParaRPr lang="ru-RU"/>
+            <a:endParaRPr lang="ru-RU" sz="2800" dirty="0"/>
+          </a:p>
+          <a:p>
+            <a:r>
+              <a:rPr lang="ru-RU" sz="2800" dirty="0"/>
+              <a:t>Объект курсовой: разработка игры</a:t>
+            </a:r>
+          </a:p>
+          <a:p>
+            <a:endParaRPr lang="ru-RU" sz="2800" dirty="0"/>
+          </a:p>
+          <a:p>
+            <a:pPr marL="0" indent="0">
+              <a:buNone/>
+            </a:pPr>
+            <a:endParaRPr lang="ru-RU" sz="2800" dirty="0"/>
+          </a:p>
+          <a:p>
+            <a:r>
+              <a:rPr lang="ru-RU" sz="2800" dirty="0"/>
+              <a:t>Предмет курсовой: разработка и настройка системы анализа и ответа на успешность или неудачи игрока</a:t>
+            </a:r>
+          </a:p>
+          <a:p>
+            <a:endParaRPr lang="ru-RU" sz="2800" dirty="0"/>
+          </a:p>
+          <a:p>
+            <a:pPr marL="0" indent="0">
+              <a:buNone/>
+            </a:pPr>
+            <a:endParaRPr lang="ru-RU" sz="2800" dirty="0"/>
+          </a:p>
+          <a:p>
+            <a:r>
+              <a:rPr lang="ru-RU" sz="2800" dirty="0"/>
+              <a:t>Цель: Разработать и протестировать полноценную игру</a:t>
+            </a:r>
           </a:p>
         </p:txBody>
       </p:sp>
@@ -4637,6 +5122,1182 @@
           <a:chExt cx="0" cy="0"/>
         </a:xfrm>
       </p:grpSpPr>
+      <p:cxnSp>
+        <p:nvCxnSpPr>
+          <p:cNvPr id="7" name="Прямая со стрелкой 6">
+            <a:extLst>
+              <a:ext uri="{FF2B5EF4-FFF2-40B4-BE49-F238E27FC236}">
+                <a16:creationId xmlns:a16="http://schemas.microsoft.com/office/drawing/2014/main" id="{9D578838-9965-68C2-36BD-288F2017EE4A}"/>
+              </a:ext>
+            </a:extLst>
+          </p:cNvPr>
+          <p:cNvCxnSpPr/>
+          <p:nvPr/>
+        </p:nvCxnSpPr>
+        <p:spPr>
+          <a:xfrm>
+            <a:off x="905855" y="4691641"/>
+            <a:ext cx="10947162" cy="0"/>
+          </a:xfrm>
+          <a:prstGeom prst="straightConnector1">
+            <a:avLst/>
+          </a:prstGeom>
+          <a:ln>
+            <a:tailEnd type="triangle"/>
+          </a:ln>
+        </p:spPr>
+        <p:style>
+          <a:lnRef idx="1">
+            <a:schemeClr val="dk1"/>
+          </a:lnRef>
+          <a:fillRef idx="0">
+            <a:schemeClr val="dk1"/>
+          </a:fillRef>
+          <a:effectRef idx="0">
+            <a:schemeClr val="dk1"/>
+          </a:effectRef>
+          <a:fontRef idx="minor">
+            <a:schemeClr val="tx1"/>
+          </a:fontRef>
+        </p:style>
+      </p:cxnSp>
+      <p:cxnSp>
+        <p:nvCxnSpPr>
+          <p:cNvPr id="9" name="Прямая соединительная линия 8">
+            <a:extLst>
+              <a:ext uri="{FF2B5EF4-FFF2-40B4-BE49-F238E27FC236}">
+                <a16:creationId xmlns:a16="http://schemas.microsoft.com/office/drawing/2014/main" id="{89696E50-0A46-EF9E-D856-3722EE35967D}"/>
+              </a:ext>
+            </a:extLst>
+          </p:cNvPr>
+          <p:cNvCxnSpPr/>
+          <p:nvPr/>
+        </p:nvCxnSpPr>
+        <p:spPr>
+          <a:xfrm>
+            <a:off x="2401369" y="4691641"/>
+            <a:ext cx="0" cy="589660"/>
+          </a:xfrm>
+          <a:prstGeom prst="line">
+            <a:avLst/>
+          </a:prstGeom>
+        </p:spPr>
+        <p:style>
+          <a:lnRef idx="1">
+            <a:schemeClr val="dk1"/>
+          </a:lnRef>
+          <a:fillRef idx="0">
+            <a:schemeClr val="dk1"/>
+          </a:fillRef>
+          <a:effectRef idx="0">
+            <a:schemeClr val="dk1"/>
+          </a:effectRef>
+          <a:fontRef idx="minor">
+            <a:schemeClr val="tx1"/>
+          </a:fontRef>
+        </p:style>
+      </p:cxnSp>
+      <p:cxnSp>
+        <p:nvCxnSpPr>
+          <p:cNvPr id="10" name="Прямая соединительная линия 9">
+            <a:extLst>
+              <a:ext uri="{FF2B5EF4-FFF2-40B4-BE49-F238E27FC236}">
+                <a16:creationId xmlns:a16="http://schemas.microsoft.com/office/drawing/2014/main" id="{8DD54C6B-C4C4-ACFF-9E3E-61EB320272D8}"/>
+              </a:ext>
+            </a:extLst>
+          </p:cNvPr>
+          <p:cNvCxnSpPr/>
+          <p:nvPr/>
+        </p:nvCxnSpPr>
+        <p:spPr>
+          <a:xfrm>
+            <a:off x="11740497" y="4691641"/>
+            <a:ext cx="0" cy="589660"/>
+          </a:xfrm>
+          <a:prstGeom prst="line">
+            <a:avLst/>
+          </a:prstGeom>
+        </p:spPr>
+        <p:style>
+          <a:lnRef idx="1">
+            <a:schemeClr val="dk1"/>
+          </a:lnRef>
+          <a:fillRef idx="0">
+            <a:schemeClr val="dk1"/>
+          </a:fillRef>
+          <a:effectRef idx="0">
+            <a:schemeClr val="dk1"/>
+          </a:effectRef>
+          <a:fontRef idx="minor">
+            <a:schemeClr val="tx1"/>
+          </a:fontRef>
+        </p:style>
+      </p:cxnSp>
+      <p:cxnSp>
+        <p:nvCxnSpPr>
+          <p:cNvPr id="12" name="Прямая соединительная линия 11">
+            <a:extLst>
+              <a:ext uri="{FF2B5EF4-FFF2-40B4-BE49-F238E27FC236}">
+                <a16:creationId xmlns:a16="http://schemas.microsoft.com/office/drawing/2014/main" id="{42F600AB-6DF6-BB3B-C864-89E3AF5E2B89}"/>
+              </a:ext>
+            </a:extLst>
+          </p:cNvPr>
+          <p:cNvCxnSpPr/>
+          <p:nvPr/>
+        </p:nvCxnSpPr>
+        <p:spPr>
+          <a:xfrm>
+            <a:off x="8561462" y="4691641"/>
+            <a:ext cx="0" cy="589660"/>
+          </a:xfrm>
+          <a:prstGeom prst="line">
+            <a:avLst/>
+          </a:prstGeom>
+        </p:spPr>
+        <p:style>
+          <a:lnRef idx="1">
+            <a:schemeClr val="dk1"/>
+          </a:lnRef>
+          <a:fillRef idx="0">
+            <a:schemeClr val="dk1"/>
+          </a:fillRef>
+          <a:effectRef idx="0">
+            <a:schemeClr val="dk1"/>
+          </a:effectRef>
+          <a:fontRef idx="minor">
+            <a:schemeClr val="tx1"/>
+          </a:fontRef>
+        </p:style>
+      </p:cxnSp>
+      <p:sp>
+        <p:nvSpPr>
+          <p:cNvPr id="13" name="TextBox 12">
+            <a:extLst>
+              <a:ext uri="{FF2B5EF4-FFF2-40B4-BE49-F238E27FC236}">
+                <a16:creationId xmlns:a16="http://schemas.microsoft.com/office/drawing/2014/main" id="{548B5C48-8D10-1B5D-57D8-2B3F75364BCF}"/>
+              </a:ext>
+            </a:extLst>
+          </p:cNvPr>
+          <p:cNvSpPr txBox="1"/>
+          <p:nvPr/>
+        </p:nvSpPr>
+        <p:spPr>
+          <a:xfrm>
+            <a:off x="1176044" y="4825963"/>
+            <a:ext cx="1112805" cy="369332"/>
+          </a:xfrm>
+          <a:prstGeom prst="rect">
+            <a:avLst/>
+          </a:prstGeom>
+          <a:noFill/>
+        </p:spPr>
+        <p:txBody>
+          <a:bodyPr wrap="none" rtlCol="0">
+            <a:spAutoFit/>
+          </a:bodyPr>
+          <a:lstStyle/>
+          <a:p>
+            <a:r>
+              <a:rPr lang="ru-RU" dirty="0"/>
+              <a:t>Сентябрь</a:t>
+            </a:r>
+          </a:p>
+        </p:txBody>
+      </p:sp>
+      <p:sp>
+        <p:nvSpPr>
+          <p:cNvPr id="14" name="TextBox 13">
+            <a:extLst>
+              <a:ext uri="{FF2B5EF4-FFF2-40B4-BE49-F238E27FC236}">
+                <a16:creationId xmlns:a16="http://schemas.microsoft.com/office/drawing/2014/main" id="{8FD1A141-5158-6920-DB60-566F48DD48AE}"/>
+              </a:ext>
+            </a:extLst>
+          </p:cNvPr>
+          <p:cNvSpPr txBox="1"/>
+          <p:nvPr/>
+        </p:nvSpPr>
+        <p:spPr>
+          <a:xfrm>
+            <a:off x="3439139" y="4861079"/>
+            <a:ext cx="990977" cy="369332"/>
+          </a:xfrm>
+          <a:prstGeom prst="rect">
+            <a:avLst/>
+          </a:prstGeom>
+          <a:noFill/>
+        </p:spPr>
+        <p:txBody>
+          <a:bodyPr wrap="none" rtlCol="0">
+            <a:spAutoFit/>
+          </a:bodyPr>
+          <a:lstStyle/>
+          <a:p>
+            <a:r>
+              <a:rPr lang="ru-RU" dirty="0"/>
+              <a:t>Октябрь</a:t>
+            </a:r>
+          </a:p>
+        </p:txBody>
+      </p:sp>
+      <p:sp>
+        <p:nvSpPr>
+          <p:cNvPr id="15" name="TextBox 14">
+            <a:extLst>
+              <a:ext uri="{FF2B5EF4-FFF2-40B4-BE49-F238E27FC236}">
+                <a16:creationId xmlns:a16="http://schemas.microsoft.com/office/drawing/2014/main" id="{516497B4-6ECB-765F-1DEC-DC3AC65BB7D2}"/>
+              </a:ext>
+            </a:extLst>
+          </p:cNvPr>
+          <p:cNvSpPr txBox="1"/>
+          <p:nvPr/>
+        </p:nvSpPr>
+        <p:spPr>
+          <a:xfrm>
+            <a:off x="6559194" y="4869898"/>
+            <a:ext cx="923651" cy="369332"/>
+          </a:xfrm>
+          <a:prstGeom prst="rect">
+            <a:avLst/>
+          </a:prstGeom>
+          <a:noFill/>
+        </p:spPr>
+        <p:txBody>
+          <a:bodyPr wrap="none" rtlCol="0">
+            <a:spAutoFit/>
+          </a:bodyPr>
+          <a:lstStyle/>
+          <a:p>
+            <a:r>
+              <a:rPr lang="ru-RU" dirty="0"/>
+              <a:t>Ноябрь</a:t>
+            </a:r>
+          </a:p>
+        </p:txBody>
+      </p:sp>
+      <p:sp>
+        <p:nvSpPr>
+          <p:cNvPr id="16" name="TextBox 15">
+            <a:extLst>
+              <a:ext uri="{FF2B5EF4-FFF2-40B4-BE49-F238E27FC236}">
+                <a16:creationId xmlns:a16="http://schemas.microsoft.com/office/drawing/2014/main" id="{1D29466C-0D12-B5A3-499B-C987BE686390}"/>
+              </a:ext>
+            </a:extLst>
+          </p:cNvPr>
+          <p:cNvSpPr txBox="1"/>
+          <p:nvPr/>
+        </p:nvSpPr>
+        <p:spPr>
+          <a:xfrm>
+            <a:off x="9640079" y="4874171"/>
+            <a:ext cx="1030347" cy="369332"/>
+          </a:xfrm>
+          <a:prstGeom prst="rect">
+            <a:avLst/>
+          </a:prstGeom>
+          <a:noFill/>
+        </p:spPr>
+        <p:txBody>
+          <a:bodyPr wrap="none" rtlCol="0">
+            <a:spAutoFit/>
+          </a:bodyPr>
+          <a:lstStyle/>
+          <a:p>
+            <a:r>
+              <a:rPr lang="ru-RU" dirty="0"/>
+              <a:t>Декабрь</a:t>
+            </a:r>
+          </a:p>
+        </p:txBody>
+      </p:sp>
+      <p:cxnSp>
+        <p:nvCxnSpPr>
+          <p:cNvPr id="18" name="Прямая со стрелкой 17">
+            <a:extLst>
+              <a:ext uri="{FF2B5EF4-FFF2-40B4-BE49-F238E27FC236}">
+                <a16:creationId xmlns:a16="http://schemas.microsoft.com/office/drawing/2014/main" id="{33E20FD1-63E9-EA59-23D4-9EC834141099}"/>
+              </a:ext>
+            </a:extLst>
+          </p:cNvPr>
+          <p:cNvCxnSpPr>
+            <a:cxnSpLocks/>
+            <a:stCxn id="19" idx="2"/>
+          </p:cNvCxnSpPr>
+          <p:nvPr/>
+        </p:nvCxnSpPr>
+        <p:spPr>
+          <a:xfrm>
+            <a:off x="2266102" y="3826271"/>
+            <a:ext cx="0" cy="865370"/>
+          </a:xfrm>
+          <a:prstGeom prst="straightConnector1">
+            <a:avLst/>
+          </a:prstGeom>
+          <a:ln>
+            <a:tailEnd type="triangle"/>
+          </a:ln>
+        </p:spPr>
+        <p:style>
+          <a:lnRef idx="1">
+            <a:schemeClr val="dk1"/>
+          </a:lnRef>
+          <a:fillRef idx="0">
+            <a:schemeClr val="dk1"/>
+          </a:fillRef>
+          <a:effectRef idx="0">
+            <a:schemeClr val="dk1"/>
+          </a:effectRef>
+          <a:fontRef idx="minor">
+            <a:schemeClr val="tx1"/>
+          </a:fontRef>
+        </p:style>
+      </p:cxnSp>
+      <p:sp>
+        <p:nvSpPr>
+          <p:cNvPr id="19" name="TextBox 18">
+            <a:extLst>
+              <a:ext uri="{FF2B5EF4-FFF2-40B4-BE49-F238E27FC236}">
+                <a16:creationId xmlns:a16="http://schemas.microsoft.com/office/drawing/2014/main" id="{52C303AD-87D0-BC9C-73FF-8A7757258C83}"/>
+              </a:ext>
+            </a:extLst>
+          </p:cNvPr>
+          <p:cNvSpPr txBox="1"/>
+          <p:nvPr/>
+        </p:nvSpPr>
+        <p:spPr>
+          <a:xfrm>
+            <a:off x="1504457" y="3179940"/>
+            <a:ext cx="1523289" cy="646331"/>
+          </a:xfrm>
+          <a:prstGeom prst="rect">
+            <a:avLst/>
+          </a:prstGeom>
+          <a:noFill/>
+        </p:spPr>
+        <p:txBody>
+          <a:bodyPr wrap="square" rtlCol="0">
+            <a:spAutoFit/>
+          </a:bodyPr>
+          <a:lstStyle/>
+          <a:p>
+            <a:r>
+              <a:rPr lang="ru-RU" dirty="0"/>
+              <a:t>Презентация</a:t>
+            </a:r>
+          </a:p>
+          <a:p>
+            <a:r>
+              <a:rPr lang="ru-RU" dirty="0"/>
+              <a:t>29.09</a:t>
+            </a:r>
+          </a:p>
+        </p:txBody>
+      </p:sp>
+      <p:cxnSp>
+        <p:nvCxnSpPr>
+          <p:cNvPr id="20" name="Прямая соединительная линия 19">
+            <a:extLst>
+              <a:ext uri="{FF2B5EF4-FFF2-40B4-BE49-F238E27FC236}">
+                <a16:creationId xmlns:a16="http://schemas.microsoft.com/office/drawing/2014/main" id="{42D4F083-E65B-1863-5729-79CCE2DA2EAD}"/>
+              </a:ext>
+            </a:extLst>
+          </p:cNvPr>
+          <p:cNvCxnSpPr/>
+          <p:nvPr/>
+        </p:nvCxnSpPr>
+        <p:spPr>
+          <a:xfrm>
+            <a:off x="5425155" y="4691641"/>
+            <a:ext cx="0" cy="589660"/>
+          </a:xfrm>
+          <a:prstGeom prst="line">
+            <a:avLst/>
+          </a:prstGeom>
+        </p:spPr>
+        <p:style>
+          <a:lnRef idx="1">
+            <a:schemeClr val="dk1"/>
+          </a:lnRef>
+          <a:fillRef idx="0">
+            <a:schemeClr val="dk1"/>
+          </a:fillRef>
+          <a:effectRef idx="0">
+            <a:schemeClr val="dk1"/>
+          </a:effectRef>
+          <a:fontRef idx="minor">
+            <a:schemeClr val="tx1"/>
+          </a:fontRef>
+        </p:style>
+      </p:cxnSp>
+      <p:cxnSp>
+        <p:nvCxnSpPr>
+          <p:cNvPr id="2" name="Прямая со стрелкой 1">
+            <a:extLst>
+              <a:ext uri="{FF2B5EF4-FFF2-40B4-BE49-F238E27FC236}">
+                <a16:creationId xmlns:a16="http://schemas.microsoft.com/office/drawing/2014/main" id="{B3040ECC-E2D8-0B53-A0BD-1ED60613FEF9}"/>
+              </a:ext>
+            </a:extLst>
+          </p:cNvPr>
+          <p:cNvCxnSpPr>
+            <a:cxnSpLocks/>
+            <a:stCxn id="3" idx="2"/>
+          </p:cNvCxnSpPr>
+          <p:nvPr/>
+        </p:nvCxnSpPr>
+        <p:spPr>
+          <a:xfrm>
+            <a:off x="3067584" y="4422257"/>
+            <a:ext cx="0" cy="269384"/>
+          </a:xfrm>
+          <a:prstGeom prst="straightConnector1">
+            <a:avLst/>
+          </a:prstGeom>
+          <a:ln>
+            <a:tailEnd type="triangle"/>
+          </a:ln>
+        </p:spPr>
+        <p:style>
+          <a:lnRef idx="1">
+            <a:schemeClr val="dk1"/>
+          </a:lnRef>
+          <a:fillRef idx="0">
+            <a:schemeClr val="dk1"/>
+          </a:fillRef>
+          <a:effectRef idx="0">
+            <a:schemeClr val="dk1"/>
+          </a:effectRef>
+          <a:fontRef idx="minor">
+            <a:schemeClr val="tx1"/>
+          </a:fontRef>
+        </p:style>
+      </p:cxnSp>
+      <p:sp>
+        <p:nvSpPr>
+          <p:cNvPr id="3" name="TextBox 2">
+            <a:extLst>
+              <a:ext uri="{FF2B5EF4-FFF2-40B4-BE49-F238E27FC236}">
+                <a16:creationId xmlns:a16="http://schemas.microsoft.com/office/drawing/2014/main" id="{64361245-9060-0E20-C6E5-CCC7E6EDD658}"/>
+              </a:ext>
+            </a:extLst>
+          </p:cNvPr>
+          <p:cNvSpPr txBox="1"/>
+          <p:nvPr/>
+        </p:nvSpPr>
+        <p:spPr>
+          <a:xfrm>
+            <a:off x="2514684" y="3498927"/>
+            <a:ext cx="1105800" cy="923330"/>
+          </a:xfrm>
+          <a:prstGeom prst="rect">
+            <a:avLst/>
+          </a:prstGeom>
+          <a:noFill/>
+        </p:spPr>
+        <p:txBody>
+          <a:bodyPr wrap="square" rtlCol="0">
+            <a:spAutoFit/>
+          </a:bodyPr>
+          <a:lstStyle/>
+          <a:p>
+            <a:r>
+              <a:rPr lang="ru-RU" dirty="0"/>
+              <a:t>Дизайн документ</a:t>
+            </a:r>
+          </a:p>
+          <a:p>
+            <a:r>
+              <a:rPr lang="ru-RU" dirty="0"/>
+              <a:t>7.10</a:t>
+            </a:r>
+          </a:p>
+        </p:txBody>
+      </p:sp>
+      <p:cxnSp>
+        <p:nvCxnSpPr>
+          <p:cNvPr id="8" name="Прямая со стрелкой 7">
+            <a:extLst>
+              <a:ext uri="{FF2B5EF4-FFF2-40B4-BE49-F238E27FC236}">
+                <a16:creationId xmlns:a16="http://schemas.microsoft.com/office/drawing/2014/main" id="{F659E307-C83D-63AD-1C21-6CD12EBF0533}"/>
+              </a:ext>
+            </a:extLst>
+          </p:cNvPr>
+          <p:cNvCxnSpPr>
+            <a:cxnSpLocks/>
+          </p:cNvCxnSpPr>
+          <p:nvPr/>
+        </p:nvCxnSpPr>
+        <p:spPr>
+          <a:xfrm>
+            <a:off x="3802559" y="3705999"/>
+            <a:ext cx="14244" cy="984643"/>
+          </a:xfrm>
+          <a:prstGeom prst="straightConnector1">
+            <a:avLst/>
+          </a:prstGeom>
+          <a:ln>
+            <a:tailEnd type="triangle"/>
+          </a:ln>
+        </p:spPr>
+        <p:style>
+          <a:lnRef idx="1">
+            <a:schemeClr val="dk1"/>
+          </a:lnRef>
+          <a:fillRef idx="0">
+            <a:schemeClr val="dk1"/>
+          </a:fillRef>
+          <a:effectRef idx="0">
+            <a:schemeClr val="dk1"/>
+          </a:effectRef>
+          <a:fontRef idx="minor">
+            <a:schemeClr val="tx1"/>
+          </a:fontRef>
+        </p:style>
+      </p:cxnSp>
+      <p:sp>
+        <p:nvSpPr>
+          <p:cNvPr id="11" name="TextBox 10">
+            <a:extLst>
+              <a:ext uri="{FF2B5EF4-FFF2-40B4-BE49-F238E27FC236}">
+                <a16:creationId xmlns:a16="http://schemas.microsoft.com/office/drawing/2014/main" id="{04E42867-2967-DFB0-90FB-12E2F9C0DCFF}"/>
+              </a:ext>
+            </a:extLst>
+          </p:cNvPr>
+          <p:cNvSpPr txBox="1"/>
+          <p:nvPr/>
+        </p:nvSpPr>
+        <p:spPr>
+          <a:xfrm>
+            <a:off x="3009659" y="2705477"/>
+            <a:ext cx="1221649" cy="923330"/>
+          </a:xfrm>
+          <a:prstGeom prst="rect">
+            <a:avLst/>
+          </a:prstGeom>
+          <a:noFill/>
+        </p:spPr>
+        <p:txBody>
+          <a:bodyPr wrap="square" rtlCol="0">
+            <a:spAutoFit/>
+          </a:bodyPr>
+          <a:lstStyle/>
+          <a:p>
+            <a:r>
+              <a:rPr lang="ru-RU" dirty="0"/>
+              <a:t>Движение Стрельба</a:t>
+            </a:r>
+          </a:p>
+          <a:p>
+            <a:r>
+              <a:rPr lang="ru-RU" dirty="0"/>
+              <a:t>14.10</a:t>
+            </a:r>
+          </a:p>
+        </p:txBody>
+      </p:sp>
+      <p:cxnSp>
+        <p:nvCxnSpPr>
+          <p:cNvPr id="26" name="Прямая со стрелкой 25">
+            <a:extLst>
+              <a:ext uri="{FF2B5EF4-FFF2-40B4-BE49-F238E27FC236}">
+                <a16:creationId xmlns:a16="http://schemas.microsoft.com/office/drawing/2014/main" id="{9835A97B-1E7D-EF7F-D61A-FDAE09FC39CA}"/>
+              </a:ext>
+            </a:extLst>
+          </p:cNvPr>
+          <p:cNvCxnSpPr>
+            <a:cxnSpLocks/>
+            <a:stCxn id="27" idx="2"/>
+          </p:cNvCxnSpPr>
+          <p:nvPr/>
+        </p:nvCxnSpPr>
+        <p:spPr>
+          <a:xfrm>
+            <a:off x="10670426" y="4297138"/>
+            <a:ext cx="0" cy="402706"/>
+          </a:xfrm>
+          <a:prstGeom prst="straightConnector1">
+            <a:avLst/>
+          </a:prstGeom>
+          <a:ln>
+            <a:tailEnd type="triangle"/>
+          </a:ln>
+        </p:spPr>
+        <p:style>
+          <a:lnRef idx="1">
+            <a:schemeClr val="dk1"/>
+          </a:lnRef>
+          <a:fillRef idx="0">
+            <a:schemeClr val="dk1"/>
+          </a:fillRef>
+          <a:effectRef idx="0">
+            <a:schemeClr val="dk1"/>
+          </a:effectRef>
+          <a:fontRef idx="minor">
+            <a:schemeClr val="tx1"/>
+          </a:fontRef>
+        </p:style>
+      </p:cxnSp>
+      <p:sp>
+        <p:nvSpPr>
+          <p:cNvPr id="27" name="TextBox 26">
+            <a:extLst>
+              <a:ext uri="{FF2B5EF4-FFF2-40B4-BE49-F238E27FC236}">
+                <a16:creationId xmlns:a16="http://schemas.microsoft.com/office/drawing/2014/main" id="{A01CB3B3-698F-AE9F-DAD4-1885759C2F06}"/>
+              </a:ext>
+            </a:extLst>
+          </p:cNvPr>
+          <p:cNvSpPr txBox="1"/>
+          <p:nvPr/>
+        </p:nvSpPr>
+        <p:spPr>
+          <a:xfrm>
+            <a:off x="10104319" y="3373808"/>
+            <a:ext cx="1132214" cy="923330"/>
+          </a:xfrm>
+          <a:prstGeom prst="rect">
+            <a:avLst/>
+          </a:prstGeom>
+          <a:noFill/>
+        </p:spPr>
+        <p:txBody>
+          <a:bodyPr wrap="square" rtlCol="0">
+            <a:spAutoFit/>
+          </a:bodyPr>
+          <a:lstStyle/>
+          <a:p>
+            <a:r>
+              <a:rPr lang="ru-RU" dirty="0"/>
+              <a:t>Защита</a:t>
+            </a:r>
+            <a:r>
+              <a:rPr lang="en-US" dirty="0"/>
+              <a:t> </a:t>
+            </a:r>
+            <a:r>
+              <a:rPr lang="ru-RU" dirty="0"/>
+              <a:t>курсовой</a:t>
+            </a:r>
+          </a:p>
+          <a:p>
+            <a:r>
+              <a:rPr lang="ru-RU" dirty="0"/>
+              <a:t>22.12</a:t>
+            </a:r>
+          </a:p>
+        </p:txBody>
+      </p:sp>
+      <p:cxnSp>
+        <p:nvCxnSpPr>
+          <p:cNvPr id="30" name="Прямая со стрелкой 29">
+            <a:extLst>
+              <a:ext uri="{FF2B5EF4-FFF2-40B4-BE49-F238E27FC236}">
+                <a16:creationId xmlns:a16="http://schemas.microsoft.com/office/drawing/2014/main" id="{579D28ED-0259-475A-58DA-9FB157122EAA}"/>
+              </a:ext>
+            </a:extLst>
+          </p:cNvPr>
+          <p:cNvCxnSpPr>
+            <a:cxnSpLocks/>
+          </p:cNvCxnSpPr>
+          <p:nvPr/>
+        </p:nvCxnSpPr>
+        <p:spPr>
+          <a:xfrm>
+            <a:off x="7489515" y="4303913"/>
+            <a:ext cx="0" cy="386729"/>
+          </a:xfrm>
+          <a:prstGeom prst="straightConnector1">
+            <a:avLst/>
+          </a:prstGeom>
+          <a:ln>
+            <a:tailEnd type="triangle"/>
+          </a:ln>
+        </p:spPr>
+        <p:style>
+          <a:lnRef idx="1">
+            <a:schemeClr val="dk1"/>
+          </a:lnRef>
+          <a:fillRef idx="0">
+            <a:schemeClr val="dk1"/>
+          </a:fillRef>
+          <a:effectRef idx="0">
+            <a:schemeClr val="dk1"/>
+          </a:effectRef>
+          <a:fontRef idx="minor">
+            <a:schemeClr val="tx1"/>
+          </a:fontRef>
+        </p:style>
+      </p:cxnSp>
+      <p:sp>
+        <p:nvSpPr>
+          <p:cNvPr id="31" name="TextBox 30">
+            <a:extLst>
+              <a:ext uri="{FF2B5EF4-FFF2-40B4-BE49-F238E27FC236}">
+                <a16:creationId xmlns:a16="http://schemas.microsoft.com/office/drawing/2014/main" id="{1F429873-8596-425F-D009-AF0F245A54E6}"/>
+              </a:ext>
+            </a:extLst>
+          </p:cNvPr>
+          <p:cNvSpPr txBox="1"/>
+          <p:nvPr/>
+        </p:nvSpPr>
+        <p:spPr>
+          <a:xfrm>
+            <a:off x="6867874" y="3380583"/>
+            <a:ext cx="1523289" cy="923330"/>
+          </a:xfrm>
+          <a:prstGeom prst="rect">
+            <a:avLst/>
+          </a:prstGeom>
+          <a:noFill/>
+        </p:spPr>
+        <p:txBody>
+          <a:bodyPr wrap="square" rtlCol="0">
+            <a:spAutoFit/>
+          </a:bodyPr>
+          <a:lstStyle/>
+          <a:p>
+            <a:r>
+              <a:rPr lang="ru-RU" dirty="0"/>
+              <a:t>Начало </a:t>
+            </a:r>
+            <a:r>
+              <a:rPr lang="ru-RU" dirty="0" err="1"/>
+              <a:t>ворд</a:t>
+            </a:r>
+            <a:r>
+              <a:rPr lang="ru-RU" dirty="0"/>
+              <a:t> документа</a:t>
+            </a:r>
+          </a:p>
+          <a:p>
+            <a:r>
+              <a:rPr lang="ru-RU" dirty="0"/>
+              <a:t>20.11</a:t>
+            </a:r>
+          </a:p>
+        </p:txBody>
+      </p:sp>
+      <p:cxnSp>
+        <p:nvCxnSpPr>
+          <p:cNvPr id="36" name="Прямая со стрелкой 35">
+            <a:extLst>
+              <a:ext uri="{FF2B5EF4-FFF2-40B4-BE49-F238E27FC236}">
+                <a16:creationId xmlns:a16="http://schemas.microsoft.com/office/drawing/2014/main" id="{55881074-2260-8E0E-260E-2F67FE4B45CB}"/>
+              </a:ext>
+            </a:extLst>
+          </p:cNvPr>
+          <p:cNvCxnSpPr>
+            <a:cxnSpLocks/>
+          </p:cNvCxnSpPr>
+          <p:nvPr/>
+        </p:nvCxnSpPr>
+        <p:spPr>
+          <a:xfrm>
+            <a:off x="5899798" y="4456493"/>
+            <a:ext cx="0" cy="234149"/>
+          </a:xfrm>
+          <a:prstGeom prst="straightConnector1">
+            <a:avLst/>
+          </a:prstGeom>
+          <a:ln>
+            <a:tailEnd type="triangle"/>
+          </a:ln>
+        </p:spPr>
+        <p:style>
+          <a:lnRef idx="1">
+            <a:schemeClr val="dk1"/>
+          </a:lnRef>
+          <a:fillRef idx="0">
+            <a:schemeClr val="dk1"/>
+          </a:fillRef>
+          <a:effectRef idx="0">
+            <a:schemeClr val="dk1"/>
+          </a:effectRef>
+          <a:fontRef idx="minor">
+            <a:schemeClr val="tx1"/>
+          </a:fontRef>
+        </p:style>
+      </p:cxnSp>
+      <p:sp>
+        <p:nvSpPr>
+          <p:cNvPr id="37" name="TextBox 36">
+            <a:extLst>
+              <a:ext uri="{FF2B5EF4-FFF2-40B4-BE49-F238E27FC236}">
+                <a16:creationId xmlns:a16="http://schemas.microsoft.com/office/drawing/2014/main" id="{268CBEE4-10FA-3034-D2BA-169AECEB9704}"/>
+              </a:ext>
+            </a:extLst>
+          </p:cNvPr>
+          <p:cNvSpPr txBox="1"/>
+          <p:nvPr/>
+        </p:nvSpPr>
+        <p:spPr>
+          <a:xfrm>
+            <a:off x="5107877" y="3532664"/>
+            <a:ext cx="1451317" cy="923330"/>
+          </a:xfrm>
+          <a:prstGeom prst="rect">
+            <a:avLst/>
+          </a:prstGeom>
+          <a:noFill/>
+        </p:spPr>
+        <p:txBody>
+          <a:bodyPr wrap="square" rtlCol="0">
+            <a:spAutoFit/>
+          </a:bodyPr>
+          <a:lstStyle/>
+          <a:p>
+            <a:r>
+              <a:rPr lang="ru-RU" dirty="0"/>
+              <a:t>ИИ директор</a:t>
+            </a:r>
+            <a:br>
+              <a:rPr lang="ru-RU" dirty="0"/>
+            </a:br>
+            <a:r>
+              <a:rPr lang="ru-RU" dirty="0"/>
+              <a:t>Враги</a:t>
+            </a:r>
+          </a:p>
+          <a:p>
+            <a:r>
+              <a:rPr lang="ru-RU" dirty="0"/>
+              <a:t>6.11</a:t>
+            </a:r>
+          </a:p>
+        </p:txBody>
+      </p:sp>
+      <p:sp>
+        <p:nvSpPr>
+          <p:cNvPr id="41" name="TextBox 40">
+            <a:extLst>
+              <a:ext uri="{FF2B5EF4-FFF2-40B4-BE49-F238E27FC236}">
+                <a16:creationId xmlns:a16="http://schemas.microsoft.com/office/drawing/2014/main" id="{E7FF5F75-6267-B972-7A62-EE65CA10735B}"/>
+              </a:ext>
+            </a:extLst>
+          </p:cNvPr>
+          <p:cNvSpPr txBox="1"/>
+          <p:nvPr/>
+        </p:nvSpPr>
+        <p:spPr>
+          <a:xfrm>
+            <a:off x="5763065" y="1886778"/>
+            <a:ext cx="2167495" cy="1477328"/>
+          </a:xfrm>
+          <a:prstGeom prst="rect">
+            <a:avLst/>
+          </a:prstGeom>
+          <a:noFill/>
+        </p:spPr>
+        <p:txBody>
+          <a:bodyPr wrap="square" rtlCol="0">
+            <a:spAutoFit/>
+          </a:bodyPr>
+          <a:lstStyle/>
+          <a:p>
+            <a:r>
+              <a:rPr lang="ru-RU" dirty="0"/>
+              <a:t>Главное меню</a:t>
+            </a:r>
+          </a:p>
+          <a:p>
+            <a:r>
+              <a:rPr lang="ru-RU" dirty="0"/>
+              <a:t>Финальные штрихи </a:t>
+            </a:r>
+            <a:br>
+              <a:rPr lang="ru-RU" dirty="0"/>
+            </a:br>
+            <a:r>
+              <a:rPr lang="ru-RU" dirty="0"/>
+              <a:t>Балансировка</a:t>
+            </a:r>
+          </a:p>
+          <a:p>
+            <a:r>
+              <a:rPr lang="ru-RU" dirty="0"/>
+              <a:t>19.11</a:t>
+            </a:r>
+          </a:p>
+          <a:p>
+            <a:endParaRPr lang="ru-RU" dirty="0"/>
+          </a:p>
+        </p:txBody>
+      </p:sp>
+      <p:cxnSp>
+        <p:nvCxnSpPr>
+          <p:cNvPr id="46" name="Соединитель: уступ 45">
+            <a:extLst>
+              <a:ext uri="{FF2B5EF4-FFF2-40B4-BE49-F238E27FC236}">
+                <a16:creationId xmlns:a16="http://schemas.microsoft.com/office/drawing/2014/main" id="{58F21B35-A745-E5FB-8468-9FDC9777CE08}"/>
+              </a:ext>
+            </a:extLst>
+          </p:cNvPr>
+          <p:cNvCxnSpPr>
+            <a:cxnSpLocks/>
+            <a:stCxn id="41" idx="2"/>
+          </p:cNvCxnSpPr>
+          <p:nvPr/>
+        </p:nvCxnSpPr>
+        <p:spPr>
+          <a:xfrm rot="16200000" flipH="1">
+            <a:off x="6417411" y="3793508"/>
+            <a:ext cx="1335740" cy="476936"/>
+          </a:xfrm>
+          <a:prstGeom prst="bentConnector3">
+            <a:avLst>
+              <a:gd name="adj1" fmla="val 71113"/>
+            </a:avLst>
+          </a:prstGeom>
+          <a:ln>
+            <a:tailEnd type="triangle"/>
+          </a:ln>
+        </p:spPr>
+        <p:style>
+          <a:lnRef idx="1">
+            <a:schemeClr val="dk1"/>
+          </a:lnRef>
+          <a:fillRef idx="0">
+            <a:schemeClr val="dk1"/>
+          </a:fillRef>
+          <a:effectRef idx="0">
+            <a:schemeClr val="dk1"/>
+          </a:effectRef>
+          <a:fontRef idx="minor">
+            <a:schemeClr val="tx1"/>
+          </a:fontRef>
+        </p:style>
+      </p:cxnSp>
+      <p:sp>
+        <p:nvSpPr>
+          <p:cNvPr id="49" name="Заголовок 1">
+            <a:extLst>
+              <a:ext uri="{FF2B5EF4-FFF2-40B4-BE49-F238E27FC236}">
+                <a16:creationId xmlns:a16="http://schemas.microsoft.com/office/drawing/2014/main" id="{615B8AEF-1FBB-8673-867D-D5AB376A7325}"/>
+              </a:ext>
+            </a:extLst>
+          </p:cNvPr>
+          <p:cNvSpPr>
+            <a:spLocks noGrp="1"/>
+          </p:cNvSpPr>
+          <p:nvPr>
+            <p:ph type="title"/>
+          </p:nvPr>
+        </p:nvSpPr>
+        <p:spPr>
+          <a:xfrm>
+            <a:off x="5123204" y="187580"/>
+            <a:ext cx="2512463" cy="628731"/>
+          </a:xfrm>
+        </p:spPr>
+        <p:txBody>
+          <a:bodyPr>
+            <a:normAutofit fontScale="90000"/>
+          </a:bodyPr>
+          <a:lstStyle/>
+          <a:p>
+            <a:pPr algn="ctr"/>
+            <a:r>
+              <a:rPr lang="ru-RU" dirty="0" err="1"/>
+              <a:t>Таймлайн</a:t>
+            </a:r>
+            <a:endParaRPr lang="ru-RU" dirty="0"/>
+          </a:p>
+        </p:txBody>
+      </p:sp>
+      <p:sp>
+        <p:nvSpPr>
+          <p:cNvPr id="55" name="TextBox 54">
+            <a:extLst>
+              <a:ext uri="{FF2B5EF4-FFF2-40B4-BE49-F238E27FC236}">
+                <a16:creationId xmlns:a16="http://schemas.microsoft.com/office/drawing/2014/main" id="{EA5CEE48-8A23-CAAE-01A9-8E2116336344}"/>
+              </a:ext>
+            </a:extLst>
+          </p:cNvPr>
+          <p:cNvSpPr txBox="1"/>
+          <p:nvPr/>
+        </p:nvSpPr>
+        <p:spPr>
+          <a:xfrm>
+            <a:off x="3929272" y="2440775"/>
+            <a:ext cx="1290044" cy="646331"/>
+          </a:xfrm>
+          <a:prstGeom prst="rect">
+            <a:avLst/>
+          </a:prstGeom>
+          <a:noFill/>
+        </p:spPr>
+        <p:txBody>
+          <a:bodyPr wrap="square" rtlCol="0">
+            <a:spAutoFit/>
+          </a:bodyPr>
+          <a:lstStyle/>
+          <a:p>
+            <a:r>
+              <a:rPr lang="ru-RU" dirty="0"/>
+              <a:t>Интерфейс</a:t>
+            </a:r>
+          </a:p>
+          <a:p>
+            <a:r>
+              <a:rPr lang="ru-RU" dirty="0"/>
+              <a:t>     21.10</a:t>
+            </a:r>
+          </a:p>
+        </p:txBody>
+      </p:sp>
+      <p:sp>
+        <p:nvSpPr>
+          <p:cNvPr id="62" name="TextBox 61">
+            <a:extLst>
+              <a:ext uri="{FF2B5EF4-FFF2-40B4-BE49-F238E27FC236}">
+                <a16:creationId xmlns:a16="http://schemas.microsoft.com/office/drawing/2014/main" id="{87C3AED3-1CA4-3C52-F6FD-A1398025CDA7}"/>
+              </a:ext>
+            </a:extLst>
+          </p:cNvPr>
+          <p:cNvSpPr txBox="1"/>
+          <p:nvPr/>
+        </p:nvSpPr>
+        <p:spPr>
+          <a:xfrm>
+            <a:off x="4476710" y="1468697"/>
+            <a:ext cx="1304787" cy="923330"/>
+          </a:xfrm>
+          <a:prstGeom prst="rect">
+            <a:avLst/>
+          </a:prstGeom>
+          <a:noFill/>
+        </p:spPr>
+        <p:txBody>
+          <a:bodyPr wrap="square" rtlCol="0">
+            <a:spAutoFit/>
+          </a:bodyPr>
+          <a:lstStyle/>
+          <a:p>
+            <a:r>
+              <a:rPr lang="ru-RU" dirty="0"/>
+              <a:t>Система улучшений</a:t>
+            </a:r>
+          </a:p>
+          <a:p>
+            <a:r>
+              <a:rPr lang="ru-RU" dirty="0"/>
+              <a:t>13.11</a:t>
+            </a:r>
+          </a:p>
+        </p:txBody>
+      </p:sp>
+      <p:cxnSp>
+        <p:nvCxnSpPr>
+          <p:cNvPr id="63" name="Соединитель: уступ 62">
+            <a:extLst>
+              <a:ext uri="{FF2B5EF4-FFF2-40B4-BE49-F238E27FC236}">
+                <a16:creationId xmlns:a16="http://schemas.microsoft.com/office/drawing/2014/main" id="{C4E2E326-CD29-8857-DC7F-0652F34BCDC2}"/>
+              </a:ext>
+            </a:extLst>
+          </p:cNvPr>
+          <p:cNvCxnSpPr>
+            <a:cxnSpLocks/>
+          </p:cNvCxnSpPr>
+          <p:nvPr/>
+        </p:nvCxnSpPr>
+        <p:spPr>
+          <a:xfrm rot="16200000" flipH="1">
+            <a:off x="4832286" y="2892463"/>
+            <a:ext cx="2342199" cy="1254162"/>
+          </a:xfrm>
+          <a:prstGeom prst="bentConnector3">
+            <a:avLst>
+              <a:gd name="adj1" fmla="val 50000"/>
+            </a:avLst>
+          </a:prstGeom>
+          <a:ln>
+            <a:tailEnd type="triangle"/>
+          </a:ln>
+        </p:spPr>
+        <p:style>
+          <a:lnRef idx="1">
+            <a:schemeClr val="dk1"/>
+          </a:lnRef>
+          <a:fillRef idx="0">
+            <a:schemeClr val="dk1"/>
+          </a:fillRef>
+          <a:effectRef idx="0">
+            <a:schemeClr val="dk1"/>
+          </a:effectRef>
+          <a:fontRef idx="minor">
+            <a:schemeClr val="tx1"/>
+          </a:fontRef>
+        </p:style>
+      </p:cxnSp>
+      <p:cxnSp>
+        <p:nvCxnSpPr>
+          <p:cNvPr id="68" name="Прямая со стрелкой 67">
+            <a:extLst>
+              <a:ext uri="{FF2B5EF4-FFF2-40B4-BE49-F238E27FC236}">
+                <a16:creationId xmlns:a16="http://schemas.microsoft.com/office/drawing/2014/main" id="{A07C48CE-3081-7CA8-F413-6A746CF7C1FF}"/>
+              </a:ext>
+            </a:extLst>
+          </p:cNvPr>
+          <p:cNvCxnSpPr>
+            <a:cxnSpLocks/>
+            <a:stCxn id="55" idx="2"/>
+          </p:cNvCxnSpPr>
+          <p:nvPr/>
+        </p:nvCxnSpPr>
+        <p:spPr>
+          <a:xfrm>
+            <a:off x="4574294" y="3087106"/>
+            <a:ext cx="16912" cy="1603536"/>
+          </a:xfrm>
+          <a:prstGeom prst="straightConnector1">
+            <a:avLst/>
+          </a:prstGeom>
+          <a:ln>
+            <a:tailEnd type="triangle"/>
+          </a:ln>
+        </p:spPr>
+        <p:style>
+          <a:lnRef idx="1">
+            <a:schemeClr val="dk1"/>
+          </a:lnRef>
+          <a:fillRef idx="0">
+            <a:schemeClr val="dk1"/>
+          </a:fillRef>
+          <a:effectRef idx="0">
+            <a:schemeClr val="dk1"/>
+          </a:effectRef>
+          <a:fontRef idx="minor">
+            <a:schemeClr val="tx1"/>
+          </a:fontRef>
+        </p:style>
+      </p:cxnSp>
+    </p:spTree>
+    <p:extLst>
+      <p:ext uri="{BB962C8B-B14F-4D97-AF65-F5344CB8AC3E}">
+        <p14:creationId xmlns:p14="http://schemas.microsoft.com/office/powerpoint/2010/main" val="310536031"/>
+      </p:ext>
+    </p:extLst>
+  </p:cSld>
+  <p:clrMapOvr>
+    <a:masterClrMapping/>
+  </p:clrMapOvr>
+</p:sld>
+</file>
+
+<file path=ppt/slides/slide4.xml><?xml version="1.0" encoding="utf-8"?>
+<p:sld xmlns:a="http://schemas.openxmlformats.org/drawingml/2006/main" xmlns:r="http://schemas.openxmlformats.org/officeDocument/2006/relationships" xmlns:p="http://schemas.openxmlformats.org/presentationml/2006/main">
+  <p:cSld>
+    <p:spTree>
+      <p:nvGrpSpPr>
+        <p:cNvPr id="1" name=""/>
+        <p:cNvGrpSpPr/>
+        <p:nvPr/>
+      </p:nvGrpSpPr>
+      <p:grpSpPr>
+        <a:xfrm>
+          <a:off x="0" y="0"/>
+          <a:ext cx="0" cy="0"/>
+          <a:chOff x="0" y="0"/>
+          <a:chExt cx="0" cy="0"/>
+        </a:xfrm>
+      </p:grpSpPr>
       <p:sp>
         <p:nvSpPr>
           <p:cNvPr id="2" name="Заголовок 1">
@@ -4771,7 +6432,7 @@
 </p:sld>
 </file>
 
-<file path=ppt/slides/slide4.xml><?xml version="1.0" encoding="utf-8"?>
+<file path=ppt/slides/slide5.xml><?xml version="1.0" encoding="utf-8"?>
 <p:sld xmlns:a="http://schemas.openxmlformats.org/drawingml/2006/main" xmlns:r="http://schemas.openxmlformats.org/officeDocument/2006/relationships" xmlns:p="http://schemas.openxmlformats.org/presentationml/2006/main">
   <p:cSld>
     <p:bg>
@@ -5172,7 +6833,7 @@
 </p:sld>
 </file>
 
-<file path=ppt/slides/slide5.xml><?xml version="1.0" encoding="utf-8"?>
+<file path=ppt/slides/slide6.xml><?xml version="1.0" encoding="utf-8"?>
 <p:sld xmlns:a="http://schemas.openxmlformats.org/drawingml/2006/main" xmlns:r="http://schemas.openxmlformats.org/officeDocument/2006/relationships" xmlns:p="http://schemas.openxmlformats.org/presentationml/2006/main">
   <p:cSld>
     <p:bg>
@@ -5729,386 +7390,6 @@
 </p:sld>
 </file>
 
-<file path=ppt/slides/slide6.xml><?xml version="1.0" encoding="utf-8"?>
-<p:sld xmlns:a="http://schemas.openxmlformats.org/drawingml/2006/main" xmlns:r="http://schemas.openxmlformats.org/officeDocument/2006/relationships" xmlns:p="http://schemas.openxmlformats.org/presentationml/2006/main">
-  <p:cSld>
-    <p:bg>
-      <p:bgPr>
-        <a:solidFill>
-          <a:schemeClr val="bg2"/>
-        </a:solidFill>
-        <a:effectLst/>
-      </p:bgPr>
-    </p:bg>
-    <p:spTree>
-      <p:nvGrpSpPr>
-        <p:cNvPr id="1" name=""/>
-        <p:cNvGrpSpPr/>
-        <p:nvPr/>
-      </p:nvGrpSpPr>
-      <p:grpSpPr>
-        <a:xfrm>
-          <a:off x="0" y="0"/>
-          <a:ext cx="0" cy="0"/>
-          <a:chOff x="0" y="0"/>
-          <a:chExt cx="0" cy="0"/>
-        </a:xfrm>
-      </p:grpSpPr>
-      <p:sp useBgFill="1">
-        <p:nvSpPr>
-          <p:cNvPr id="8" name="Rectangle 7">
-            <a:extLst>
-              <a:ext uri="{FF2B5EF4-FFF2-40B4-BE49-F238E27FC236}">
-                <a16:creationId xmlns:a16="http://schemas.microsoft.com/office/drawing/2014/main" id="{32812C54-7AEF-4ABB-826E-221F51CB0F30}"/>
-              </a:ext>
-              <a:ext uri="{C183D7F6-B498-43B3-948B-1728B52AA6E4}">
-                <adec:decorative xmlns:adec="http://schemas.microsoft.com/office/drawing/2017/decorative" val="1"/>
-              </a:ext>
-            </a:extLst>
-          </p:cNvPr>
-          <p:cNvSpPr>
-            <a:spLocks noGrp="1" noRot="1" noChangeAspect="1" noMove="1" noResize="1" noEditPoints="1" noAdjustHandles="1" noChangeArrowheads="1" noChangeShapeType="1" noTextEdit="1"/>
-          </p:cNvSpPr>
-          <p:nvPr>
-            <p:extLst>
-              <p:ext uri="{386F3935-93C4-4BCD-93E2-E3B085C9AB24}">
-                <p16:designElem xmlns:p16="http://schemas.microsoft.com/office/powerpoint/2015/main" val="1"/>
-              </p:ext>
-            </p:extLst>
-          </p:nvPr>
-        </p:nvSpPr>
-        <p:spPr>
-          <a:xfrm>
-            <a:off x="0" y="0"/>
-            <a:ext cx="12192000" cy="6858000"/>
-          </a:xfrm>
-          <a:prstGeom prst="rect">
-            <a:avLst/>
-          </a:prstGeom>
-          <a:ln>
-            <a:noFill/>
-          </a:ln>
-        </p:spPr>
-        <p:style>
-          <a:lnRef idx="2">
-            <a:schemeClr val="accent1">
-              <a:shade val="50000"/>
-            </a:schemeClr>
-          </a:lnRef>
-          <a:fillRef idx="1">
-            <a:schemeClr val="accent1"/>
-          </a:fillRef>
-          <a:effectRef idx="0">
-            <a:schemeClr val="accent1"/>
-          </a:effectRef>
-          <a:fontRef idx="minor">
-            <a:schemeClr val="lt1"/>
-          </a:fontRef>
-        </p:style>
-        <p:txBody>
-          <a:bodyPr rtlCol="0" anchor="ctr"/>
-          <a:lstStyle/>
-          <a:p>
-            <a:pPr algn="ctr"/>
-            <a:endParaRPr lang="en-US"/>
-          </a:p>
-        </p:txBody>
-      </p:sp>
-      <p:sp>
-        <p:nvSpPr>
-          <p:cNvPr id="10" name="Rectangle 9">
-            <a:extLst>
-              <a:ext uri="{FF2B5EF4-FFF2-40B4-BE49-F238E27FC236}">
-                <a16:creationId xmlns:a16="http://schemas.microsoft.com/office/drawing/2014/main" id="{891F40E4-8A76-44CF-91EC-907367352626}"/>
-              </a:ext>
-              <a:ext uri="{C183D7F6-B498-43B3-948B-1728B52AA6E4}">
-                <adec:decorative xmlns:adec="http://schemas.microsoft.com/office/drawing/2017/decorative" val="1"/>
-              </a:ext>
-            </a:extLst>
-          </p:cNvPr>
-          <p:cNvSpPr>
-            <a:spLocks noGrp="1" noRot="1" noChangeAspect="1" noMove="1" noResize="1" noEditPoints="1" noAdjustHandles="1" noChangeArrowheads="1" noChangeShapeType="1" noTextEdit="1"/>
-          </p:cNvSpPr>
-          <p:nvPr>
-            <p:extLst>
-              <p:ext uri="{386F3935-93C4-4BCD-93E2-E3B085C9AB24}">
-                <p16:designElem xmlns:p16="http://schemas.microsoft.com/office/powerpoint/2015/main" val="1"/>
-              </p:ext>
-            </p:extLst>
-          </p:nvPr>
-        </p:nvSpPr>
-        <p:spPr>
-          <a:xfrm>
-            <a:off x="1" y="376"/>
-            <a:ext cx="3044410" cy="6857624"/>
-          </a:xfrm>
-          <a:prstGeom prst="rect">
-            <a:avLst/>
-          </a:prstGeom>
-          <a:solidFill>
-            <a:schemeClr val="accent1"/>
-          </a:solidFill>
-          <a:ln>
-            <a:noFill/>
-          </a:ln>
-        </p:spPr>
-        <p:style>
-          <a:lnRef idx="2">
-            <a:schemeClr val="accent1">
-              <a:shade val="50000"/>
-            </a:schemeClr>
-          </a:lnRef>
-          <a:fillRef idx="1">
-            <a:schemeClr val="accent1"/>
-          </a:fillRef>
-          <a:effectRef idx="0">
-            <a:schemeClr val="accent1"/>
-          </a:effectRef>
-          <a:fontRef idx="minor">
-            <a:schemeClr val="lt1"/>
-          </a:fontRef>
-        </p:style>
-        <p:txBody>
-          <a:bodyPr/>
-          <a:lstStyle/>
-          <a:p>
-            <a:endParaRPr lang="ru-RU"/>
-          </a:p>
-        </p:txBody>
-      </p:sp>
-      <p:sp>
-        <p:nvSpPr>
-          <p:cNvPr id="2" name="Заголовок 1">
-            <a:extLst>
-              <a:ext uri="{FF2B5EF4-FFF2-40B4-BE49-F238E27FC236}">
-                <a16:creationId xmlns:a16="http://schemas.microsoft.com/office/drawing/2014/main" id="{3CD5CC6D-6FDD-2E4C-9381-6D50330A3509}"/>
-              </a:ext>
-            </a:extLst>
-          </p:cNvPr>
-          <p:cNvSpPr>
-            <a:spLocks noGrp="1"/>
-          </p:cNvSpPr>
-          <p:nvPr>
-            <p:ph type="title"/>
-          </p:nvPr>
-        </p:nvSpPr>
-        <p:spPr>
-          <a:xfrm>
-            <a:off x="143336" y="240102"/>
-            <a:ext cx="2471806" cy="1485900"/>
-          </a:xfrm>
-        </p:spPr>
-        <p:txBody>
-          <a:bodyPr>
-            <a:normAutofit/>
-          </a:bodyPr>
-          <a:lstStyle/>
-          <a:p>
-            <a:r>
-              <a:rPr lang="ru-RU"/>
-              <a:t>Пулемет</a:t>
-            </a:r>
-          </a:p>
-        </p:txBody>
-      </p:sp>
-      <p:sp>
-        <p:nvSpPr>
-          <p:cNvPr id="12" name="Rectangle 11">
-            <a:extLst>
-              <a:ext uri="{FF2B5EF4-FFF2-40B4-BE49-F238E27FC236}">
-                <a16:creationId xmlns:a16="http://schemas.microsoft.com/office/drawing/2014/main" id="{72171013-D973-4187-9CF2-EE098EEF8194}"/>
-              </a:ext>
-              <a:ext uri="{C183D7F6-B498-43B3-948B-1728B52AA6E4}">
-                <adec:decorative xmlns:adec="http://schemas.microsoft.com/office/drawing/2017/decorative" val="1"/>
-              </a:ext>
-            </a:extLst>
-          </p:cNvPr>
-          <p:cNvSpPr>
-            <a:spLocks noGrp="1" noRot="1" noChangeAspect="1" noMove="1" noResize="1" noEditPoints="1" noAdjustHandles="1" noChangeArrowheads="1" noChangeShapeType="1" noTextEdit="1"/>
-          </p:cNvSpPr>
-          <p:nvPr>
-            <p:extLst>
-              <p:ext uri="{386F3935-93C4-4BCD-93E2-E3B085C9AB24}">
-                <p16:designElem xmlns:p16="http://schemas.microsoft.com/office/powerpoint/2015/main" val="1"/>
-              </p:ext>
-            </p:extLst>
-          </p:nvPr>
-        </p:nvSpPr>
-        <p:spPr>
-          <a:xfrm>
-            <a:off x="2815810" y="376"/>
-            <a:ext cx="228600" cy="6858000"/>
-          </a:xfrm>
-          <a:prstGeom prst="rect">
-            <a:avLst/>
-          </a:prstGeom>
-          <a:solidFill>
-            <a:schemeClr val="tx2"/>
-          </a:solidFill>
-          <a:ln>
-            <a:noFill/>
-          </a:ln>
-        </p:spPr>
-        <p:style>
-          <a:lnRef idx="2">
-            <a:schemeClr val="accent1">
-              <a:shade val="50000"/>
-            </a:schemeClr>
-          </a:lnRef>
-          <a:fillRef idx="1">
-            <a:schemeClr val="accent1"/>
-          </a:fillRef>
-          <a:effectRef idx="0">
-            <a:schemeClr val="accent1"/>
-          </a:effectRef>
-          <a:fontRef idx="minor">
-            <a:schemeClr val="lt1"/>
-          </a:fontRef>
-        </p:style>
-        <p:txBody>
-          <a:bodyPr/>
-          <a:lstStyle/>
-          <a:p>
-            <a:endParaRPr lang="ru-RU"/>
-          </a:p>
-        </p:txBody>
-      </p:sp>
-      <p:sp>
-        <p:nvSpPr>
-          <p:cNvPr id="3" name="Объект 2">
-            <a:extLst>
-              <a:ext uri="{FF2B5EF4-FFF2-40B4-BE49-F238E27FC236}">
-                <a16:creationId xmlns:a16="http://schemas.microsoft.com/office/drawing/2014/main" id="{BB6672DB-2BE8-2668-8F39-E3927438C373}"/>
-              </a:ext>
-            </a:extLst>
-          </p:cNvPr>
-          <p:cNvSpPr>
-            <a:spLocks noGrp="1"/>
-          </p:cNvSpPr>
-          <p:nvPr>
-            <p:ph idx="1"/>
-          </p:nvPr>
-        </p:nvSpPr>
-        <p:spPr>
-          <a:xfrm>
-            <a:off x="143336" y="977660"/>
-            <a:ext cx="2572447" cy="5493588"/>
-          </a:xfrm>
-        </p:spPr>
-        <p:txBody>
-          <a:bodyPr vert="horz" lIns="91440" tIns="45720" rIns="91440" bIns="45720" rtlCol="0" anchor="t">
-            <a:normAutofit/>
-          </a:bodyPr>
-          <a:lstStyle/>
-          <a:p>
-            <a:pPr marL="383540" indent="-383540" algn="just"/>
-            <a:r>
-              <a:rPr lang="ru-RU" sz="1400" dirty="0">
-                <a:latin typeface="Times New Roman"/>
-                <a:cs typeface="Times New Roman"/>
-              </a:rPr>
-              <a:t>урон при попадании – 10 единиц;</a:t>
-            </a:r>
-          </a:p>
-          <a:p>
-            <a:pPr marL="383540" indent="-383540" algn="just"/>
-            <a:r>
-              <a:rPr lang="ru-RU" sz="1400" dirty="0">
-                <a:latin typeface="Times New Roman"/>
-                <a:cs typeface="Times New Roman"/>
-              </a:rPr>
-              <a:t>обойма – 20 патронов;</a:t>
-            </a:r>
-          </a:p>
-          <a:p>
-            <a:pPr marL="383540" indent="-383540" algn="just"/>
-            <a:r>
-              <a:rPr lang="ru-RU" sz="1400" dirty="0">
-                <a:latin typeface="Times New Roman"/>
-                <a:cs typeface="Times New Roman"/>
-              </a:rPr>
-              <a:t>время перезарядки – 1.5 сек;</a:t>
-            </a:r>
-          </a:p>
-          <a:p>
-            <a:pPr marL="383540" indent="-383540" algn="just"/>
-            <a:r>
-              <a:rPr lang="ru-RU" sz="1400">
-                <a:latin typeface="Times New Roman"/>
-                <a:cs typeface="Times New Roman"/>
-              </a:rPr>
-              <a:t>максимальный боезапас – 360 патронов; </a:t>
-            </a:r>
-          </a:p>
-          <a:p>
-            <a:pPr marL="383540" indent="-383540" algn="just"/>
-            <a:r>
-              <a:rPr lang="ru-RU" sz="1400" dirty="0">
-                <a:latin typeface="Times New Roman"/>
-                <a:cs typeface="Times New Roman"/>
-              </a:rPr>
-              <a:t>скорострельность – 2 выстрела</a:t>
-            </a:r>
-            <a:r>
-              <a:rPr lang="en-US" sz="1400" dirty="0">
-                <a:latin typeface="Times New Roman"/>
-                <a:cs typeface="Times New Roman"/>
-              </a:rPr>
-              <a:t>/</a:t>
-            </a:r>
-            <a:r>
-              <a:rPr lang="ru-RU" sz="1400" dirty="0">
-                <a:latin typeface="Times New Roman"/>
-                <a:cs typeface="Times New Roman"/>
-              </a:rPr>
-              <a:t>сек;</a:t>
-            </a:r>
-          </a:p>
-        </p:txBody>
-      </p:sp>
-      <p:pic>
-        <p:nvPicPr>
-          <p:cNvPr id="4" name="Рисунок 3" descr="Изображение выглядит как пиксель&#10;&#10;Автоматически созданное описание">
-            <a:extLst>
-              <a:ext uri="{FF2B5EF4-FFF2-40B4-BE49-F238E27FC236}">
-                <a16:creationId xmlns:a16="http://schemas.microsoft.com/office/drawing/2014/main" id="{D8602A18-3296-DBDA-6ED2-E6AA8C5E4C33}"/>
-              </a:ext>
-            </a:extLst>
-          </p:cNvPr>
-          <p:cNvPicPr>
-            <a:picLocks noChangeAspect="1"/>
-          </p:cNvPicPr>
-          <p:nvPr/>
-        </p:nvPicPr>
-        <p:blipFill>
-          <a:blip r:embed="rId2"/>
-          <a:stretch>
-            <a:fillRect/>
-          </a:stretch>
-        </p:blipFill>
-        <p:spPr>
-          <a:xfrm>
-            <a:off x="4326057" y="1780995"/>
-            <a:ext cx="5293923" cy="3540424"/>
-          </a:xfrm>
-          <a:prstGeom prst="rect">
-            <a:avLst/>
-          </a:prstGeom>
-        </p:spPr>
-      </p:pic>
-    </p:spTree>
-    <p:extLst>
-      <p:ext uri="{BB962C8B-B14F-4D97-AF65-F5344CB8AC3E}">
-        <p14:creationId xmlns:p14="http://schemas.microsoft.com/office/powerpoint/2010/main" val="712665720"/>
-      </p:ext>
-    </p:extLst>
-  </p:cSld>
-  <p:clrMapOvr>
-    <a:masterClrMapping/>
-  </p:clrMapOvr>
-</p:sld>
-</file>
-
 <file path=ppt/slides/slide7.xml><?xml version="1.0" encoding="utf-8"?>
 <p:sld xmlns:a="http://schemas.openxmlformats.org/drawingml/2006/main" xmlns:r="http://schemas.openxmlformats.org/officeDocument/2006/relationships" xmlns:p="http://schemas.openxmlformats.org/presentationml/2006/main">
   <p:cSld>
@@ -6285,6 +7566,386 @@
           <a:lstStyle/>
           <a:p>
             <a:r>
+              <a:rPr lang="ru-RU"/>
+              <a:t>Пулемет</a:t>
+            </a:r>
+          </a:p>
+        </p:txBody>
+      </p:sp>
+      <p:sp>
+        <p:nvSpPr>
+          <p:cNvPr id="12" name="Rectangle 11">
+            <a:extLst>
+              <a:ext uri="{FF2B5EF4-FFF2-40B4-BE49-F238E27FC236}">
+                <a16:creationId xmlns:a16="http://schemas.microsoft.com/office/drawing/2014/main" id="{72171013-D973-4187-9CF2-EE098EEF8194}"/>
+              </a:ext>
+              <a:ext uri="{C183D7F6-B498-43B3-948B-1728B52AA6E4}">
+                <adec:decorative xmlns:adec="http://schemas.microsoft.com/office/drawing/2017/decorative" val="1"/>
+              </a:ext>
+            </a:extLst>
+          </p:cNvPr>
+          <p:cNvSpPr>
+            <a:spLocks noGrp="1" noRot="1" noChangeAspect="1" noMove="1" noResize="1" noEditPoints="1" noAdjustHandles="1" noChangeArrowheads="1" noChangeShapeType="1" noTextEdit="1"/>
+          </p:cNvSpPr>
+          <p:nvPr>
+            <p:extLst>
+              <p:ext uri="{386F3935-93C4-4BCD-93E2-E3B085C9AB24}">
+                <p16:designElem xmlns:p16="http://schemas.microsoft.com/office/powerpoint/2015/main" val="1"/>
+              </p:ext>
+            </p:extLst>
+          </p:nvPr>
+        </p:nvSpPr>
+        <p:spPr>
+          <a:xfrm>
+            <a:off x="2815810" y="376"/>
+            <a:ext cx="228600" cy="6858000"/>
+          </a:xfrm>
+          <a:prstGeom prst="rect">
+            <a:avLst/>
+          </a:prstGeom>
+          <a:solidFill>
+            <a:schemeClr val="tx2"/>
+          </a:solidFill>
+          <a:ln>
+            <a:noFill/>
+          </a:ln>
+        </p:spPr>
+        <p:style>
+          <a:lnRef idx="2">
+            <a:schemeClr val="accent1">
+              <a:shade val="50000"/>
+            </a:schemeClr>
+          </a:lnRef>
+          <a:fillRef idx="1">
+            <a:schemeClr val="accent1"/>
+          </a:fillRef>
+          <a:effectRef idx="0">
+            <a:schemeClr val="accent1"/>
+          </a:effectRef>
+          <a:fontRef idx="minor">
+            <a:schemeClr val="lt1"/>
+          </a:fontRef>
+        </p:style>
+        <p:txBody>
+          <a:bodyPr/>
+          <a:lstStyle/>
+          <a:p>
+            <a:endParaRPr lang="ru-RU"/>
+          </a:p>
+        </p:txBody>
+      </p:sp>
+      <p:sp>
+        <p:nvSpPr>
+          <p:cNvPr id="3" name="Объект 2">
+            <a:extLst>
+              <a:ext uri="{FF2B5EF4-FFF2-40B4-BE49-F238E27FC236}">
+                <a16:creationId xmlns:a16="http://schemas.microsoft.com/office/drawing/2014/main" id="{BB6672DB-2BE8-2668-8F39-E3927438C373}"/>
+              </a:ext>
+            </a:extLst>
+          </p:cNvPr>
+          <p:cNvSpPr>
+            <a:spLocks noGrp="1"/>
+          </p:cNvSpPr>
+          <p:nvPr>
+            <p:ph idx="1"/>
+          </p:nvPr>
+        </p:nvSpPr>
+        <p:spPr>
+          <a:xfrm>
+            <a:off x="143336" y="977660"/>
+            <a:ext cx="2572447" cy="5493588"/>
+          </a:xfrm>
+        </p:spPr>
+        <p:txBody>
+          <a:bodyPr vert="horz" lIns="91440" tIns="45720" rIns="91440" bIns="45720" rtlCol="0" anchor="t">
+            <a:normAutofit/>
+          </a:bodyPr>
+          <a:lstStyle/>
+          <a:p>
+            <a:pPr marL="383540" indent="-383540" algn="just"/>
+            <a:r>
+              <a:rPr lang="ru-RU" sz="1400" dirty="0">
+                <a:latin typeface="Times New Roman"/>
+                <a:cs typeface="Times New Roman"/>
+              </a:rPr>
+              <a:t>урон при попадании – 10 единиц;</a:t>
+            </a:r>
+          </a:p>
+          <a:p>
+            <a:pPr marL="383540" indent="-383540" algn="just"/>
+            <a:r>
+              <a:rPr lang="ru-RU" sz="1400" dirty="0">
+                <a:latin typeface="Times New Roman"/>
+                <a:cs typeface="Times New Roman"/>
+              </a:rPr>
+              <a:t>обойма – 20 патронов;</a:t>
+            </a:r>
+          </a:p>
+          <a:p>
+            <a:pPr marL="383540" indent="-383540" algn="just"/>
+            <a:r>
+              <a:rPr lang="ru-RU" sz="1400" dirty="0">
+                <a:latin typeface="Times New Roman"/>
+                <a:cs typeface="Times New Roman"/>
+              </a:rPr>
+              <a:t>время перезарядки – 1.5 сек;</a:t>
+            </a:r>
+          </a:p>
+          <a:p>
+            <a:pPr marL="383540" indent="-383540" algn="just"/>
+            <a:r>
+              <a:rPr lang="ru-RU" sz="1400">
+                <a:latin typeface="Times New Roman"/>
+                <a:cs typeface="Times New Roman"/>
+              </a:rPr>
+              <a:t>максимальный боезапас – 360 патронов; </a:t>
+            </a:r>
+          </a:p>
+          <a:p>
+            <a:pPr marL="383540" indent="-383540" algn="just"/>
+            <a:r>
+              <a:rPr lang="ru-RU" sz="1400" dirty="0">
+                <a:latin typeface="Times New Roman"/>
+                <a:cs typeface="Times New Roman"/>
+              </a:rPr>
+              <a:t>скорострельность – 2 выстрела</a:t>
+            </a:r>
+            <a:r>
+              <a:rPr lang="en-US" sz="1400" dirty="0">
+                <a:latin typeface="Times New Roman"/>
+                <a:cs typeface="Times New Roman"/>
+              </a:rPr>
+              <a:t>/</a:t>
+            </a:r>
+            <a:r>
+              <a:rPr lang="ru-RU" sz="1400" dirty="0">
+                <a:latin typeface="Times New Roman"/>
+                <a:cs typeface="Times New Roman"/>
+              </a:rPr>
+              <a:t>сек;</a:t>
+            </a:r>
+          </a:p>
+        </p:txBody>
+      </p:sp>
+      <p:pic>
+        <p:nvPicPr>
+          <p:cNvPr id="4" name="Рисунок 3" descr="Изображение выглядит как пиксель&#10;&#10;Автоматически созданное описание">
+            <a:extLst>
+              <a:ext uri="{FF2B5EF4-FFF2-40B4-BE49-F238E27FC236}">
+                <a16:creationId xmlns:a16="http://schemas.microsoft.com/office/drawing/2014/main" id="{D8602A18-3296-DBDA-6ED2-E6AA8C5E4C33}"/>
+              </a:ext>
+            </a:extLst>
+          </p:cNvPr>
+          <p:cNvPicPr>
+            <a:picLocks noChangeAspect="1"/>
+          </p:cNvPicPr>
+          <p:nvPr/>
+        </p:nvPicPr>
+        <p:blipFill>
+          <a:blip r:embed="rId2"/>
+          <a:stretch>
+            <a:fillRect/>
+          </a:stretch>
+        </p:blipFill>
+        <p:spPr>
+          <a:xfrm>
+            <a:off x="4326057" y="1780995"/>
+            <a:ext cx="5293923" cy="3540424"/>
+          </a:xfrm>
+          <a:prstGeom prst="rect">
+            <a:avLst/>
+          </a:prstGeom>
+        </p:spPr>
+      </p:pic>
+    </p:spTree>
+    <p:extLst>
+      <p:ext uri="{BB962C8B-B14F-4D97-AF65-F5344CB8AC3E}">
+        <p14:creationId xmlns:p14="http://schemas.microsoft.com/office/powerpoint/2010/main" val="712665720"/>
+      </p:ext>
+    </p:extLst>
+  </p:cSld>
+  <p:clrMapOvr>
+    <a:masterClrMapping/>
+  </p:clrMapOvr>
+</p:sld>
+</file>
+
+<file path=ppt/slides/slide8.xml><?xml version="1.0" encoding="utf-8"?>
+<p:sld xmlns:a="http://schemas.openxmlformats.org/drawingml/2006/main" xmlns:r="http://schemas.openxmlformats.org/officeDocument/2006/relationships" xmlns:p="http://schemas.openxmlformats.org/presentationml/2006/main">
+  <p:cSld>
+    <p:bg>
+      <p:bgPr>
+        <a:solidFill>
+          <a:schemeClr val="bg2"/>
+        </a:solidFill>
+        <a:effectLst/>
+      </p:bgPr>
+    </p:bg>
+    <p:spTree>
+      <p:nvGrpSpPr>
+        <p:cNvPr id="1" name=""/>
+        <p:cNvGrpSpPr/>
+        <p:nvPr/>
+      </p:nvGrpSpPr>
+      <p:grpSpPr>
+        <a:xfrm>
+          <a:off x="0" y="0"/>
+          <a:ext cx="0" cy="0"/>
+          <a:chOff x="0" y="0"/>
+          <a:chExt cx="0" cy="0"/>
+        </a:xfrm>
+      </p:grpSpPr>
+      <p:sp useBgFill="1">
+        <p:nvSpPr>
+          <p:cNvPr id="8" name="Rectangle 7">
+            <a:extLst>
+              <a:ext uri="{FF2B5EF4-FFF2-40B4-BE49-F238E27FC236}">
+                <a16:creationId xmlns:a16="http://schemas.microsoft.com/office/drawing/2014/main" id="{32812C54-7AEF-4ABB-826E-221F51CB0F30}"/>
+              </a:ext>
+              <a:ext uri="{C183D7F6-B498-43B3-948B-1728B52AA6E4}">
+                <adec:decorative xmlns:adec="http://schemas.microsoft.com/office/drawing/2017/decorative" val="1"/>
+              </a:ext>
+            </a:extLst>
+          </p:cNvPr>
+          <p:cNvSpPr>
+            <a:spLocks noGrp="1" noRot="1" noChangeAspect="1" noMove="1" noResize="1" noEditPoints="1" noAdjustHandles="1" noChangeArrowheads="1" noChangeShapeType="1" noTextEdit="1"/>
+          </p:cNvSpPr>
+          <p:nvPr>
+            <p:extLst>
+              <p:ext uri="{386F3935-93C4-4BCD-93E2-E3B085C9AB24}">
+                <p16:designElem xmlns:p16="http://schemas.microsoft.com/office/powerpoint/2015/main" val="1"/>
+              </p:ext>
+            </p:extLst>
+          </p:nvPr>
+        </p:nvSpPr>
+        <p:spPr>
+          <a:xfrm>
+            <a:off x="0" y="0"/>
+            <a:ext cx="12192000" cy="6858000"/>
+          </a:xfrm>
+          <a:prstGeom prst="rect">
+            <a:avLst/>
+          </a:prstGeom>
+          <a:ln>
+            <a:noFill/>
+          </a:ln>
+        </p:spPr>
+        <p:style>
+          <a:lnRef idx="2">
+            <a:schemeClr val="accent1">
+              <a:shade val="50000"/>
+            </a:schemeClr>
+          </a:lnRef>
+          <a:fillRef idx="1">
+            <a:schemeClr val="accent1"/>
+          </a:fillRef>
+          <a:effectRef idx="0">
+            <a:schemeClr val="accent1"/>
+          </a:effectRef>
+          <a:fontRef idx="minor">
+            <a:schemeClr val="lt1"/>
+          </a:fontRef>
+        </p:style>
+        <p:txBody>
+          <a:bodyPr rtlCol="0" anchor="ctr"/>
+          <a:lstStyle/>
+          <a:p>
+            <a:pPr algn="ctr"/>
+            <a:endParaRPr lang="en-US"/>
+          </a:p>
+        </p:txBody>
+      </p:sp>
+      <p:sp>
+        <p:nvSpPr>
+          <p:cNvPr id="10" name="Rectangle 9">
+            <a:extLst>
+              <a:ext uri="{FF2B5EF4-FFF2-40B4-BE49-F238E27FC236}">
+                <a16:creationId xmlns:a16="http://schemas.microsoft.com/office/drawing/2014/main" id="{891F40E4-8A76-44CF-91EC-907367352626}"/>
+              </a:ext>
+              <a:ext uri="{C183D7F6-B498-43B3-948B-1728B52AA6E4}">
+                <adec:decorative xmlns:adec="http://schemas.microsoft.com/office/drawing/2017/decorative" val="1"/>
+              </a:ext>
+            </a:extLst>
+          </p:cNvPr>
+          <p:cNvSpPr>
+            <a:spLocks noGrp="1" noRot="1" noChangeAspect="1" noMove="1" noResize="1" noEditPoints="1" noAdjustHandles="1" noChangeArrowheads="1" noChangeShapeType="1" noTextEdit="1"/>
+          </p:cNvSpPr>
+          <p:nvPr>
+            <p:extLst>
+              <p:ext uri="{386F3935-93C4-4BCD-93E2-E3B085C9AB24}">
+                <p16:designElem xmlns:p16="http://schemas.microsoft.com/office/powerpoint/2015/main" val="1"/>
+              </p:ext>
+            </p:extLst>
+          </p:nvPr>
+        </p:nvSpPr>
+        <p:spPr>
+          <a:xfrm>
+            <a:off x="1" y="376"/>
+            <a:ext cx="3044410" cy="6857624"/>
+          </a:xfrm>
+          <a:prstGeom prst="rect">
+            <a:avLst/>
+          </a:prstGeom>
+          <a:solidFill>
+            <a:schemeClr val="accent1"/>
+          </a:solidFill>
+          <a:ln>
+            <a:noFill/>
+          </a:ln>
+        </p:spPr>
+        <p:style>
+          <a:lnRef idx="2">
+            <a:schemeClr val="accent1">
+              <a:shade val="50000"/>
+            </a:schemeClr>
+          </a:lnRef>
+          <a:fillRef idx="1">
+            <a:schemeClr val="accent1"/>
+          </a:fillRef>
+          <a:effectRef idx="0">
+            <a:schemeClr val="accent1"/>
+          </a:effectRef>
+          <a:fontRef idx="minor">
+            <a:schemeClr val="lt1"/>
+          </a:fontRef>
+        </p:style>
+        <p:txBody>
+          <a:bodyPr/>
+          <a:lstStyle/>
+          <a:p>
+            <a:endParaRPr lang="ru-RU"/>
+          </a:p>
+        </p:txBody>
+      </p:sp>
+      <p:sp>
+        <p:nvSpPr>
+          <p:cNvPr id="2" name="Заголовок 1">
+            <a:extLst>
+              <a:ext uri="{FF2B5EF4-FFF2-40B4-BE49-F238E27FC236}">
+                <a16:creationId xmlns:a16="http://schemas.microsoft.com/office/drawing/2014/main" id="{3CD5CC6D-6FDD-2E4C-9381-6D50330A3509}"/>
+              </a:ext>
+            </a:extLst>
+          </p:cNvPr>
+          <p:cNvSpPr>
+            <a:spLocks noGrp="1"/>
+          </p:cNvSpPr>
+          <p:nvPr>
+            <p:ph type="title"/>
+          </p:nvPr>
+        </p:nvSpPr>
+        <p:spPr>
+          <a:xfrm>
+            <a:off x="143336" y="240102"/>
+            <a:ext cx="2471806" cy="1485900"/>
+          </a:xfrm>
+        </p:spPr>
+        <p:txBody>
+          <a:bodyPr>
+            <a:normAutofit/>
+          </a:bodyPr>
+          <a:lstStyle/>
+          <a:p>
+            <a:r>
               <a:rPr lang="ru-RU" dirty="0"/>
               <a:t>Бур</a:t>
             </a:r>
@@ -6510,7 +8171,7 @@
 </p:sld>
 </file>
 
-<file path=ppt/slides/slide8.xml><?xml version="1.0" encoding="utf-8"?>
+<file path=ppt/slides/slide9.xml><?xml version="1.0" encoding="utf-8"?>
 <p:sld xmlns:a="http://schemas.openxmlformats.org/drawingml/2006/main" xmlns:r="http://schemas.openxmlformats.org/officeDocument/2006/relationships" xmlns:p="http://schemas.openxmlformats.org/presentationml/2006/main">
   <p:cSld>
     <p:bg>
@@ -7019,474 +8680,6 @@
     <p:extLst>
       <p:ext uri="{BB962C8B-B14F-4D97-AF65-F5344CB8AC3E}">
         <p14:creationId xmlns:p14="http://schemas.microsoft.com/office/powerpoint/2010/main" val="2213629710"/>
-      </p:ext>
-    </p:extLst>
-  </p:cSld>
-  <p:clrMapOvr>
-    <a:masterClrMapping/>
-  </p:clrMapOvr>
-</p:sld>
-</file>
-
-<file path=ppt/slides/slide9.xml><?xml version="1.0" encoding="utf-8"?>
-<p:sld xmlns:a="http://schemas.openxmlformats.org/drawingml/2006/main" xmlns:r="http://schemas.openxmlformats.org/officeDocument/2006/relationships" xmlns:p="http://schemas.openxmlformats.org/presentationml/2006/main">
-  <p:cSld>
-    <p:bg>
-      <p:bgPr>
-        <a:solidFill>
-          <a:schemeClr val="bg2"/>
-        </a:solidFill>
-        <a:effectLst/>
-      </p:bgPr>
-    </p:bg>
-    <p:spTree>
-      <p:nvGrpSpPr>
-        <p:cNvPr id="1" name=""/>
-        <p:cNvGrpSpPr/>
-        <p:nvPr/>
-      </p:nvGrpSpPr>
-      <p:grpSpPr>
-        <a:xfrm>
-          <a:off x="0" y="0"/>
-          <a:ext cx="0" cy="0"/>
-          <a:chOff x="0" y="0"/>
-          <a:chExt cx="0" cy="0"/>
-        </a:xfrm>
-      </p:grpSpPr>
-      <p:grpSp>
-        <p:nvGrpSpPr>
-          <p:cNvPr id="8" name="Group 7">
-            <a:extLst>
-              <a:ext uri="{FF2B5EF4-FFF2-40B4-BE49-F238E27FC236}">
-                <a16:creationId xmlns:a16="http://schemas.microsoft.com/office/drawing/2014/main" id="{8C89EA62-F38E-4285-A105-C5E1BD360093}"/>
-              </a:ext>
-              <a:ext uri="{C183D7F6-B498-43B3-948B-1728B52AA6E4}">
-                <adec:decorative xmlns:adec="http://schemas.microsoft.com/office/drawing/2017/decorative" val="1"/>
-              </a:ext>
-            </a:extLst>
-          </p:cNvPr>
-          <p:cNvGrpSpPr>
-            <a:grpSpLocks noGrp="1" noUngrp="1" noRot="1" noChangeAspect="1" noMove="1" noResize="1"/>
-          </p:cNvGrpSpPr>
-          <p:nvPr>
-            <p:extLst>
-              <p:ext uri="{386F3935-93C4-4BCD-93E2-E3B085C9AB24}">
-                <p16:designElem xmlns:p16="http://schemas.microsoft.com/office/powerpoint/2015/main" val="1"/>
-              </p:ext>
-            </p:extLst>
-          </p:nvPr>
-        </p:nvGrpSpPr>
-        <p:grpSpPr>
-          <a:xfrm>
-            <a:off x="752858" y="744469"/>
-            <a:ext cx="10674117" cy="5349671"/>
-            <a:chOff x="752858" y="744469"/>
-            <a:chExt cx="10674117" cy="5349671"/>
-          </a:xfrm>
-        </p:grpSpPr>
-        <p:sp>
-          <p:nvSpPr>
-            <p:cNvPr id="9" name="Freeform 6">
-              <a:extLst>
-                <a:ext uri="{FF2B5EF4-FFF2-40B4-BE49-F238E27FC236}">
-                  <a16:creationId xmlns:a16="http://schemas.microsoft.com/office/drawing/2014/main" id="{2CF6E46A-CCCD-4728-B011-E147B23629A3}"/>
-                </a:ext>
-                <a:ext uri="{C183D7F6-B498-43B3-948B-1728B52AA6E4}">
-                  <adec:decorative xmlns:adec="http://schemas.microsoft.com/office/drawing/2017/decorative" val="1"/>
-                </a:ext>
-              </a:extLst>
-            </p:cNvPr>
-            <p:cNvSpPr/>
-            <p:nvPr>
-              <p:extLst>
-                <p:ext uri="{386F3935-93C4-4BCD-93E2-E3B085C9AB24}">
-                  <p16:designElem xmlns:p16="http://schemas.microsoft.com/office/powerpoint/2015/main" val="1"/>
-                </p:ext>
-              </p:extLst>
-            </p:nvPr>
-          </p:nvSpPr>
-          <p:spPr bwMode="auto">
-            <a:xfrm>
-              <a:off x="8151962" y="1685652"/>
-              <a:ext cx="3275013" cy="4408488"/>
-            </a:xfrm>
-            <a:custGeom>
-              <a:avLst/>
-              <a:gdLst/>
-              <a:ahLst/>
-              <a:cxnLst/>
-              <a:rect l="l" t="t" r="r" b="b"/>
-              <a:pathLst>
-                <a:path w="10000" h="10000">
-                  <a:moveTo>
-                    <a:pt x="8761" y="0"/>
-                  </a:moveTo>
-                  <a:lnTo>
-                    <a:pt x="10000" y="0"/>
-                  </a:lnTo>
-                  <a:lnTo>
-                    <a:pt x="10000" y="10000"/>
-                  </a:lnTo>
-                  <a:lnTo>
-                    <a:pt x="0" y="10000"/>
-                  </a:lnTo>
-                  <a:lnTo>
-                    <a:pt x="0" y="9126"/>
-                  </a:lnTo>
-                  <a:lnTo>
-                    <a:pt x="8761" y="9127"/>
-                  </a:lnTo>
-                  <a:lnTo>
-                    <a:pt x="8761" y="0"/>
-                  </a:lnTo>
-                  <a:close/>
-                </a:path>
-              </a:pathLst>
-            </a:custGeom>
-            <a:solidFill>
-              <a:schemeClr val="tx2"/>
-            </a:solidFill>
-            <a:ln w="0">
-              <a:noFill/>
-              <a:prstDash val="solid"/>
-              <a:round/>
-              <a:headEnd/>
-              <a:tailEnd/>
-            </a:ln>
-          </p:spPr>
-          <p:txBody>
-            <a:bodyPr/>
-            <a:lstStyle/>
-            <a:p>
-              <a:endParaRPr lang="ru-RU"/>
-            </a:p>
-          </p:txBody>
-        </p:sp>
-        <p:sp>
-          <p:nvSpPr>
-            <p:cNvPr id="10" name="Freeform 6">
-              <a:extLst>
-                <a:ext uri="{FF2B5EF4-FFF2-40B4-BE49-F238E27FC236}">
-                  <a16:creationId xmlns:a16="http://schemas.microsoft.com/office/drawing/2014/main" id="{2E2C684B-30C9-4689-A529-EBF1B8ADB215}"/>
-                </a:ext>
-                <a:ext uri="{C183D7F6-B498-43B3-948B-1728B52AA6E4}">
-                  <adec:decorative xmlns:adec="http://schemas.microsoft.com/office/drawing/2017/decorative" val="1"/>
-                </a:ext>
-              </a:extLst>
-            </p:cNvPr>
-            <p:cNvSpPr/>
-            <p:nvPr>
-              <p:extLst>
-                <p:ext uri="{386F3935-93C4-4BCD-93E2-E3B085C9AB24}">
-                  <p16:designElem xmlns:p16="http://schemas.microsoft.com/office/powerpoint/2015/main" val="1"/>
-                </p:ext>
-              </p:extLst>
-            </p:nvPr>
-          </p:nvSpPr>
-          <p:spPr bwMode="auto">
-            <a:xfrm flipH="1" flipV="1">
-              <a:off x="752858" y="744469"/>
-              <a:ext cx="3275668" cy="4408488"/>
-            </a:xfrm>
-            <a:custGeom>
-              <a:avLst/>
-              <a:gdLst/>
-              <a:ahLst/>
-              <a:cxnLst/>
-              <a:rect l="l" t="t" r="r" b="b"/>
-              <a:pathLst>
-                <a:path w="10002" h="10000">
-                  <a:moveTo>
-                    <a:pt x="8763" y="0"/>
-                  </a:moveTo>
-                  <a:lnTo>
-                    <a:pt x="10002" y="0"/>
-                  </a:lnTo>
-                  <a:lnTo>
-                    <a:pt x="10002" y="10000"/>
-                  </a:lnTo>
-                  <a:lnTo>
-                    <a:pt x="2" y="10000"/>
-                  </a:lnTo>
-                  <a:cubicBezTo>
-                    <a:pt x="-2" y="9698"/>
-                    <a:pt x="4" y="9427"/>
-                    <a:pt x="0" y="9125"/>
-                  </a:cubicBezTo>
-                  <a:lnTo>
-                    <a:pt x="8763" y="9128"/>
-                  </a:lnTo>
-                  <a:lnTo>
-                    <a:pt x="8763" y="0"/>
-                  </a:lnTo>
-                  <a:close/>
-                </a:path>
-              </a:pathLst>
-            </a:custGeom>
-            <a:solidFill>
-              <a:schemeClr val="tx2"/>
-            </a:solidFill>
-            <a:ln w="0">
-              <a:noFill/>
-              <a:prstDash val="solid"/>
-              <a:round/>
-              <a:headEnd/>
-              <a:tailEnd/>
-            </a:ln>
-          </p:spPr>
-          <p:txBody>
-            <a:bodyPr/>
-            <a:lstStyle/>
-            <a:p>
-              <a:endParaRPr lang="ru-RU"/>
-            </a:p>
-          </p:txBody>
-        </p:sp>
-      </p:grpSp>
-      <p:sp useBgFill="1">
-        <p:nvSpPr>
-          <p:cNvPr id="12" name="Rectangle 11">
-            <a:extLst>
-              <a:ext uri="{FF2B5EF4-FFF2-40B4-BE49-F238E27FC236}">
-                <a16:creationId xmlns:a16="http://schemas.microsoft.com/office/drawing/2014/main" id="{D8E74CFB-EAAD-43E9-BDAC-AAE4F8E86B83}"/>
-              </a:ext>
-              <a:ext uri="{C183D7F6-B498-43B3-948B-1728B52AA6E4}">
-                <adec:decorative xmlns:adec="http://schemas.microsoft.com/office/drawing/2017/decorative" val="1"/>
-              </a:ext>
-            </a:extLst>
-          </p:cNvPr>
-          <p:cNvSpPr>
-            <a:spLocks noGrp="1" noRot="1" noChangeAspect="1" noMove="1" noResize="1" noEditPoints="1" noAdjustHandles="1" noChangeArrowheads="1" noChangeShapeType="1" noTextEdit="1"/>
-          </p:cNvSpPr>
-          <p:nvPr>
-            <p:extLst>
-              <p:ext uri="{386F3935-93C4-4BCD-93E2-E3B085C9AB24}">
-                <p16:designElem xmlns:p16="http://schemas.microsoft.com/office/powerpoint/2015/main" val="1"/>
-              </p:ext>
-            </p:extLst>
-          </p:nvPr>
-        </p:nvSpPr>
-        <p:spPr bwMode="grayWhite">
-          <a:xfrm>
-            <a:off x="0" y="0"/>
-            <a:ext cx="12192000" cy="6858000"/>
-          </a:xfrm>
-          <a:prstGeom prst="rect">
-            <a:avLst/>
-          </a:prstGeom>
-          <a:ln>
-            <a:noFill/>
-          </a:ln>
-        </p:spPr>
-        <p:style>
-          <a:lnRef idx="2">
-            <a:schemeClr val="accent1">
-              <a:shade val="50000"/>
-            </a:schemeClr>
-          </a:lnRef>
-          <a:fillRef idx="1">
-            <a:schemeClr val="accent1"/>
-          </a:fillRef>
-          <a:effectRef idx="0">
-            <a:schemeClr val="accent1"/>
-          </a:effectRef>
-          <a:fontRef idx="minor">
-            <a:schemeClr val="lt1"/>
-          </a:fontRef>
-        </p:style>
-        <p:txBody>
-          <a:bodyPr rtlCol="0" anchor="ctr"/>
-          <a:lstStyle/>
-          <a:p>
-            <a:pPr algn="ctr"/>
-            <a:endParaRPr lang="en-US"/>
-          </a:p>
-        </p:txBody>
-      </p:sp>
-      <p:sp>
-        <p:nvSpPr>
-          <p:cNvPr id="14" name="Rectangle 13">
-            <a:extLst>
-              <a:ext uri="{FF2B5EF4-FFF2-40B4-BE49-F238E27FC236}">
-                <a16:creationId xmlns:a16="http://schemas.microsoft.com/office/drawing/2014/main" id="{D6E31D67-858D-409A-863E-EE8DEB9CC1E5}"/>
-              </a:ext>
-              <a:ext uri="{C183D7F6-B498-43B3-948B-1728B52AA6E4}">
-                <adec:decorative xmlns:adec="http://schemas.microsoft.com/office/drawing/2017/decorative" val="1"/>
-              </a:ext>
-            </a:extLst>
-          </p:cNvPr>
-          <p:cNvSpPr>
-            <a:spLocks noGrp="1" noRot="1" noChangeAspect="1" noMove="1" noResize="1" noEditPoints="1" noAdjustHandles="1" noChangeArrowheads="1" noChangeShapeType="1" noTextEdit="1"/>
-          </p:cNvSpPr>
-          <p:nvPr>
-            <p:extLst>
-              <p:ext uri="{386F3935-93C4-4BCD-93E2-E3B085C9AB24}">
-                <p16:designElem xmlns:p16="http://schemas.microsoft.com/office/powerpoint/2015/main" val="1"/>
-              </p:ext>
-            </p:extLst>
-          </p:nvPr>
-        </p:nvSpPr>
-        <p:spPr>
-          <a:xfrm>
-            <a:off x="1" y="376"/>
-            <a:ext cx="3157728" cy="6857624"/>
-          </a:xfrm>
-          <a:prstGeom prst="rect">
-            <a:avLst/>
-          </a:prstGeom>
-          <a:solidFill>
-            <a:schemeClr val="accent1"/>
-          </a:solidFill>
-          <a:ln>
-            <a:noFill/>
-          </a:ln>
-        </p:spPr>
-        <p:style>
-          <a:lnRef idx="2">
-            <a:schemeClr val="accent1">
-              <a:shade val="50000"/>
-            </a:schemeClr>
-          </a:lnRef>
-          <a:fillRef idx="1">
-            <a:schemeClr val="accent1"/>
-          </a:fillRef>
-          <a:effectRef idx="0">
-            <a:schemeClr val="accent1"/>
-          </a:effectRef>
-          <a:fontRef idx="minor">
-            <a:schemeClr val="lt1"/>
-          </a:fontRef>
-        </p:style>
-        <p:txBody>
-          <a:bodyPr/>
-          <a:lstStyle/>
-          <a:p>
-            <a:endParaRPr lang="ru-RU"/>
-          </a:p>
-        </p:txBody>
-      </p:sp>
-      <p:sp>
-        <p:nvSpPr>
-          <p:cNvPr id="16" name="Freeform 6">
-            <a:extLst>
-              <a:ext uri="{FF2B5EF4-FFF2-40B4-BE49-F238E27FC236}">
-                <a16:creationId xmlns:a16="http://schemas.microsoft.com/office/drawing/2014/main" id="{0C11AD76-2664-4F1B-8A6E-71601C059E24}"/>
-              </a:ext>
-              <a:ext uri="{C183D7F6-B498-43B3-948B-1728B52AA6E4}">
-                <adec:decorative xmlns:adec="http://schemas.microsoft.com/office/drawing/2017/decorative" val="1"/>
-              </a:ext>
-            </a:extLst>
-          </p:cNvPr>
-          <p:cNvSpPr>
-            <a:spLocks noGrp="1" noRot="1" noChangeAspect="1" noMove="1" noResize="1" noEditPoints="1" noAdjustHandles="1" noChangeArrowheads="1" noChangeShapeType="1" noTextEdit="1"/>
-          </p:cNvSpPr>
-          <p:nvPr>
-            <p:extLst>
-              <p:ext uri="{386F3935-93C4-4BCD-93E2-E3B085C9AB24}">
-                <p16:designElem xmlns:p16="http://schemas.microsoft.com/office/powerpoint/2015/main" val="1"/>
-              </p:ext>
-            </p:extLst>
-          </p:nvPr>
-        </p:nvSpPr>
-        <p:spPr bwMode="auto">
-          <a:xfrm flipH="1" flipV="1">
-            <a:off x="3922753" y="744469"/>
-            <a:ext cx="3275668" cy="4408488"/>
-          </a:xfrm>
-          <a:custGeom>
-            <a:avLst/>
-            <a:gdLst/>
-            <a:ahLst/>
-            <a:cxnLst/>
-            <a:rect l="l" t="t" r="r" b="b"/>
-            <a:pathLst>
-              <a:path w="10002" h="10000">
-                <a:moveTo>
-                  <a:pt x="8763" y="0"/>
-                </a:moveTo>
-                <a:lnTo>
-                  <a:pt x="10002" y="0"/>
-                </a:lnTo>
-                <a:lnTo>
-                  <a:pt x="10002" y="10000"/>
-                </a:lnTo>
-                <a:lnTo>
-                  <a:pt x="2" y="10000"/>
-                </a:lnTo>
-                <a:cubicBezTo>
-                  <a:pt x="-2" y="9698"/>
-                  <a:pt x="4" y="9427"/>
-                  <a:pt x="0" y="9125"/>
-                </a:cubicBezTo>
-                <a:lnTo>
-                  <a:pt x="8763" y="9128"/>
-                </a:lnTo>
-                <a:lnTo>
-                  <a:pt x="8763" y="0"/>
-                </a:lnTo>
-                <a:close/>
-              </a:path>
-            </a:pathLst>
-          </a:custGeom>
-          <a:solidFill>
-            <a:schemeClr val="tx2"/>
-          </a:solidFill>
-          <a:ln w="0">
-            <a:noFill/>
-            <a:prstDash val="solid"/>
-            <a:round/>
-            <a:headEnd/>
-            <a:tailEnd/>
-          </a:ln>
-        </p:spPr>
-        <p:txBody>
-          <a:bodyPr/>
-          <a:lstStyle/>
-          <a:p>
-            <a:endParaRPr lang="ru-RU"/>
-          </a:p>
-        </p:txBody>
-      </p:sp>
-      <p:sp>
-        <p:nvSpPr>
-          <p:cNvPr id="2" name="Заголовок 1">
-            <a:extLst>
-              <a:ext uri="{FF2B5EF4-FFF2-40B4-BE49-F238E27FC236}">
-                <a16:creationId xmlns:a16="http://schemas.microsoft.com/office/drawing/2014/main" id="{8710C210-D368-F84C-59E0-2B13F2C7B4A7}"/>
-              </a:ext>
-            </a:extLst>
-          </p:cNvPr>
-          <p:cNvSpPr>
-            <a:spLocks noGrp="1"/>
-          </p:cNvSpPr>
-          <p:nvPr>
-            <p:ph type="title"/>
-          </p:nvPr>
-        </p:nvSpPr>
-        <p:spPr>
-          <a:xfrm>
-            <a:off x="4648417" y="1480930"/>
-            <a:ext cx="6778558" cy="3254321"/>
-          </a:xfrm>
-        </p:spPr>
-        <p:txBody>
-          <a:bodyPr vert="horz" lIns="91440" tIns="45720" rIns="91440" bIns="45720" rtlCol="0" anchor="b">
-            <a:normAutofit/>
-          </a:bodyPr>
-          <a:lstStyle/>
-          <a:p>
-            <a:r>
-              <a:rPr lang="ru-RU" sz="6600" cap="all" dirty="0"/>
-              <a:t>Спасибо за внимание</a:t>
-            </a:r>
-            <a:endParaRPr lang="en-US" sz="6600" cap="all" dirty="0"/>
-          </a:p>
-        </p:txBody>
-      </p:sp>
-    </p:spTree>
-    <p:extLst>
-      <p:ext uri="{BB962C8B-B14F-4D97-AF65-F5344CB8AC3E}">
-        <p14:creationId xmlns:p14="http://schemas.microsoft.com/office/powerpoint/2010/main" val="2226758439"/>
       </p:ext>
     </p:extLst>
   </p:cSld>
